--- a/Diapositivas/0. Test Automation.pptx
+++ b/Diapositivas/0. Test Automation.pptx
@@ -5,7 +5,7 @@
     <p:sldMasterId id="2147483684" r:id="rId1"/>
   </p:sldMasterIdLst>
   <p:notesMasterIdLst>
-    <p:notesMasterId r:id="rId12"/>
+    <p:notesMasterId r:id="rId11"/>
   </p:notesMasterIdLst>
   <p:sldIdLst>
     <p:sldId id="609" r:id="rId2"/>
@@ -14,10 +14,9 @@
     <p:sldId id="466" r:id="rId5"/>
     <p:sldId id="610" r:id="rId6"/>
     <p:sldId id="571" r:id="rId7"/>
-    <p:sldId id="567" r:id="rId8"/>
-    <p:sldId id="573" r:id="rId9"/>
-    <p:sldId id="572" r:id="rId10"/>
-    <p:sldId id="611" r:id="rId11"/>
+    <p:sldId id="572" r:id="rId8"/>
+    <p:sldId id="567" r:id="rId9"/>
+    <p:sldId id="611" r:id="rId10"/>
   </p:sldIdLst>
   <p:sldSz cx="9144000" cy="6858000" type="screen4x3"/>
   <p:notesSz cx="6858000" cy="9144000"/>
@@ -217,7 +216,7 @@
           <a:p>
             <a:fld id="{63D5FC4C-9EE1-4746-A368-724F618FC790}" type="datetimeFigureOut">
               <a:rPr lang="es-PE" smtClean="0"/>
-              <a:t>09/11/2012</a:t>
+              <a:t>26/01/2013</a:t>
             </a:fld>
             <a:endParaRPr lang="es-PE"/>
           </a:p>
@@ -569,90 +568,6 @@
 </p:notes>
 </file>
 
-<file path=ppt/notesSlides/notesSlide10.xml><?xml version="1.0" encoding="utf-8"?>
-<p:notes xmlns:a="http://schemas.openxmlformats.org/drawingml/2006/main" xmlns:r="http://schemas.openxmlformats.org/officeDocument/2006/relationships" xmlns:p="http://schemas.openxmlformats.org/presentationml/2006/main">
-  <p:cSld>
-    <p:spTree>
-      <p:nvGrpSpPr>
-        <p:cNvPr id="1" name=""/>
-        <p:cNvGrpSpPr/>
-        <p:nvPr/>
-      </p:nvGrpSpPr>
-      <p:grpSpPr>
-        <a:xfrm>
-          <a:off x="0" y="0"/>
-          <a:ext cx="0" cy="0"/>
-          <a:chOff x="0" y="0"/>
-          <a:chExt cx="0" cy="0"/>
-        </a:xfrm>
-      </p:grpSpPr>
-      <p:sp>
-        <p:nvSpPr>
-          <p:cNvPr id="2" name="1 Marcador de imagen de diapositiva"/>
-          <p:cNvSpPr>
-            <a:spLocks noGrp="1" noRot="1" noChangeAspect="1"/>
-          </p:cNvSpPr>
-          <p:nvPr>
-            <p:ph type="sldImg"/>
-          </p:nvPr>
-        </p:nvSpPr>
-        <p:spPr/>
-      </p:sp>
-      <p:sp>
-        <p:nvSpPr>
-          <p:cNvPr id="3" name="2 Marcador de notas"/>
-          <p:cNvSpPr>
-            <a:spLocks noGrp="1"/>
-          </p:cNvSpPr>
-          <p:nvPr>
-            <p:ph type="body" idx="1"/>
-          </p:nvPr>
-        </p:nvSpPr>
-        <p:spPr/>
-        <p:txBody>
-          <a:bodyPr/>
-          <a:lstStyle/>
-          <a:p>
-            <a:endParaRPr lang="es-PE" dirty="0"/>
-          </a:p>
-        </p:txBody>
-      </p:sp>
-      <p:sp>
-        <p:nvSpPr>
-          <p:cNvPr id="4" name="3 Marcador de número de diapositiva"/>
-          <p:cNvSpPr>
-            <a:spLocks noGrp="1"/>
-          </p:cNvSpPr>
-          <p:nvPr>
-            <p:ph type="sldNum" sz="quarter" idx="10"/>
-          </p:nvPr>
-        </p:nvSpPr>
-        <p:spPr/>
-        <p:txBody>
-          <a:bodyPr/>
-          <a:lstStyle/>
-          <a:p>
-            <a:fld id="{80C14895-23C8-45AE-85D5-3B35E5980A68}" type="slidenum">
-              <a:rPr lang="es-PE" smtClean="0"/>
-              <a:t>10</a:t>
-            </a:fld>
-            <a:endParaRPr lang="es-PE"/>
-          </a:p>
-        </p:txBody>
-      </p:sp>
-    </p:spTree>
-    <p:extLst>
-      <p:ext uri="{BB962C8B-B14F-4D97-AF65-F5344CB8AC3E}">
-        <p14:creationId xmlns:p14="http://schemas.microsoft.com/office/powerpoint/2010/main" val="3432092158"/>
-      </p:ext>
-    </p:extLst>
-  </p:cSld>
-  <p:clrMapOvr>
-    <a:masterClrMapping/>
-  </p:clrMapOvr>
-</p:notes>
-</file>
-
 <file path=ppt/notesSlides/notesSlide2.xml><?xml version="1.0" encoding="utf-8"?>
 <p:notes xmlns:a="http://schemas.openxmlformats.org/drawingml/2006/main" xmlns:r="http://schemas.openxmlformats.org/officeDocument/2006/relationships" xmlns:p="http://schemas.openxmlformats.org/presentationml/2006/main">
   <p:cSld>
@@ -1477,92 +1392,11 @@
           <a:lstStyle/>
           <a:p>
             <a:r>
-              <a:rPr lang="es-PE" dirty="0" smtClean="0"/>
-              <a:t>Test</a:t>
-            </a:r>
-            <a:r>
-              <a:rPr lang="es-PE" baseline="0" dirty="0" smtClean="0"/>
-              <a:t> de Integración:</a:t>
-            </a:r>
-          </a:p>
-          <a:p>
-            <a:r>
-              <a:rPr lang="es-PE" sz="1200" dirty="0" smtClean="0">
-                <a:solidFill>
-                  <a:schemeClr val="tx1">
-                    <a:lumMod val="95000"/>
-                  </a:schemeClr>
-                </a:solidFill>
+              <a:rPr lang="es-PE" dirty="0" smtClean="0">
+                <a:hlinkClick r:id="rId3"/>
               </a:rPr>
-              <a:t>Ayudan a unir distintas partes del sistema y a comprobar  que estas partes funcionan con datos reales.</a:t>
-            </a:r>
-          </a:p>
-          <a:p>
-            <a:r>
-              <a:rPr lang="es-PE" sz="1200" dirty="0" smtClean="0">
-                <a:solidFill>
-                  <a:schemeClr val="tx1">
-                    <a:lumMod val="95000"/>
-                  </a:schemeClr>
-                </a:solidFill>
-              </a:rPr>
-              <a:t>Son de granularidad gruesa y más frágiles que los </a:t>
-            </a:r>
-            <a:r>
-              <a:rPr lang="es-PE" sz="1200" dirty="0" err="1" smtClean="0">
-                <a:solidFill>
-                  <a:schemeClr val="tx1">
-                    <a:lumMod val="95000"/>
-                  </a:schemeClr>
-                </a:solidFill>
-              </a:rPr>
-              <a:t>tests</a:t>
-            </a:r>
-            <a:r>
-              <a:rPr lang="es-PE" sz="1200" dirty="0" smtClean="0">
-                <a:solidFill>
-                  <a:schemeClr val="tx1">
-                    <a:lumMod val="95000"/>
-                  </a:schemeClr>
-                </a:solidFill>
-              </a:rPr>
-              <a:t> unitarios.</a:t>
-            </a:r>
-          </a:p>
-          <a:p>
-            <a:endParaRPr lang="es-PE" dirty="0" smtClean="0"/>
-          </a:p>
-          <a:p>
-            <a:r>
-              <a:rPr lang="es-PE" dirty="0" smtClean="0"/>
-              <a:t>Test de sistema:</a:t>
-            </a:r>
-          </a:p>
-          <a:p>
-            <a:r>
-              <a:rPr lang="es-PE" sz="1200" dirty="0" smtClean="0">
-                <a:solidFill>
-                  <a:schemeClr val="tx1">
-                    <a:lumMod val="95000"/>
-                  </a:schemeClr>
-                </a:solidFill>
-              </a:rPr>
-              <a:t>Es el mayor de los test de integración y que  puede ir de extremo a extremo de la aplicación.</a:t>
-            </a:r>
-          </a:p>
-          <a:p>
-            <a:r>
-              <a:rPr lang="es-PE" sz="1200" dirty="0" smtClean="0">
-                <a:solidFill>
-                  <a:schemeClr val="tx1">
-                    <a:lumMod val="95000"/>
-                  </a:schemeClr>
-                </a:solidFill>
-              </a:rPr>
-              <a:t>Demasiado frágiles y se recomienda acompañarlos con test de grano más fino.</a:t>
-            </a:r>
-          </a:p>
-          <a:p>
+              <a:t>http://lisacrispin.com/downloads/AdpTestPlanning.pdf</a:t>
+            </a:r>
             <a:endParaRPr lang="es-PE" dirty="0"/>
           </a:p>
         </p:txBody>
@@ -1647,185 +1481,93 @@
           <a:bodyPr/>
           <a:lstStyle/>
           <a:p>
-            <a:pPr marL="0" indent="0">
-              <a:buFontTx/>
-              <a:buNone/>
-            </a:pPr>
             <a:r>
               <a:rPr lang="es-PE" dirty="0" smtClean="0"/>
-              <a:t>Es</a:t>
+              <a:t>Test</a:t>
             </a:r>
             <a:r>
               <a:rPr lang="es-PE" baseline="0" dirty="0" smtClean="0"/>
-              <a:t> una aplicación web que permite la gestión y publicación de eventos relacionados desarrollo de software.</a:t>
-            </a:r>
-          </a:p>
-          <a:p>
-            <a:pPr marL="0" indent="0">
-              <a:buFontTx/>
-              <a:buNone/>
-            </a:pPr>
-            <a:r>
-              <a:rPr lang="es-PE" baseline="0" dirty="0" smtClean="0"/>
-              <a:t>Realizar una modificación a </a:t>
-            </a:r>
-            <a:r>
-              <a:rPr lang="es-PE" baseline="0" dirty="0" err="1" smtClean="0"/>
-              <a:t>User</a:t>
-            </a:r>
-            <a:endParaRPr lang="es-PE" baseline="0" dirty="0" smtClean="0"/>
-          </a:p>
-          <a:p>
-            <a:pPr marL="0" indent="0">
-              <a:buFontTx/>
-              <a:buNone/>
-            </a:pPr>
-            <a:endParaRPr lang="es-PE" baseline="0" dirty="0" smtClean="0"/>
-          </a:p>
-          <a:p>
-            <a:pPr marL="0" indent="0">
-              <a:buFontTx/>
-              <a:buNone/>
-            </a:pPr>
-            <a:r>
-              <a:rPr lang="es-PE" baseline="0" dirty="0" smtClean="0"/>
-              <a:t>Es una aplicación que esta siendo desarrollada desde el 2007 y se liberó en el 2008, el proyecto comenzó por un par muy reconocidas dentro la plataforma </a:t>
-            </a:r>
-            <a:r>
-              <a:rPr lang="es-PE" baseline="0" dirty="0" err="1" smtClean="0"/>
-              <a:t>.net</a:t>
-            </a:r>
-            <a:r>
-              <a:rPr lang="es-PE" baseline="0" dirty="0" smtClean="0"/>
-              <a:t>, pero actualmente recibe contribuciones de múltiples personas alrededor del mundo. No es muy grande, tiene un poco más de 100 clases con 3000 </a:t>
-            </a:r>
-            <a:r>
-              <a:rPr lang="es-PE" baseline="0" dirty="0" err="1" smtClean="0"/>
-              <a:t>lineas</a:t>
-            </a:r>
-            <a:r>
-              <a:rPr lang="es-PE" baseline="0" dirty="0" smtClean="0"/>
-              <a:t> de código, pero lo interesante es que a pesar de no ser muy grande tiene cientos de </a:t>
-            </a:r>
-            <a:r>
-              <a:rPr lang="es-PE" baseline="0" dirty="0" err="1" smtClean="0"/>
+              <a:t> de Integración:</a:t>
+            </a:r>
+          </a:p>
+          <a:p>
+            <a:r>
+              <a:rPr lang="es-PE" sz="1200" dirty="0" smtClean="0">
+                <a:solidFill>
+                  <a:schemeClr val="tx1">
+                    <a:lumMod val="95000"/>
+                  </a:schemeClr>
+                </a:solidFill>
+              </a:rPr>
+              <a:t>Ayudan a unir distintas partes del sistema y a comprobar  que estas partes funcionan con datos reales.</a:t>
+            </a:r>
+          </a:p>
+          <a:p>
+            <a:r>
+              <a:rPr lang="es-PE" sz="1200" dirty="0" smtClean="0">
+                <a:solidFill>
+                  <a:schemeClr val="tx1">
+                    <a:lumMod val="95000"/>
+                  </a:schemeClr>
+                </a:solidFill>
+              </a:rPr>
+              <a:t>Son de granularidad gruesa y más frágiles que los </a:t>
+            </a:r>
+            <a:r>
+              <a:rPr lang="es-PE" sz="1200" dirty="0" err="1" smtClean="0">
+                <a:solidFill>
+                  <a:schemeClr val="tx1">
+                    <a:lumMod val="95000"/>
+                  </a:schemeClr>
+                </a:solidFill>
+              </a:rPr>
               <a:t>tests</a:t>
             </a:r>
             <a:r>
-              <a:rPr lang="es-PE" baseline="0" dirty="0" smtClean="0"/>
-              <a:t> automatizados, no solo unitarios, que confirman que la funcionalidad siempre se mantiene intacta a pesar de tantas contribuciones por diferentes personas.</a:t>
-            </a:r>
-          </a:p>
-          <a:p>
-            <a:pPr marL="0" indent="0">
-              <a:buFontTx/>
-              <a:buNone/>
-            </a:pPr>
-            <a:endParaRPr lang="es-PE" baseline="0" dirty="0" smtClean="0"/>
-          </a:p>
-          <a:p>
-            <a:pPr marL="0" indent="0">
-              <a:buFontTx/>
-              <a:buNone/>
-            </a:pPr>
-            <a:r>
-              <a:rPr lang="es-PE" baseline="0" dirty="0" smtClean="0"/>
-              <a:t>Vamos a ejecutarla y lo primero que observamos es el número de test, vamos a ejecutar los test unitarios, vemos que solo toman unos cuantos segundos en verificar que todo el trabajo realizado por las diferentes personas se encuentra funcionando correctamente.</a:t>
-            </a:r>
-          </a:p>
-          <a:p>
-            <a:pPr marL="0" indent="0">
-              <a:buFontTx/>
-              <a:buNone/>
-            </a:pPr>
-            <a:r>
-              <a:rPr lang="es-PE" baseline="0" dirty="0" smtClean="0"/>
-              <a:t>Ahora que termino vemos que 227 </a:t>
-            </a:r>
-            <a:r>
-              <a:rPr lang="es-PE" baseline="0" dirty="0" err="1" smtClean="0"/>
-              <a:t>tests</a:t>
-            </a:r>
-            <a:r>
-              <a:rPr lang="es-PE" baseline="0" dirty="0" smtClean="0"/>
-              <a:t> se ejecutaron en 6 segundos, no esta nada mal, quien no quisiera verificar probar toda su aplicación en cualquier momento del tiempo en solo 6 </a:t>
-            </a:r>
-            <a:r>
-              <a:rPr lang="es-PE" baseline="0" dirty="0" err="1" smtClean="0"/>
-              <a:t>segunos</a:t>
-            </a:r>
-            <a:r>
-              <a:rPr lang="es-PE" baseline="0" dirty="0" smtClean="0"/>
-              <a:t>.</a:t>
-            </a:r>
-          </a:p>
-          <a:p>
-            <a:pPr marL="0" indent="0">
-              <a:buFontTx/>
-              <a:buNone/>
-            </a:pPr>
-            <a:r>
-              <a:rPr lang="es-PE" baseline="0" dirty="0" smtClean="0"/>
-              <a:t>Pero veamos que pasa cuando cometemos un error, para esto modificamos una clase y simplemente cambiamos la condicional y ejecutamos los </a:t>
-            </a:r>
-            <a:r>
-              <a:rPr lang="es-PE" baseline="0" dirty="0" err="1" smtClean="0"/>
-              <a:t>tests</a:t>
-            </a:r>
-            <a:r>
-              <a:rPr lang="es-PE" baseline="0" dirty="0" smtClean="0"/>
-              <a:t>, vamos a ver que el error ha saltado </a:t>
-            </a:r>
-            <a:r>
-              <a:rPr lang="es-PE" baseline="0" dirty="0" err="1" smtClean="0"/>
-              <a:t>inmediamente</a:t>
-            </a:r>
-            <a:r>
-              <a:rPr lang="es-PE" baseline="0" dirty="0" smtClean="0"/>
-              <a:t>, algo importante a notar es que solo un test ha fallado, ya que cada test unitario verifica las unidades del código, por lo tanto un error debe saltar en un único test o en una cantidad muy pequeña de test.</a:t>
-            </a:r>
-          </a:p>
-          <a:p>
-            <a:pPr marL="0" indent="0">
-              <a:buFontTx/>
-              <a:buNone/>
-            </a:pPr>
-            <a:endParaRPr lang="es-PE" baseline="0" dirty="0" smtClean="0"/>
-          </a:p>
-          <a:p>
-            <a:pPr marL="0" indent="0">
-              <a:buFontTx/>
-              <a:buNone/>
-            </a:pPr>
-            <a:r>
-              <a:rPr lang="es-PE" baseline="0" dirty="0" smtClean="0"/>
-              <a:t>Estos errores de condicionales, iteraciones, operaciones o algoritmos son los más comunes que se producen y a la vez los más </a:t>
-            </a:r>
-            <a:r>
-              <a:rPr lang="es-PE" baseline="0" dirty="0" err="1" smtClean="0"/>
-              <a:t>dificiles</a:t>
-            </a:r>
-            <a:r>
-              <a:rPr lang="es-PE" baseline="0" dirty="0" smtClean="0"/>
-              <a:t> de encontrar</a:t>
-            </a:r>
-          </a:p>
-          <a:p>
-            <a:pPr marL="0" indent="0">
-              <a:buFontTx/>
-              <a:buNone/>
-            </a:pPr>
-            <a:endParaRPr lang="es-PE" baseline="0" dirty="0" smtClean="0"/>
-          </a:p>
-          <a:p>
-            <a:pPr marL="0" indent="0">
-              <a:buFontTx/>
-              <a:buNone/>
-            </a:pPr>
-            <a:r>
-              <a:rPr lang="es-PE" baseline="0" dirty="0" smtClean="0"/>
-              <a:t>Esto es una gran ventaja competitiva para cualquier empresa que desarrolla software de manera interna o clientes externos no solo por la automatización o el corto tiempo que toma verificar la aplicación, sino también por que nos permite realizar cualquier tipo de cambio a nivel funcional o a nivel de diseño, mejoras de diseño, sin tener el miedo de malograr algo.</a:t>
-            </a:r>
+              <a:rPr lang="es-PE" sz="1200" dirty="0" smtClean="0">
+                <a:solidFill>
+                  <a:schemeClr val="tx1">
+                    <a:lumMod val="95000"/>
+                  </a:schemeClr>
+                </a:solidFill>
+              </a:rPr>
+              <a:t> unitarios.</a:t>
+            </a:r>
+          </a:p>
+          <a:p>
+            <a:endParaRPr lang="es-PE" dirty="0" smtClean="0"/>
+          </a:p>
+          <a:p>
+            <a:r>
+              <a:rPr lang="es-PE" dirty="0" smtClean="0"/>
+              <a:t>Test de sistema:</a:t>
+            </a:r>
+          </a:p>
+          <a:p>
+            <a:r>
+              <a:rPr lang="es-PE" sz="1200" dirty="0" smtClean="0">
+                <a:solidFill>
+                  <a:schemeClr val="tx1">
+                    <a:lumMod val="95000"/>
+                  </a:schemeClr>
+                </a:solidFill>
+              </a:rPr>
+              <a:t>Es el mayor de los test de integración y que  puede ir de extremo a extremo de la aplicación.</a:t>
+            </a:r>
+          </a:p>
+          <a:p>
+            <a:r>
+              <a:rPr lang="es-PE" sz="1200" dirty="0" smtClean="0">
+                <a:solidFill>
+                  <a:schemeClr val="tx1">
+                    <a:lumMod val="95000"/>
+                  </a:schemeClr>
+                </a:solidFill>
+              </a:rPr>
+              <a:t>Demasiado frágiles y se recomienda acompañarlos con test de grano más fino.</a:t>
+            </a:r>
+          </a:p>
+          <a:p>
             <a:endParaRPr lang="es-PE" dirty="0"/>
           </a:p>
         </p:txBody>
@@ -1910,12 +1652,6 @@
           <a:bodyPr/>
           <a:lstStyle/>
           <a:p>
-            <a:r>
-              <a:rPr lang="es-PE" dirty="0" smtClean="0">
-                <a:hlinkClick r:id="rId3"/>
-              </a:rPr>
-              <a:t>http://lisacrispin.com/downloads/AdpTestPlanning.pdf</a:t>
-            </a:r>
             <a:endParaRPr lang="es-PE" dirty="0"/>
           </a:p>
         </p:txBody>
@@ -2142,7 +1878,7 @@
             <a:fld id="{807CB568-C05F-482F-9F26-AA302B8892DF}" type="datetimeFigureOut">
               <a:rPr lang="es-ES" smtClean="0"/>
               <a:pPr/>
-              <a:t>09/11/2012</a:t>
+              <a:t>26/01/2013</a:t>
             </a:fld>
             <a:endParaRPr lang="es-ES"/>
           </a:p>
@@ -2321,7 +2057,7 @@
             <a:fld id="{807CB568-C05F-482F-9F26-AA302B8892DF}" type="datetimeFigureOut">
               <a:rPr lang="es-ES" smtClean="0"/>
               <a:pPr/>
-              <a:t>09/11/2012</a:t>
+              <a:t>26/01/2013</a:t>
             </a:fld>
             <a:endParaRPr lang="es-ES"/>
           </a:p>
@@ -2510,7 +2246,7 @@
             <a:fld id="{807CB568-C05F-482F-9F26-AA302B8892DF}" type="datetimeFigureOut">
               <a:rPr lang="es-ES" smtClean="0"/>
               <a:pPr/>
-              <a:t>09/11/2012</a:t>
+              <a:t>26/01/2013</a:t>
             </a:fld>
             <a:endParaRPr lang="es-ES"/>
           </a:p>
@@ -2689,7 +2425,7 @@
             <a:fld id="{807CB568-C05F-482F-9F26-AA302B8892DF}" type="datetimeFigureOut">
               <a:rPr lang="es-ES" smtClean="0"/>
               <a:pPr/>
-              <a:t>09/11/2012</a:t>
+              <a:t>26/01/2013</a:t>
             </a:fld>
             <a:endParaRPr lang="es-ES"/>
           </a:p>
@@ -2944,7 +2680,7 @@
             <a:fld id="{807CB568-C05F-482F-9F26-AA302B8892DF}" type="datetimeFigureOut">
               <a:rPr lang="es-ES" smtClean="0"/>
               <a:pPr/>
-              <a:t>09/11/2012</a:t>
+              <a:t>26/01/2013</a:t>
             </a:fld>
             <a:endParaRPr lang="es-ES"/>
           </a:p>
@@ -3241,7 +2977,7 @@
             <a:fld id="{807CB568-C05F-482F-9F26-AA302B8892DF}" type="datetimeFigureOut">
               <a:rPr lang="es-ES" smtClean="0"/>
               <a:pPr/>
-              <a:t>09/11/2012</a:t>
+              <a:t>26/01/2013</a:t>
             </a:fld>
             <a:endParaRPr lang="es-ES"/>
           </a:p>
@@ -3672,7 +3408,7 @@
             <a:fld id="{807CB568-C05F-482F-9F26-AA302B8892DF}" type="datetimeFigureOut">
               <a:rPr lang="es-ES" smtClean="0"/>
               <a:pPr/>
-              <a:t>09/11/2012</a:t>
+              <a:t>26/01/2013</a:t>
             </a:fld>
             <a:endParaRPr lang="es-ES"/>
           </a:p>
@@ -3799,7 +3535,7 @@
             <a:fld id="{807CB568-C05F-482F-9F26-AA302B8892DF}" type="datetimeFigureOut">
               <a:rPr lang="es-ES" smtClean="0"/>
               <a:pPr/>
-              <a:t>09/11/2012</a:t>
+              <a:t>26/01/2013</a:t>
             </a:fld>
             <a:endParaRPr lang="es-ES"/>
           </a:p>
@@ -3903,7 +3639,7 @@
             <a:fld id="{807CB568-C05F-482F-9F26-AA302B8892DF}" type="datetimeFigureOut">
               <a:rPr lang="es-ES" smtClean="0"/>
               <a:pPr/>
-              <a:t>09/11/2012</a:t>
+              <a:t>26/01/2013</a:t>
             </a:fld>
             <a:endParaRPr lang="es-ES"/>
           </a:p>
@@ -4189,7 +3925,7 @@
             <a:fld id="{807CB568-C05F-482F-9F26-AA302B8892DF}" type="datetimeFigureOut">
               <a:rPr lang="es-ES" smtClean="0"/>
               <a:pPr/>
-              <a:t>09/11/2012</a:t>
+              <a:t>26/01/2013</a:t>
             </a:fld>
             <a:endParaRPr lang="es-ES"/>
           </a:p>
@@ -4458,7 +4194,7 @@
             <a:fld id="{807CB568-C05F-482F-9F26-AA302B8892DF}" type="datetimeFigureOut">
               <a:rPr lang="es-ES" smtClean="0"/>
               <a:pPr/>
-              <a:t>09/11/2012</a:t>
+              <a:t>26/01/2013</a:t>
             </a:fld>
             <a:endParaRPr lang="es-ES"/>
           </a:p>
@@ -4709,7 +4445,7 @@
             <a:fld id="{807CB568-C05F-482F-9F26-AA302B8892DF}" type="datetimeFigureOut">
               <a:rPr lang="es-ES" smtClean="0"/>
               <a:pPr/>
-              <a:t>09/11/2012</a:t>
+              <a:t>26/01/2013</a:t>
             </a:fld>
             <a:endParaRPr lang="es-ES"/>
           </a:p>
@@ -5522,183 +5258,6 @@
 </p:sld>
 </file>
 
-<file path=ppt/slides/slide10.xml><?xml version="1.0" encoding="utf-8"?>
-<p:sld xmlns:a="http://schemas.openxmlformats.org/drawingml/2006/main" xmlns:r="http://schemas.openxmlformats.org/officeDocument/2006/relationships" xmlns:p="http://schemas.openxmlformats.org/presentationml/2006/main">
-  <p:cSld>
-    <p:spTree>
-      <p:nvGrpSpPr>
-        <p:cNvPr id="1" name=""/>
-        <p:cNvGrpSpPr/>
-        <p:nvPr/>
-      </p:nvGrpSpPr>
-      <p:grpSpPr>
-        <a:xfrm>
-          <a:off x="0" y="0"/>
-          <a:ext cx="0" cy="0"/>
-          <a:chOff x="0" y="0"/>
-          <a:chExt cx="0" cy="0"/>
-        </a:xfrm>
-      </p:grpSpPr>
-      <p:sp>
-        <p:nvSpPr>
-          <p:cNvPr id="3" name="2 Título"/>
-          <p:cNvSpPr>
-            <a:spLocks noGrp="1"/>
-          </p:cNvSpPr>
-          <p:nvPr>
-            <p:ph type="title"/>
-          </p:nvPr>
-        </p:nvSpPr>
-        <p:spPr>
-          <a:xfrm>
-            <a:off x="524338" y="216030"/>
-            <a:ext cx="8229600" cy="724942"/>
-          </a:xfrm>
-        </p:spPr>
-        <p:txBody>
-          <a:bodyPr/>
-          <a:lstStyle/>
-          <a:p>
-            <a:r>
-              <a:rPr lang="es-PE" dirty="0" smtClean="0">
-                <a:solidFill>
-                  <a:srgbClr val="00823B"/>
-                </a:solidFill>
-              </a:rPr>
-              <a:t>Información Adicional</a:t>
-            </a:r>
-            <a:endParaRPr lang="es-PE" dirty="0">
-              <a:solidFill>
-                <a:srgbClr val="00823B"/>
-              </a:solidFill>
-            </a:endParaRPr>
-          </a:p>
-        </p:txBody>
-      </p:sp>
-      <p:sp>
-        <p:nvSpPr>
-          <p:cNvPr id="13" name="12 CuadroTexto"/>
-          <p:cNvSpPr txBox="1"/>
-          <p:nvPr/>
-        </p:nvSpPr>
-        <p:spPr>
-          <a:xfrm>
-            <a:off x="209672" y="1124744"/>
-            <a:ext cx="8712968" cy="1938992"/>
-          </a:xfrm>
-          <a:prstGeom prst="rect">
-            <a:avLst/>
-          </a:prstGeom>
-          <a:noFill/>
-        </p:spPr>
-        <p:txBody>
-          <a:bodyPr wrap="square" rtlCol="0">
-            <a:spAutoFit/>
-          </a:bodyPr>
-          <a:lstStyle/>
-          <a:p>
-            <a:pPr marL="457200" indent="-457200">
-              <a:buFont typeface="Arial" pitchFamily="34" charset="0"/>
-              <a:buChar char="•"/>
-            </a:pPr>
-            <a:r>
-              <a:rPr lang="es-PE" sz="2400" dirty="0" smtClean="0"/>
-              <a:t>Manual </a:t>
-            </a:r>
-            <a:r>
-              <a:rPr lang="es-PE" sz="2400" dirty="0" err="1" smtClean="0"/>
-              <a:t>tests</a:t>
-            </a:r>
-            <a:r>
-              <a:rPr lang="es-PE" sz="2400" dirty="0" smtClean="0"/>
-              <a:t> are </a:t>
-            </a:r>
-            <a:r>
-              <a:rPr lang="es-PE" sz="2400" dirty="0" err="1" smtClean="0"/>
-              <a:t>Important</a:t>
-            </a:r>
-            <a:r>
-              <a:rPr lang="es-PE" sz="2400" dirty="0" smtClean="0"/>
-              <a:t/>
-            </a:r>
-            <a:br>
-              <a:rPr lang="es-PE" sz="2400" dirty="0" smtClean="0"/>
-            </a:br>
-            <a:r>
-              <a:rPr lang="es-PE" sz="2400" dirty="0">
-                <a:solidFill>
-                  <a:srgbClr val="FFC000"/>
-                </a:solidFill>
-              </a:rPr>
-              <a:t>http://www.satisfice.com/blog/archives/58</a:t>
-            </a:r>
-          </a:p>
-          <a:p>
-            <a:pPr marL="457200" indent="-457200">
-              <a:buFont typeface="Arial" pitchFamily="34" charset="0"/>
-              <a:buChar char="•"/>
-            </a:pPr>
-            <a:endParaRPr lang="es-PE" sz="2400" dirty="0" smtClean="0"/>
-          </a:p>
-          <a:p>
-            <a:pPr marL="457200" indent="-457200">
-              <a:buFont typeface="Arial" pitchFamily="34" charset="0"/>
-              <a:buChar char="•"/>
-            </a:pPr>
-            <a:r>
-              <a:rPr lang="es-PE" sz="2400" dirty="0" smtClean="0"/>
-              <a:t>Agile </a:t>
-            </a:r>
-            <a:r>
-              <a:rPr lang="es-PE" sz="2400" dirty="0" err="1" smtClean="0"/>
-              <a:t>Testing</a:t>
-            </a:r>
-            <a:r>
-              <a:rPr lang="es-PE" sz="2400" dirty="0" smtClean="0"/>
-              <a:t> </a:t>
-            </a:r>
-            <a:r>
-              <a:rPr lang="es-PE" sz="2400" dirty="0" err="1" smtClean="0"/>
-              <a:t>Matrix</a:t>
-            </a:r>
-            <a:r>
-              <a:rPr lang="es-PE" sz="2400" dirty="0" smtClean="0"/>
-              <a:t/>
-            </a:r>
-            <a:br>
-              <a:rPr lang="es-PE" sz="2400" dirty="0" smtClean="0"/>
-            </a:br>
-            <a:r>
-              <a:rPr lang="es-PE" sz="2400" dirty="0">
-                <a:solidFill>
-                  <a:srgbClr val="FFC000"/>
-                </a:solidFill>
-              </a:rPr>
-              <a:t>http://www.exampler.com/old-blog/2003/08/21/</a:t>
-            </a:r>
-          </a:p>
-        </p:txBody>
-      </p:sp>
-    </p:spTree>
-    <p:extLst>
-      <p:ext uri="{BB962C8B-B14F-4D97-AF65-F5344CB8AC3E}">
-        <p14:creationId xmlns:p14="http://schemas.microsoft.com/office/powerpoint/2010/main" val="1813450959"/>
-      </p:ext>
-    </p:extLst>
-  </p:cSld>
-  <p:clrMapOvr>
-    <a:masterClrMapping/>
-  </p:clrMapOvr>
-  <p:timing>
-    <p:tnLst>
-      <p:par>
-        <p:cTn id="1" dur="indefinite" restart="never" nodeType="tmRoot"/>
-      </p:par>
-    </p:tnLst>
-  </p:timing>
-</p:sld>
-</file>
-
 <file path=ppt/slides/slide2.xml><?xml version="1.0" encoding="utf-8"?>
 <p:sld xmlns:a="http://schemas.openxmlformats.org/drawingml/2006/main" xmlns:r="http://schemas.openxmlformats.org/officeDocument/2006/relationships" xmlns:p="http://schemas.openxmlformats.org/presentationml/2006/main">
   <p:cSld>
@@ -8319,6 +7878,557 @@
 </file>
 
 <file path=ppt/slides/slide7.xml><?xml version="1.0" encoding="utf-8"?>
+<p:sld xmlns:a="http://schemas.openxmlformats.org/drawingml/2006/main" xmlns:r="http://schemas.openxmlformats.org/officeDocument/2006/relationships" xmlns:p="http://schemas.openxmlformats.org/presentationml/2006/main">
+  <p:cSld>
+    <p:spTree>
+      <p:nvGrpSpPr>
+        <p:cNvPr id="1" name=""/>
+        <p:cNvGrpSpPr/>
+        <p:nvPr/>
+      </p:nvGrpSpPr>
+      <p:grpSpPr>
+        <a:xfrm>
+          <a:off x="0" y="0"/>
+          <a:ext cx="0" cy="0"/>
+          <a:chOff x="0" y="0"/>
+          <a:chExt cx="0" cy="0"/>
+        </a:xfrm>
+      </p:grpSpPr>
+      <p:sp>
+        <p:nvSpPr>
+          <p:cNvPr id="13" name="2 Título"/>
+          <p:cNvSpPr>
+            <a:spLocks noGrp="1"/>
+          </p:cNvSpPr>
+          <p:nvPr>
+            <p:ph type="title"/>
+          </p:nvPr>
+        </p:nvSpPr>
+        <p:spPr>
+          <a:xfrm>
+            <a:off x="529208" y="188640"/>
+            <a:ext cx="8229600" cy="864096"/>
+          </a:xfrm>
+        </p:spPr>
+        <p:txBody>
+          <a:bodyPr/>
+          <a:lstStyle/>
+          <a:p>
+            <a:r>
+              <a:rPr lang="es-PE" dirty="0" smtClean="0">
+                <a:solidFill>
+                  <a:srgbClr val="00823B"/>
+                </a:solidFill>
+              </a:rPr>
+              <a:t>Beneficios del 1er </a:t>
+            </a:r>
+            <a:r>
+              <a:rPr lang="es-PE" dirty="0">
+                <a:solidFill>
+                  <a:srgbClr val="00823B"/>
+                </a:solidFill>
+              </a:rPr>
+              <a:t>C</a:t>
+            </a:r>
+            <a:r>
+              <a:rPr lang="es-PE" dirty="0" smtClean="0">
+                <a:solidFill>
+                  <a:srgbClr val="00823B"/>
+                </a:solidFill>
+              </a:rPr>
+              <a:t>uadrante</a:t>
+            </a:r>
+            <a:endParaRPr lang="es-PE" dirty="0">
+              <a:solidFill>
+                <a:srgbClr val="00823B"/>
+              </a:solidFill>
+            </a:endParaRPr>
+          </a:p>
+        </p:txBody>
+      </p:sp>
+      <p:sp>
+        <p:nvSpPr>
+          <p:cNvPr id="3" name="5 Marcador de contenido"/>
+          <p:cNvSpPr txBox="1">
+            <a:spLocks/>
+          </p:cNvSpPr>
+          <p:nvPr/>
+        </p:nvSpPr>
+        <p:spPr bwMode="auto">
+          <a:xfrm>
+            <a:off x="179512" y="1340768"/>
+            <a:ext cx="8793360" cy="1368152"/>
+          </a:xfrm>
+          <a:prstGeom prst="rect">
+            <a:avLst/>
+          </a:prstGeom>
+          <a:noFill/>
+          <a:ln w="9525">
+            <a:noFill/>
+            <a:miter lim="800000"/>
+            <a:headEnd/>
+            <a:tailEnd/>
+          </a:ln>
+        </p:spPr>
+        <p:txBody>
+          <a:bodyPr vert="horz" wrap="square" lIns="91440" tIns="45720" rIns="91440" bIns="45720" numCol="1" anchor="t" anchorCtr="0" compatLnSpc="1">
+            <a:prstTxWarp prst="textNoShape">
+              <a:avLst/>
+            </a:prstTxWarp>
+          </a:bodyPr>
+          <a:lstStyle>
+            <a:lvl1pPr marL="342900" indent="-342900" algn="l" rtl="0" eaLnBrk="1" fontAlgn="base" hangingPunct="1">
+              <a:spcBef>
+                <a:spcPct val="20000"/>
+              </a:spcBef>
+              <a:spcAft>
+                <a:spcPct val="0"/>
+              </a:spcAft>
+              <a:buFont typeface="Arial" charset="0"/>
+              <a:buChar char="•"/>
+              <a:defRPr sz="3200" kern="1200">
+                <a:solidFill>
+                  <a:schemeClr val="tx1"/>
+                </a:solidFill>
+                <a:latin typeface="+mn-lt"/>
+                <a:ea typeface="+mn-ea"/>
+                <a:cs typeface="+mn-cs"/>
+              </a:defRPr>
+            </a:lvl1pPr>
+            <a:lvl2pPr marL="742950" indent="-285750" algn="l" rtl="0" eaLnBrk="1" fontAlgn="base" hangingPunct="1">
+              <a:spcBef>
+                <a:spcPct val="20000"/>
+              </a:spcBef>
+              <a:spcAft>
+                <a:spcPct val="0"/>
+              </a:spcAft>
+              <a:buFont typeface="Arial" charset="0"/>
+              <a:buChar char="–"/>
+              <a:defRPr sz="2800" kern="1200">
+                <a:solidFill>
+                  <a:schemeClr val="tx1"/>
+                </a:solidFill>
+                <a:latin typeface="+mn-lt"/>
+                <a:ea typeface="+mn-ea"/>
+                <a:cs typeface="+mn-cs"/>
+              </a:defRPr>
+            </a:lvl2pPr>
+            <a:lvl3pPr marL="1143000" indent="-228600" algn="l" rtl="0" eaLnBrk="1" fontAlgn="base" hangingPunct="1">
+              <a:spcBef>
+                <a:spcPct val="20000"/>
+              </a:spcBef>
+              <a:spcAft>
+                <a:spcPct val="0"/>
+              </a:spcAft>
+              <a:buFont typeface="Arial" charset="0"/>
+              <a:buChar char="•"/>
+              <a:defRPr sz="2400" kern="1200">
+                <a:solidFill>
+                  <a:schemeClr val="tx1"/>
+                </a:solidFill>
+                <a:latin typeface="+mn-lt"/>
+                <a:ea typeface="+mn-ea"/>
+                <a:cs typeface="+mn-cs"/>
+              </a:defRPr>
+            </a:lvl3pPr>
+            <a:lvl4pPr marL="1600200" indent="-228600" algn="l" rtl="0" eaLnBrk="1" fontAlgn="base" hangingPunct="1">
+              <a:spcBef>
+                <a:spcPct val="20000"/>
+              </a:spcBef>
+              <a:spcAft>
+                <a:spcPct val="0"/>
+              </a:spcAft>
+              <a:buFont typeface="Arial" charset="0"/>
+              <a:buChar char="–"/>
+              <a:defRPr sz="2000" kern="1200">
+                <a:solidFill>
+                  <a:schemeClr val="tx1"/>
+                </a:solidFill>
+                <a:latin typeface="+mn-lt"/>
+                <a:ea typeface="+mn-ea"/>
+                <a:cs typeface="+mn-cs"/>
+              </a:defRPr>
+            </a:lvl4pPr>
+            <a:lvl5pPr marL="2057400" indent="-228600" algn="l" rtl="0" eaLnBrk="1" fontAlgn="base" hangingPunct="1">
+              <a:spcBef>
+                <a:spcPct val="20000"/>
+              </a:spcBef>
+              <a:spcAft>
+                <a:spcPct val="0"/>
+              </a:spcAft>
+              <a:buFont typeface="Arial" charset="0"/>
+              <a:buChar char="»"/>
+              <a:defRPr sz="2000" kern="1200">
+                <a:solidFill>
+                  <a:schemeClr val="tx1"/>
+                </a:solidFill>
+                <a:latin typeface="+mn-lt"/>
+                <a:ea typeface="+mn-ea"/>
+                <a:cs typeface="+mn-cs"/>
+              </a:defRPr>
+            </a:lvl5pPr>
+            <a:lvl6pPr marL="2514600" indent="-228600" algn="l" defTabSz="914400" rtl="0" eaLnBrk="1" latinLnBrk="0" hangingPunct="1">
+              <a:spcBef>
+                <a:spcPct val="20000"/>
+              </a:spcBef>
+              <a:buFont typeface="Arial" pitchFamily="34" charset="0"/>
+              <a:buChar char="•"/>
+              <a:defRPr sz="2000" kern="1200">
+                <a:solidFill>
+                  <a:schemeClr val="tx1"/>
+                </a:solidFill>
+                <a:latin typeface="+mn-lt"/>
+                <a:ea typeface="+mn-ea"/>
+                <a:cs typeface="+mn-cs"/>
+              </a:defRPr>
+            </a:lvl6pPr>
+            <a:lvl7pPr marL="2971800" indent="-228600" algn="l" defTabSz="914400" rtl="0" eaLnBrk="1" latinLnBrk="0" hangingPunct="1">
+              <a:spcBef>
+                <a:spcPct val="20000"/>
+              </a:spcBef>
+              <a:buFont typeface="Arial" pitchFamily="34" charset="0"/>
+              <a:buChar char="•"/>
+              <a:defRPr sz="2000" kern="1200">
+                <a:solidFill>
+                  <a:schemeClr val="tx1"/>
+                </a:solidFill>
+                <a:latin typeface="+mn-lt"/>
+                <a:ea typeface="+mn-ea"/>
+                <a:cs typeface="+mn-cs"/>
+              </a:defRPr>
+            </a:lvl7pPr>
+            <a:lvl8pPr marL="3429000" indent="-228600" algn="l" defTabSz="914400" rtl="0" eaLnBrk="1" latinLnBrk="0" hangingPunct="1">
+              <a:spcBef>
+                <a:spcPct val="20000"/>
+              </a:spcBef>
+              <a:buFont typeface="Arial" pitchFamily="34" charset="0"/>
+              <a:buChar char="•"/>
+              <a:defRPr sz="2000" kern="1200">
+                <a:solidFill>
+                  <a:schemeClr val="tx1"/>
+                </a:solidFill>
+                <a:latin typeface="+mn-lt"/>
+                <a:ea typeface="+mn-ea"/>
+                <a:cs typeface="+mn-cs"/>
+              </a:defRPr>
+            </a:lvl8pPr>
+            <a:lvl9pPr marL="3886200" indent="-228600" algn="l" defTabSz="914400" rtl="0" eaLnBrk="1" latinLnBrk="0" hangingPunct="1">
+              <a:spcBef>
+                <a:spcPct val="20000"/>
+              </a:spcBef>
+              <a:buFont typeface="Arial" pitchFamily="34" charset="0"/>
+              <a:buChar char="•"/>
+              <a:defRPr sz="2000" kern="1200">
+                <a:solidFill>
+                  <a:schemeClr val="tx1"/>
+                </a:solidFill>
+                <a:latin typeface="+mn-lt"/>
+                <a:ea typeface="+mn-ea"/>
+                <a:cs typeface="+mn-cs"/>
+              </a:defRPr>
+            </a:lvl9pPr>
+          </a:lstStyle>
+          <a:p>
+            <a:pPr marL="0" indent="0" algn="ctr">
+              <a:buNone/>
+            </a:pPr>
+            <a:r>
+              <a:rPr lang="es-PE" sz="2600" dirty="0" smtClean="0">
+                <a:solidFill>
+                  <a:schemeClr val="tx1">
+                    <a:lumMod val="95000"/>
+                  </a:schemeClr>
+                </a:solidFill>
+              </a:rPr>
+              <a:t>Proporcionan una capa de seguridad para agregar o modificar características de la aplicación de manera segura. </a:t>
+            </a:r>
+            <a:br>
+              <a:rPr lang="es-PE" sz="2600" dirty="0" smtClean="0">
+                <a:solidFill>
+                  <a:schemeClr val="tx1">
+                    <a:lumMod val="95000"/>
+                  </a:schemeClr>
+                </a:solidFill>
+              </a:rPr>
+            </a:br>
+            <a:r>
+              <a:rPr lang="es-PE" sz="2600" dirty="0" smtClean="0">
+                <a:solidFill>
+                  <a:schemeClr val="tx1">
+                    <a:lumMod val="95000"/>
+                  </a:schemeClr>
+                </a:solidFill>
+              </a:rPr>
+              <a:t>(sin alterar de manera equivocada el comportamiento existente)</a:t>
+            </a:r>
+          </a:p>
+        </p:txBody>
+      </p:sp>
+      <p:sp>
+        <p:nvSpPr>
+          <p:cNvPr id="4" name="5 Marcador de contenido"/>
+          <p:cNvSpPr txBox="1">
+            <a:spLocks/>
+          </p:cNvSpPr>
+          <p:nvPr/>
+        </p:nvSpPr>
+        <p:spPr bwMode="auto">
+          <a:xfrm>
+            <a:off x="395040" y="3068960"/>
+            <a:ext cx="8640960" cy="2872268"/>
+          </a:xfrm>
+          <a:prstGeom prst="rect">
+            <a:avLst/>
+          </a:prstGeom>
+          <a:noFill/>
+          <a:ln w="9525">
+            <a:noFill/>
+            <a:miter lim="800000"/>
+            <a:headEnd/>
+            <a:tailEnd/>
+          </a:ln>
+        </p:spPr>
+        <p:txBody>
+          <a:bodyPr vert="horz" wrap="square" lIns="91440" tIns="45720" rIns="91440" bIns="45720" numCol="1" anchor="t" anchorCtr="0" compatLnSpc="1">
+            <a:prstTxWarp prst="textNoShape">
+              <a:avLst/>
+            </a:prstTxWarp>
+          </a:bodyPr>
+          <a:lstStyle>
+            <a:lvl1pPr marL="342900" indent="-342900" algn="l" rtl="0" eaLnBrk="1" fontAlgn="base" hangingPunct="1">
+              <a:spcBef>
+                <a:spcPct val="20000"/>
+              </a:spcBef>
+              <a:spcAft>
+                <a:spcPct val="0"/>
+              </a:spcAft>
+              <a:buFont typeface="Arial" charset="0"/>
+              <a:buChar char="•"/>
+              <a:defRPr sz="3200" kern="1200">
+                <a:solidFill>
+                  <a:schemeClr val="tx1"/>
+                </a:solidFill>
+                <a:latin typeface="+mn-lt"/>
+                <a:ea typeface="+mn-ea"/>
+                <a:cs typeface="+mn-cs"/>
+              </a:defRPr>
+            </a:lvl1pPr>
+            <a:lvl2pPr marL="742950" indent="-285750" algn="l" rtl="0" eaLnBrk="1" fontAlgn="base" hangingPunct="1">
+              <a:spcBef>
+                <a:spcPct val="20000"/>
+              </a:spcBef>
+              <a:spcAft>
+                <a:spcPct val="0"/>
+              </a:spcAft>
+              <a:buFont typeface="Arial" charset="0"/>
+              <a:buChar char="–"/>
+              <a:defRPr sz="2800" kern="1200">
+                <a:solidFill>
+                  <a:schemeClr val="tx1"/>
+                </a:solidFill>
+                <a:latin typeface="+mn-lt"/>
+                <a:ea typeface="+mn-ea"/>
+                <a:cs typeface="+mn-cs"/>
+              </a:defRPr>
+            </a:lvl2pPr>
+            <a:lvl3pPr marL="1143000" indent="-228600" algn="l" rtl="0" eaLnBrk="1" fontAlgn="base" hangingPunct="1">
+              <a:spcBef>
+                <a:spcPct val="20000"/>
+              </a:spcBef>
+              <a:spcAft>
+                <a:spcPct val="0"/>
+              </a:spcAft>
+              <a:buFont typeface="Arial" charset="0"/>
+              <a:buChar char="•"/>
+              <a:defRPr sz="2400" kern="1200">
+                <a:solidFill>
+                  <a:schemeClr val="tx1"/>
+                </a:solidFill>
+                <a:latin typeface="+mn-lt"/>
+                <a:ea typeface="+mn-ea"/>
+                <a:cs typeface="+mn-cs"/>
+              </a:defRPr>
+            </a:lvl3pPr>
+            <a:lvl4pPr marL="1600200" indent="-228600" algn="l" rtl="0" eaLnBrk="1" fontAlgn="base" hangingPunct="1">
+              <a:spcBef>
+                <a:spcPct val="20000"/>
+              </a:spcBef>
+              <a:spcAft>
+                <a:spcPct val="0"/>
+              </a:spcAft>
+              <a:buFont typeface="Arial" charset="0"/>
+              <a:buChar char="–"/>
+              <a:defRPr sz="2000" kern="1200">
+                <a:solidFill>
+                  <a:schemeClr val="tx1"/>
+                </a:solidFill>
+                <a:latin typeface="+mn-lt"/>
+                <a:ea typeface="+mn-ea"/>
+                <a:cs typeface="+mn-cs"/>
+              </a:defRPr>
+            </a:lvl4pPr>
+            <a:lvl5pPr marL="2057400" indent="-228600" algn="l" rtl="0" eaLnBrk="1" fontAlgn="base" hangingPunct="1">
+              <a:spcBef>
+                <a:spcPct val="20000"/>
+              </a:spcBef>
+              <a:spcAft>
+                <a:spcPct val="0"/>
+              </a:spcAft>
+              <a:buFont typeface="Arial" charset="0"/>
+              <a:buChar char="»"/>
+              <a:defRPr sz="2000" kern="1200">
+                <a:solidFill>
+                  <a:schemeClr val="tx1"/>
+                </a:solidFill>
+                <a:latin typeface="+mn-lt"/>
+                <a:ea typeface="+mn-ea"/>
+                <a:cs typeface="+mn-cs"/>
+              </a:defRPr>
+            </a:lvl5pPr>
+            <a:lvl6pPr marL="2514600" indent="-228600" algn="l" defTabSz="914400" rtl="0" eaLnBrk="1" latinLnBrk="0" hangingPunct="1">
+              <a:spcBef>
+                <a:spcPct val="20000"/>
+              </a:spcBef>
+              <a:buFont typeface="Arial" pitchFamily="34" charset="0"/>
+              <a:buChar char="•"/>
+              <a:defRPr sz="2000" kern="1200">
+                <a:solidFill>
+                  <a:schemeClr val="tx1"/>
+                </a:solidFill>
+                <a:latin typeface="+mn-lt"/>
+                <a:ea typeface="+mn-ea"/>
+                <a:cs typeface="+mn-cs"/>
+              </a:defRPr>
+            </a:lvl6pPr>
+            <a:lvl7pPr marL="2971800" indent="-228600" algn="l" defTabSz="914400" rtl="0" eaLnBrk="1" latinLnBrk="0" hangingPunct="1">
+              <a:spcBef>
+                <a:spcPct val="20000"/>
+              </a:spcBef>
+              <a:buFont typeface="Arial" pitchFamily="34" charset="0"/>
+              <a:buChar char="•"/>
+              <a:defRPr sz="2000" kern="1200">
+                <a:solidFill>
+                  <a:schemeClr val="tx1"/>
+                </a:solidFill>
+                <a:latin typeface="+mn-lt"/>
+                <a:ea typeface="+mn-ea"/>
+                <a:cs typeface="+mn-cs"/>
+              </a:defRPr>
+            </a:lvl7pPr>
+            <a:lvl8pPr marL="3429000" indent="-228600" algn="l" defTabSz="914400" rtl="0" eaLnBrk="1" latinLnBrk="0" hangingPunct="1">
+              <a:spcBef>
+                <a:spcPct val="20000"/>
+              </a:spcBef>
+              <a:buFont typeface="Arial" pitchFamily="34" charset="0"/>
+              <a:buChar char="•"/>
+              <a:defRPr sz="2000" kern="1200">
+                <a:solidFill>
+                  <a:schemeClr val="tx1"/>
+                </a:solidFill>
+                <a:latin typeface="+mn-lt"/>
+                <a:ea typeface="+mn-ea"/>
+                <a:cs typeface="+mn-cs"/>
+              </a:defRPr>
+            </a:lvl8pPr>
+            <a:lvl9pPr marL="3886200" indent="-228600" algn="l" defTabSz="914400" rtl="0" eaLnBrk="1" latinLnBrk="0" hangingPunct="1">
+              <a:spcBef>
+                <a:spcPct val="20000"/>
+              </a:spcBef>
+              <a:buFont typeface="Arial" pitchFamily="34" charset="0"/>
+              <a:buChar char="•"/>
+              <a:defRPr sz="2000" kern="1200">
+                <a:solidFill>
+                  <a:schemeClr val="tx1"/>
+                </a:solidFill>
+                <a:latin typeface="+mn-lt"/>
+                <a:ea typeface="+mn-ea"/>
+                <a:cs typeface="+mn-cs"/>
+              </a:defRPr>
+            </a:lvl9pPr>
+          </a:lstStyle>
+          <a:p>
+            <a:r>
+              <a:rPr lang="es-PE" sz="2600" dirty="0" smtClean="0">
+                <a:solidFill>
+                  <a:schemeClr val="tx1">
+                    <a:lumMod val="95000"/>
+                  </a:schemeClr>
+                </a:solidFill>
+              </a:rPr>
+              <a:t>Pruebas de Regresión.</a:t>
+            </a:r>
+          </a:p>
+          <a:p>
+            <a:r>
+              <a:rPr lang="es-PE" sz="2600" dirty="0" smtClean="0">
+                <a:solidFill>
+                  <a:schemeClr val="tx1">
+                    <a:lumMod val="95000"/>
+                  </a:schemeClr>
+                </a:solidFill>
+              </a:rPr>
+              <a:t>Soporte a Refactoring.</a:t>
+            </a:r>
+          </a:p>
+          <a:p>
+            <a:r>
+              <a:rPr lang="es-PE" sz="2600" dirty="0" smtClean="0">
+                <a:solidFill>
+                  <a:schemeClr val="tx1">
+                    <a:lumMod val="95000"/>
+                  </a:schemeClr>
+                </a:solidFill>
+              </a:rPr>
+              <a:t>Calidad Interna.</a:t>
+            </a:r>
+          </a:p>
+          <a:p>
+            <a:r>
+              <a:rPr lang="es-PE" sz="2600" dirty="0" smtClean="0">
+                <a:solidFill>
+                  <a:schemeClr val="tx1">
+                    <a:lumMod val="95000"/>
+                  </a:schemeClr>
+                </a:solidFill>
+              </a:rPr>
+              <a:t>Hacer más en menos tiempo.</a:t>
+            </a:r>
+          </a:p>
+          <a:p>
+            <a:r>
+              <a:rPr lang="es-PE" sz="2600" dirty="0" smtClean="0">
+                <a:solidFill>
+                  <a:schemeClr val="tx1">
+                    <a:lumMod val="95000"/>
+                  </a:schemeClr>
+                </a:solidFill>
+              </a:rPr>
+              <a:t>Coraje.</a:t>
+            </a:r>
+          </a:p>
+        </p:txBody>
+      </p:sp>
+    </p:spTree>
+    <p:extLst>
+      <p:ext uri="{BB962C8B-B14F-4D97-AF65-F5344CB8AC3E}">
+        <p14:creationId xmlns:p14="http://schemas.microsoft.com/office/powerpoint/2010/main" val="1748465625"/>
+      </p:ext>
+    </p:extLst>
+  </p:cSld>
+  <p:clrMapOvr>
+    <a:masterClrMapping/>
+  </p:clrMapOvr>
+  <p:timing>
+    <p:tnLst>
+      <p:par>
+        <p:cTn id="1" dur="indefinite" restart="never" nodeType="tmRoot"/>
+      </p:par>
+    </p:tnLst>
+  </p:timing>
+</p:sld>
+</file>
+
+<file path=ppt/slides/slide8.xml><?xml version="1.0" encoding="utf-8"?>
 <p:sld xmlns:a="http://schemas.openxmlformats.org/drawingml/2006/main" xmlns:r="http://schemas.openxmlformats.org/officeDocument/2006/relationships" xmlns:p="http://schemas.openxmlformats.org/presentationml/2006/main">
   <p:cSld>
     <p:spTree>
@@ -8920,379 +9030,6 @@
 </p:sld>
 </file>
 
-<file path=ppt/slides/slide8.xml><?xml version="1.0" encoding="utf-8"?>
-<p:sld xmlns:a="http://schemas.openxmlformats.org/drawingml/2006/main" xmlns:r="http://schemas.openxmlformats.org/officeDocument/2006/relationships" xmlns:p="http://schemas.openxmlformats.org/presentationml/2006/main">
-  <p:cSld>
-    <p:spTree>
-      <p:nvGrpSpPr>
-        <p:cNvPr id="1" name=""/>
-        <p:cNvGrpSpPr/>
-        <p:nvPr/>
-      </p:nvGrpSpPr>
-      <p:grpSpPr>
-        <a:xfrm>
-          <a:off x="0" y="0"/>
-          <a:ext cx="0" cy="0"/>
-          <a:chOff x="0" y="0"/>
-          <a:chExt cx="0" cy="0"/>
-        </a:xfrm>
-      </p:grpSpPr>
-      <p:sp>
-        <p:nvSpPr>
-          <p:cNvPr id="3" name="2 Título"/>
-          <p:cNvSpPr>
-            <a:spLocks noGrp="1"/>
-          </p:cNvSpPr>
-          <p:nvPr>
-            <p:ph type="title"/>
-          </p:nvPr>
-        </p:nvSpPr>
-        <p:spPr>
-          <a:xfrm>
-            <a:off x="457200" y="44624"/>
-            <a:ext cx="8229600" cy="724942"/>
-          </a:xfrm>
-        </p:spPr>
-        <p:txBody>
-          <a:bodyPr/>
-          <a:lstStyle/>
-          <a:p>
-            <a:r>
-              <a:rPr lang="es-PE" dirty="0" smtClean="0">
-                <a:solidFill>
-                  <a:srgbClr val="00823B"/>
-                </a:solidFill>
-              </a:rPr>
-              <a:t>Demostración</a:t>
-            </a:r>
-            <a:endParaRPr lang="es-PE" dirty="0">
-              <a:solidFill>
-                <a:srgbClr val="00823B"/>
-              </a:solidFill>
-            </a:endParaRPr>
-          </a:p>
-        </p:txBody>
-      </p:sp>
-      <p:sp>
-        <p:nvSpPr>
-          <p:cNvPr id="41" name="5 Marcador de contenido"/>
-          <p:cNvSpPr txBox="1">
-            <a:spLocks/>
-          </p:cNvSpPr>
-          <p:nvPr/>
-        </p:nvSpPr>
-        <p:spPr bwMode="auto">
-          <a:xfrm>
-            <a:off x="203268" y="785913"/>
-            <a:ext cx="8652658" cy="931242"/>
-          </a:xfrm>
-          <a:prstGeom prst="rect">
-            <a:avLst/>
-          </a:prstGeom>
-          <a:noFill/>
-          <a:ln w="9525">
-            <a:noFill/>
-            <a:miter lim="800000"/>
-            <a:headEnd/>
-            <a:tailEnd/>
-          </a:ln>
-        </p:spPr>
-        <p:txBody>
-          <a:bodyPr vert="horz" wrap="square" lIns="91440" tIns="45720" rIns="91440" bIns="45720" numCol="1" anchor="t" anchorCtr="0" compatLnSpc="1">
-            <a:prstTxWarp prst="textNoShape">
-              <a:avLst/>
-            </a:prstTxWarp>
-          </a:bodyPr>
-          <a:lstStyle>
-            <a:lvl1pPr marL="342900" indent="-342900" algn="l" rtl="0" eaLnBrk="1" fontAlgn="base" hangingPunct="1">
-              <a:spcBef>
-                <a:spcPct val="20000"/>
-              </a:spcBef>
-              <a:spcAft>
-                <a:spcPct val="0"/>
-              </a:spcAft>
-              <a:buFont typeface="Arial" charset="0"/>
-              <a:buChar char="•"/>
-              <a:defRPr sz="3200" kern="1200">
-                <a:solidFill>
-                  <a:schemeClr val="tx1"/>
-                </a:solidFill>
-                <a:latin typeface="+mn-lt"/>
-                <a:ea typeface="+mn-ea"/>
-                <a:cs typeface="+mn-cs"/>
-              </a:defRPr>
-            </a:lvl1pPr>
-            <a:lvl2pPr marL="742950" indent="-285750" algn="l" rtl="0" eaLnBrk="1" fontAlgn="base" hangingPunct="1">
-              <a:spcBef>
-                <a:spcPct val="20000"/>
-              </a:spcBef>
-              <a:spcAft>
-                <a:spcPct val="0"/>
-              </a:spcAft>
-              <a:buFont typeface="Arial" charset="0"/>
-              <a:buChar char="–"/>
-              <a:defRPr sz="2800" kern="1200">
-                <a:solidFill>
-                  <a:schemeClr val="tx1"/>
-                </a:solidFill>
-                <a:latin typeface="+mn-lt"/>
-                <a:ea typeface="+mn-ea"/>
-                <a:cs typeface="+mn-cs"/>
-              </a:defRPr>
-            </a:lvl2pPr>
-            <a:lvl3pPr marL="1143000" indent="-228600" algn="l" rtl="0" eaLnBrk="1" fontAlgn="base" hangingPunct="1">
-              <a:spcBef>
-                <a:spcPct val="20000"/>
-              </a:spcBef>
-              <a:spcAft>
-                <a:spcPct val="0"/>
-              </a:spcAft>
-              <a:buFont typeface="Arial" charset="0"/>
-              <a:buChar char="•"/>
-              <a:defRPr sz="2400" kern="1200">
-                <a:solidFill>
-                  <a:schemeClr val="tx1"/>
-                </a:solidFill>
-                <a:latin typeface="+mn-lt"/>
-                <a:ea typeface="+mn-ea"/>
-                <a:cs typeface="+mn-cs"/>
-              </a:defRPr>
-            </a:lvl3pPr>
-            <a:lvl4pPr marL="1600200" indent="-228600" algn="l" rtl="0" eaLnBrk="1" fontAlgn="base" hangingPunct="1">
-              <a:spcBef>
-                <a:spcPct val="20000"/>
-              </a:spcBef>
-              <a:spcAft>
-                <a:spcPct val="0"/>
-              </a:spcAft>
-              <a:buFont typeface="Arial" charset="0"/>
-              <a:buChar char="–"/>
-              <a:defRPr sz="2000" kern="1200">
-                <a:solidFill>
-                  <a:schemeClr val="tx1"/>
-                </a:solidFill>
-                <a:latin typeface="+mn-lt"/>
-                <a:ea typeface="+mn-ea"/>
-                <a:cs typeface="+mn-cs"/>
-              </a:defRPr>
-            </a:lvl4pPr>
-            <a:lvl5pPr marL="2057400" indent="-228600" algn="l" rtl="0" eaLnBrk="1" fontAlgn="base" hangingPunct="1">
-              <a:spcBef>
-                <a:spcPct val="20000"/>
-              </a:spcBef>
-              <a:spcAft>
-                <a:spcPct val="0"/>
-              </a:spcAft>
-              <a:buFont typeface="Arial" charset="0"/>
-              <a:buChar char="»"/>
-              <a:defRPr sz="2000" kern="1200">
-                <a:solidFill>
-                  <a:schemeClr val="tx1"/>
-                </a:solidFill>
-                <a:latin typeface="+mn-lt"/>
-                <a:ea typeface="+mn-ea"/>
-                <a:cs typeface="+mn-cs"/>
-              </a:defRPr>
-            </a:lvl5pPr>
-            <a:lvl6pPr marL="2514600" indent="-228600" algn="l" defTabSz="914400" rtl="0" eaLnBrk="1" latinLnBrk="0" hangingPunct="1">
-              <a:spcBef>
-                <a:spcPct val="20000"/>
-              </a:spcBef>
-              <a:buFont typeface="Arial" pitchFamily="34" charset="0"/>
-              <a:buChar char="•"/>
-              <a:defRPr sz="2000" kern="1200">
-                <a:solidFill>
-                  <a:schemeClr val="tx1"/>
-                </a:solidFill>
-                <a:latin typeface="+mn-lt"/>
-                <a:ea typeface="+mn-ea"/>
-                <a:cs typeface="+mn-cs"/>
-              </a:defRPr>
-            </a:lvl6pPr>
-            <a:lvl7pPr marL="2971800" indent="-228600" algn="l" defTabSz="914400" rtl="0" eaLnBrk="1" latinLnBrk="0" hangingPunct="1">
-              <a:spcBef>
-                <a:spcPct val="20000"/>
-              </a:spcBef>
-              <a:buFont typeface="Arial" pitchFamily="34" charset="0"/>
-              <a:buChar char="•"/>
-              <a:defRPr sz="2000" kern="1200">
-                <a:solidFill>
-                  <a:schemeClr val="tx1"/>
-                </a:solidFill>
-                <a:latin typeface="+mn-lt"/>
-                <a:ea typeface="+mn-ea"/>
-                <a:cs typeface="+mn-cs"/>
-              </a:defRPr>
-            </a:lvl7pPr>
-            <a:lvl8pPr marL="3429000" indent="-228600" algn="l" defTabSz="914400" rtl="0" eaLnBrk="1" latinLnBrk="0" hangingPunct="1">
-              <a:spcBef>
-                <a:spcPct val="20000"/>
-              </a:spcBef>
-              <a:buFont typeface="Arial" pitchFamily="34" charset="0"/>
-              <a:buChar char="•"/>
-              <a:defRPr sz="2000" kern="1200">
-                <a:solidFill>
-                  <a:schemeClr val="tx1"/>
-                </a:solidFill>
-                <a:latin typeface="+mn-lt"/>
-                <a:ea typeface="+mn-ea"/>
-                <a:cs typeface="+mn-cs"/>
-              </a:defRPr>
-            </a:lvl8pPr>
-            <a:lvl9pPr marL="3886200" indent="-228600" algn="l" defTabSz="914400" rtl="0" eaLnBrk="1" latinLnBrk="0" hangingPunct="1">
-              <a:spcBef>
-                <a:spcPct val="20000"/>
-              </a:spcBef>
-              <a:buFont typeface="Arial" pitchFamily="34" charset="0"/>
-              <a:buChar char="•"/>
-              <a:defRPr sz="2000" kern="1200">
-                <a:solidFill>
-                  <a:schemeClr val="tx1"/>
-                </a:solidFill>
-                <a:latin typeface="+mn-lt"/>
-                <a:ea typeface="+mn-ea"/>
-                <a:cs typeface="+mn-cs"/>
-              </a:defRPr>
-            </a:lvl9pPr>
-          </a:lstStyle>
-          <a:p>
-            <a:pPr marL="0" indent="0" algn="ctr">
-              <a:buNone/>
-            </a:pPr>
-            <a:r>
-              <a:rPr lang="es-PE" sz="2800" dirty="0" smtClean="0">
-                <a:solidFill>
-                  <a:schemeClr val="tx1">
-                    <a:lumMod val="95000"/>
-                  </a:schemeClr>
-                </a:solidFill>
-              </a:rPr>
-              <a:t>Veremos el funcionamiento de las pruebas unitarias dentro de la </a:t>
-            </a:r>
-            <a:r>
-              <a:rPr lang="es-PE" sz="2800" dirty="0" smtClean="0">
-                <a:solidFill>
-                  <a:srgbClr val="FFC000"/>
-                </a:solidFill>
-              </a:rPr>
-              <a:t>aplicación open </a:t>
-            </a:r>
-            <a:r>
-              <a:rPr lang="es-PE" sz="2800" dirty="0" err="1" smtClean="0">
-                <a:solidFill>
-                  <a:srgbClr val="FFC000"/>
-                </a:solidFill>
-              </a:rPr>
-              <a:t>source</a:t>
-            </a:r>
-            <a:r>
-              <a:rPr lang="es-PE" sz="2800" dirty="0" smtClean="0">
-                <a:solidFill>
-                  <a:srgbClr val="FFC000"/>
-                </a:solidFill>
-              </a:rPr>
-              <a:t> </a:t>
-            </a:r>
-            <a:r>
-              <a:rPr lang="es-PE" sz="2800" dirty="0" err="1" smtClean="0">
-                <a:solidFill>
-                  <a:srgbClr val="FFC000"/>
-                </a:solidFill>
-              </a:rPr>
-              <a:t>CodeCampServer</a:t>
-            </a:r>
-            <a:endParaRPr lang="es-PE" sz="2800" dirty="0" smtClean="0">
-              <a:solidFill>
-                <a:srgbClr val="FFC000"/>
-              </a:solidFill>
-            </a:endParaRPr>
-          </a:p>
-        </p:txBody>
-      </p:sp>
-      <p:pic>
-        <p:nvPicPr>
-          <p:cNvPr id="1031" name="Picture 7"/>
-          <p:cNvPicPr>
-            <a:picLocks noChangeAspect="1" noChangeArrowheads="1"/>
-          </p:cNvPicPr>
-          <p:nvPr/>
-        </p:nvPicPr>
-        <p:blipFill>
-          <a:blip r:embed="rId3">
-            <a:extLst>
-              <a:ext uri="{28A0092B-C50C-407E-A947-70E740481C1C}">
-                <a14:useLocalDpi xmlns:a14="http://schemas.microsoft.com/office/drawing/2010/main" val="0"/>
-              </a:ext>
-            </a:extLst>
-          </a:blip>
-          <a:srcRect/>
-          <a:stretch>
-            <a:fillRect/>
-          </a:stretch>
-        </p:blipFill>
-        <p:spPr bwMode="auto">
-          <a:xfrm>
-            <a:off x="52429" y="1776255"/>
-            <a:ext cx="9019067" cy="5029864"/>
-          </a:xfrm>
-          <a:prstGeom prst="rect">
-            <a:avLst/>
-          </a:prstGeom>
-          <a:noFill/>
-          <a:ln>
-            <a:noFill/>
-          </a:ln>
-          <a:effectLst/>
-          <a:extLst>
-            <a:ext uri="{909E8E84-426E-40DD-AFC4-6F175D3DCCD1}">
-              <a14:hiddenFill xmlns:a14="http://schemas.microsoft.com/office/drawing/2010/main">
-                <a:solidFill>
-                  <a:schemeClr val="accent1"/>
-                </a:solidFill>
-              </a14:hiddenFill>
-            </a:ext>
-            <a:ext uri="{91240B29-F687-4F45-9708-019B960494DF}">
-              <a14:hiddenLine xmlns:a14="http://schemas.microsoft.com/office/drawing/2010/main" w="9525">
-                <a:solidFill>
-                  <a:schemeClr val="tx1"/>
-                </a:solidFill>
-                <a:miter lim="800000"/>
-                <a:headEnd/>
-                <a:tailEnd/>
-              </a14:hiddenLine>
-            </a:ext>
-            <a:ext uri="{AF507438-7753-43E0-B8FC-AC1667EBCBE1}">
-              <a14:hiddenEffects xmlns:a14="http://schemas.microsoft.com/office/drawing/2010/main">
-                <a:effectLst>
-                  <a:outerShdw dist="35921" dir="2700000" algn="ctr" rotWithShape="0">
-                    <a:schemeClr val="bg2"/>
-                  </a:outerShdw>
-                </a:effectLst>
-              </a14:hiddenEffects>
-            </a:ext>
-          </a:extLst>
-        </p:spPr>
-      </p:pic>
-    </p:spTree>
-    <p:extLst>
-      <p:ext uri="{BB962C8B-B14F-4D97-AF65-F5344CB8AC3E}">
-        <p14:creationId xmlns:p14="http://schemas.microsoft.com/office/powerpoint/2010/main" val="672944765"/>
-      </p:ext>
-    </p:extLst>
-  </p:cSld>
-  <p:clrMapOvr>
-    <a:masterClrMapping/>
-  </p:clrMapOvr>
-  <p:timing>
-    <p:tnLst>
-      <p:par>
-        <p:cTn id="1" dur="indefinite" restart="never" nodeType="tmRoot"/>
-      </p:par>
-    </p:tnLst>
-  </p:timing>
-</p:sld>
-</file>
-
 <file path=ppt/slides/slide9.xml><?xml version="1.0" encoding="utf-8"?>
 <p:sld xmlns:a="http://schemas.openxmlformats.org/drawingml/2006/main" xmlns:r="http://schemas.openxmlformats.org/officeDocument/2006/relationships" xmlns:p="http://schemas.openxmlformats.org/presentationml/2006/main">
   <p:cSld>
@@ -9312,7 +9049,7 @@
       </p:grpSpPr>
       <p:sp>
         <p:nvSpPr>
-          <p:cNvPr id="13" name="2 Título"/>
+          <p:cNvPr id="3" name="2 Título"/>
           <p:cNvSpPr>
             <a:spLocks noGrp="1"/>
           </p:cNvSpPr>
@@ -9322,8 +9059,8 @@
         </p:nvSpPr>
         <p:spPr>
           <a:xfrm>
-            <a:off x="529208" y="188640"/>
-            <a:ext cx="8229600" cy="864096"/>
+            <a:off x="524338" y="216030"/>
+            <a:ext cx="8229600" cy="724942"/>
           </a:xfrm>
         </p:spPr>
         <p:txBody>
@@ -9336,23 +9073,7 @@
                   <a:srgbClr val="00823B"/>
                 </a:solidFill>
               </a:rPr>
-              <a:t>Beneficios del 1er </a:t>
-            </a:r>
-            <a:r>
-              <a:rPr lang="es-PE" dirty="0">
-                <a:solidFill>
-                  <a:srgbClr val="00823B"/>
-                </a:solidFill>
-              </a:rPr>
-              <a:t>C</a:t>
-            </a:r>
-            <a:r>
-              <a:rPr lang="es-PE" dirty="0" smtClean="0">
-                <a:solidFill>
-                  <a:srgbClr val="00823B"/>
-                </a:solidFill>
-              </a:rPr>
-              <a:t>uadrante</a:t>
+              <a:t>Información Adicional</a:t>
             </a:r>
             <a:endParaRPr lang="es-PE" dirty="0">
               <a:solidFill>
@@ -9364,462 +9085,104 @@
       </p:sp>
       <p:sp>
         <p:nvSpPr>
-          <p:cNvPr id="3" name="5 Marcador de contenido"/>
-          <p:cNvSpPr txBox="1">
-            <a:spLocks/>
-          </p:cNvSpPr>
+          <p:cNvPr id="13" name="12 CuadroTexto"/>
+          <p:cNvSpPr txBox="1"/>
           <p:nvPr/>
         </p:nvSpPr>
-        <p:spPr bwMode="auto">
+        <p:spPr>
           <a:xfrm>
-            <a:off x="179512" y="1340768"/>
-            <a:ext cx="8793360" cy="1368152"/>
+            <a:off x="209672" y="1124744"/>
+            <a:ext cx="8712968" cy="1938992"/>
           </a:xfrm>
           <a:prstGeom prst="rect">
             <a:avLst/>
           </a:prstGeom>
           <a:noFill/>
-          <a:ln w="9525">
-            <a:noFill/>
-            <a:miter lim="800000"/>
-            <a:headEnd/>
-            <a:tailEnd/>
-          </a:ln>
         </p:spPr>
         <p:txBody>
-          <a:bodyPr vert="horz" wrap="square" lIns="91440" tIns="45720" rIns="91440" bIns="45720" numCol="1" anchor="t" anchorCtr="0" compatLnSpc="1">
-            <a:prstTxWarp prst="textNoShape">
-              <a:avLst/>
-            </a:prstTxWarp>
+          <a:bodyPr wrap="square" rtlCol="0">
+            <a:spAutoFit/>
           </a:bodyPr>
-          <a:lstStyle>
-            <a:lvl1pPr marL="342900" indent="-342900" algn="l" rtl="0" eaLnBrk="1" fontAlgn="base" hangingPunct="1">
-              <a:spcBef>
-                <a:spcPct val="20000"/>
-              </a:spcBef>
-              <a:spcAft>
-                <a:spcPct val="0"/>
-              </a:spcAft>
-              <a:buFont typeface="Arial" charset="0"/>
-              <a:buChar char="•"/>
-              <a:defRPr sz="3200" kern="1200">
-                <a:solidFill>
-                  <a:schemeClr val="tx1"/>
-                </a:solidFill>
-                <a:latin typeface="+mn-lt"/>
-                <a:ea typeface="+mn-ea"/>
-                <a:cs typeface="+mn-cs"/>
-              </a:defRPr>
-            </a:lvl1pPr>
-            <a:lvl2pPr marL="742950" indent="-285750" algn="l" rtl="0" eaLnBrk="1" fontAlgn="base" hangingPunct="1">
-              <a:spcBef>
-                <a:spcPct val="20000"/>
-              </a:spcBef>
-              <a:spcAft>
-                <a:spcPct val="0"/>
-              </a:spcAft>
-              <a:buFont typeface="Arial" charset="0"/>
-              <a:buChar char="–"/>
-              <a:defRPr sz="2800" kern="1200">
-                <a:solidFill>
-                  <a:schemeClr val="tx1"/>
-                </a:solidFill>
-                <a:latin typeface="+mn-lt"/>
-                <a:ea typeface="+mn-ea"/>
-                <a:cs typeface="+mn-cs"/>
-              </a:defRPr>
-            </a:lvl2pPr>
-            <a:lvl3pPr marL="1143000" indent="-228600" algn="l" rtl="0" eaLnBrk="1" fontAlgn="base" hangingPunct="1">
-              <a:spcBef>
-                <a:spcPct val="20000"/>
-              </a:spcBef>
-              <a:spcAft>
-                <a:spcPct val="0"/>
-              </a:spcAft>
-              <a:buFont typeface="Arial" charset="0"/>
-              <a:buChar char="•"/>
-              <a:defRPr sz="2400" kern="1200">
-                <a:solidFill>
-                  <a:schemeClr val="tx1"/>
-                </a:solidFill>
-                <a:latin typeface="+mn-lt"/>
-                <a:ea typeface="+mn-ea"/>
-                <a:cs typeface="+mn-cs"/>
-              </a:defRPr>
-            </a:lvl3pPr>
-            <a:lvl4pPr marL="1600200" indent="-228600" algn="l" rtl="0" eaLnBrk="1" fontAlgn="base" hangingPunct="1">
-              <a:spcBef>
-                <a:spcPct val="20000"/>
-              </a:spcBef>
-              <a:spcAft>
-                <a:spcPct val="0"/>
-              </a:spcAft>
-              <a:buFont typeface="Arial" charset="0"/>
-              <a:buChar char="–"/>
-              <a:defRPr sz="2000" kern="1200">
-                <a:solidFill>
-                  <a:schemeClr val="tx1"/>
-                </a:solidFill>
-                <a:latin typeface="+mn-lt"/>
-                <a:ea typeface="+mn-ea"/>
-                <a:cs typeface="+mn-cs"/>
-              </a:defRPr>
-            </a:lvl4pPr>
-            <a:lvl5pPr marL="2057400" indent="-228600" algn="l" rtl="0" eaLnBrk="1" fontAlgn="base" hangingPunct="1">
-              <a:spcBef>
-                <a:spcPct val="20000"/>
-              </a:spcBef>
-              <a:spcAft>
-                <a:spcPct val="0"/>
-              </a:spcAft>
-              <a:buFont typeface="Arial" charset="0"/>
-              <a:buChar char="»"/>
-              <a:defRPr sz="2000" kern="1200">
-                <a:solidFill>
-                  <a:schemeClr val="tx1"/>
-                </a:solidFill>
-                <a:latin typeface="+mn-lt"/>
-                <a:ea typeface="+mn-ea"/>
-                <a:cs typeface="+mn-cs"/>
-              </a:defRPr>
-            </a:lvl5pPr>
-            <a:lvl6pPr marL="2514600" indent="-228600" algn="l" defTabSz="914400" rtl="0" eaLnBrk="1" latinLnBrk="0" hangingPunct="1">
-              <a:spcBef>
-                <a:spcPct val="20000"/>
-              </a:spcBef>
+          <a:lstStyle/>
+          <a:p>
+            <a:pPr marL="457200" indent="-457200">
               <a:buFont typeface="Arial" pitchFamily="34" charset="0"/>
               <a:buChar char="•"/>
-              <a:defRPr sz="2000" kern="1200">
-                <a:solidFill>
-                  <a:schemeClr val="tx1"/>
-                </a:solidFill>
-                <a:latin typeface="+mn-lt"/>
-                <a:ea typeface="+mn-ea"/>
-                <a:cs typeface="+mn-cs"/>
-              </a:defRPr>
-            </a:lvl6pPr>
-            <a:lvl7pPr marL="2971800" indent="-228600" algn="l" defTabSz="914400" rtl="0" eaLnBrk="1" latinLnBrk="0" hangingPunct="1">
-              <a:spcBef>
-                <a:spcPct val="20000"/>
-              </a:spcBef>
+            </a:pPr>
+            <a:r>
+              <a:rPr lang="es-PE" sz="2400" dirty="0" smtClean="0"/>
+              <a:t>Manual </a:t>
+            </a:r>
+            <a:r>
+              <a:rPr lang="es-PE" sz="2400" dirty="0" err="1" smtClean="0"/>
+              <a:t>tests</a:t>
+            </a:r>
+            <a:r>
+              <a:rPr lang="es-PE" sz="2400" dirty="0" smtClean="0"/>
+              <a:t> are </a:t>
+            </a:r>
+            <a:r>
+              <a:rPr lang="es-PE" sz="2400" dirty="0" err="1" smtClean="0"/>
+              <a:t>Important</a:t>
+            </a:r>
+            <a:r>
+              <a:rPr lang="es-PE" sz="2400" dirty="0" smtClean="0"/>
+              <a:t/>
+            </a:r>
+            <a:br>
+              <a:rPr lang="es-PE" sz="2400" dirty="0" smtClean="0"/>
+            </a:br>
+            <a:r>
+              <a:rPr lang="es-PE" sz="2400" dirty="0">
+                <a:solidFill>
+                  <a:srgbClr val="FFC000"/>
+                </a:solidFill>
+              </a:rPr>
+              <a:t>http://www.satisfice.com/blog/archives/58</a:t>
+            </a:r>
+          </a:p>
+          <a:p>
+            <a:pPr marL="457200" indent="-457200">
               <a:buFont typeface="Arial" pitchFamily="34" charset="0"/>
               <a:buChar char="•"/>
-              <a:defRPr sz="2000" kern="1200">
-                <a:solidFill>
-                  <a:schemeClr val="tx1"/>
-                </a:solidFill>
-                <a:latin typeface="+mn-lt"/>
-                <a:ea typeface="+mn-ea"/>
-                <a:cs typeface="+mn-cs"/>
-              </a:defRPr>
-            </a:lvl7pPr>
-            <a:lvl8pPr marL="3429000" indent="-228600" algn="l" defTabSz="914400" rtl="0" eaLnBrk="1" latinLnBrk="0" hangingPunct="1">
-              <a:spcBef>
-                <a:spcPct val="20000"/>
-              </a:spcBef>
+            </a:pPr>
+            <a:endParaRPr lang="es-PE" sz="2400" dirty="0" smtClean="0"/>
+          </a:p>
+          <a:p>
+            <a:pPr marL="457200" indent="-457200">
               <a:buFont typeface="Arial" pitchFamily="34" charset="0"/>
               <a:buChar char="•"/>
-              <a:defRPr sz="2000" kern="1200">
-                <a:solidFill>
-                  <a:schemeClr val="tx1"/>
-                </a:solidFill>
-                <a:latin typeface="+mn-lt"/>
-                <a:ea typeface="+mn-ea"/>
-                <a:cs typeface="+mn-cs"/>
-              </a:defRPr>
-            </a:lvl8pPr>
-            <a:lvl9pPr marL="3886200" indent="-228600" algn="l" defTabSz="914400" rtl="0" eaLnBrk="1" latinLnBrk="0" hangingPunct="1">
-              <a:spcBef>
-                <a:spcPct val="20000"/>
-              </a:spcBef>
-              <a:buFont typeface="Arial" pitchFamily="34" charset="0"/>
-              <a:buChar char="•"/>
-              <a:defRPr sz="2000" kern="1200">
-                <a:solidFill>
-                  <a:schemeClr val="tx1"/>
-                </a:solidFill>
-                <a:latin typeface="+mn-lt"/>
-                <a:ea typeface="+mn-ea"/>
-                <a:cs typeface="+mn-cs"/>
-              </a:defRPr>
-            </a:lvl9pPr>
-          </a:lstStyle>
-          <a:p>
-            <a:pPr marL="0" indent="0" algn="ctr">
-              <a:buNone/>
             </a:pPr>
             <a:r>
-              <a:rPr lang="es-PE" sz="2600" dirty="0" smtClean="0">
-                <a:solidFill>
-                  <a:schemeClr val="tx1">
-                    <a:lumMod val="95000"/>
-                  </a:schemeClr>
+              <a:rPr lang="es-PE" sz="2400" dirty="0" smtClean="0"/>
+              <a:t>Agile </a:t>
+            </a:r>
+            <a:r>
+              <a:rPr lang="es-PE" sz="2400" dirty="0" err="1" smtClean="0"/>
+              <a:t>Testing</a:t>
+            </a:r>
+            <a:r>
+              <a:rPr lang="es-PE" sz="2400" dirty="0" smtClean="0"/>
+              <a:t> </a:t>
+            </a:r>
+            <a:r>
+              <a:rPr lang="es-PE" sz="2400" dirty="0" err="1" smtClean="0"/>
+              <a:t>Matrix</a:t>
+            </a:r>
+            <a:r>
+              <a:rPr lang="es-PE" sz="2400" dirty="0" smtClean="0"/>
+              <a:t/>
+            </a:r>
+            <a:br>
+              <a:rPr lang="es-PE" sz="2400" dirty="0" smtClean="0"/>
+            </a:br>
+            <a:r>
+              <a:rPr lang="es-PE" sz="2400" dirty="0">
+                <a:solidFill>
+                  <a:srgbClr val="FFC000"/>
                 </a:solidFill>
               </a:rPr>
-              <a:t>Proporcionan una capa de seguridad para agregar o modificar características de la aplicación de manera segura. </a:t>
-            </a:r>
-            <a:br>
-              <a:rPr lang="es-PE" sz="2600" dirty="0" smtClean="0">
-                <a:solidFill>
-                  <a:schemeClr val="tx1">
-                    <a:lumMod val="95000"/>
-                  </a:schemeClr>
-                </a:solidFill>
-              </a:rPr>
-            </a:br>
-            <a:r>
-              <a:rPr lang="es-PE" sz="2600" dirty="0" smtClean="0">
-                <a:solidFill>
-                  <a:schemeClr val="tx1">
-                    <a:lumMod val="95000"/>
-                  </a:schemeClr>
-                </a:solidFill>
-              </a:rPr>
-              <a:t>(sin alterar de manera equivocada el comportamiento existente)</a:t>
-            </a:r>
-          </a:p>
-        </p:txBody>
-      </p:sp>
-      <p:sp>
-        <p:nvSpPr>
-          <p:cNvPr id="4" name="5 Marcador de contenido"/>
-          <p:cNvSpPr txBox="1">
-            <a:spLocks/>
-          </p:cNvSpPr>
-          <p:nvPr/>
-        </p:nvSpPr>
-        <p:spPr bwMode="auto">
-          <a:xfrm>
-            <a:off x="395040" y="3068960"/>
-            <a:ext cx="8640960" cy="2872268"/>
-          </a:xfrm>
-          <a:prstGeom prst="rect">
-            <a:avLst/>
-          </a:prstGeom>
-          <a:noFill/>
-          <a:ln w="9525">
-            <a:noFill/>
-            <a:miter lim="800000"/>
-            <a:headEnd/>
-            <a:tailEnd/>
-          </a:ln>
-        </p:spPr>
-        <p:txBody>
-          <a:bodyPr vert="horz" wrap="square" lIns="91440" tIns="45720" rIns="91440" bIns="45720" numCol="1" anchor="t" anchorCtr="0" compatLnSpc="1">
-            <a:prstTxWarp prst="textNoShape">
-              <a:avLst/>
-            </a:prstTxWarp>
-          </a:bodyPr>
-          <a:lstStyle>
-            <a:lvl1pPr marL="342900" indent="-342900" algn="l" rtl="0" eaLnBrk="1" fontAlgn="base" hangingPunct="1">
-              <a:spcBef>
-                <a:spcPct val="20000"/>
-              </a:spcBef>
-              <a:spcAft>
-                <a:spcPct val="0"/>
-              </a:spcAft>
-              <a:buFont typeface="Arial" charset="0"/>
-              <a:buChar char="•"/>
-              <a:defRPr sz="3200" kern="1200">
-                <a:solidFill>
-                  <a:schemeClr val="tx1"/>
-                </a:solidFill>
-                <a:latin typeface="+mn-lt"/>
-                <a:ea typeface="+mn-ea"/>
-                <a:cs typeface="+mn-cs"/>
-              </a:defRPr>
-            </a:lvl1pPr>
-            <a:lvl2pPr marL="742950" indent="-285750" algn="l" rtl="0" eaLnBrk="1" fontAlgn="base" hangingPunct="1">
-              <a:spcBef>
-                <a:spcPct val="20000"/>
-              </a:spcBef>
-              <a:spcAft>
-                <a:spcPct val="0"/>
-              </a:spcAft>
-              <a:buFont typeface="Arial" charset="0"/>
-              <a:buChar char="–"/>
-              <a:defRPr sz="2800" kern="1200">
-                <a:solidFill>
-                  <a:schemeClr val="tx1"/>
-                </a:solidFill>
-                <a:latin typeface="+mn-lt"/>
-                <a:ea typeface="+mn-ea"/>
-                <a:cs typeface="+mn-cs"/>
-              </a:defRPr>
-            </a:lvl2pPr>
-            <a:lvl3pPr marL="1143000" indent="-228600" algn="l" rtl="0" eaLnBrk="1" fontAlgn="base" hangingPunct="1">
-              <a:spcBef>
-                <a:spcPct val="20000"/>
-              </a:spcBef>
-              <a:spcAft>
-                <a:spcPct val="0"/>
-              </a:spcAft>
-              <a:buFont typeface="Arial" charset="0"/>
-              <a:buChar char="•"/>
-              <a:defRPr sz="2400" kern="1200">
-                <a:solidFill>
-                  <a:schemeClr val="tx1"/>
-                </a:solidFill>
-                <a:latin typeface="+mn-lt"/>
-                <a:ea typeface="+mn-ea"/>
-                <a:cs typeface="+mn-cs"/>
-              </a:defRPr>
-            </a:lvl3pPr>
-            <a:lvl4pPr marL="1600200" indent="-228600" algn="l" rtl="0" eaLnBrk="1" fontAlgn="base" hangingPunct="1">
-              <a:spcBef>
-                <a:spcPct val="20000"/>
-              </a:spcBef>
-              <a:spcAft>
-                <a:spcPct val="0"/>
-              </a:spcAft>
-              <a:buFont typeface="Arial" charset="0"/>
-              <a:buChar char="–"/>
-              <a:defRPr sz="2000" kern="1200">
-                <a:solidFill>
-                  <a:schemeClr val="tx1"/>
-                </a:solidFill>
-                <a:latin typeface="+mn-lt"/>
-                <a:ea typeface="+mn-ea"/>
-                <a:cs typeface="+mn-cs"/>
-              </a:defRPr>
-            </a:lvl4pPr>
-            <a:lvl5pPr marL="2057400" indent="-228600" algn="l" rtl="0" eaLnBrk="1" fontAlgn="base" hangingPunct="1">
-              <a:spcBef>
-                <a:spcPct val="20000"/>
-              </a:spcBef>
-              <a:spcAft>
-                <a:spcPct val="0"/>
-              </a:spcAft>
-              <a:buFont typeface="Arial" charset="0"/>
-              <a:buChar char="»"/>
-              <a:defRPr sz="2000" kern="1200">
-                <a:solidFill>
-                  <a:schemeClr val="tx1"/>
-                </a:solidFill>
-                <a:latin typeface="+mn-lt"/>
-                <a:ea typeface="+mn-ea"/>
-                <a:cs typeface="+mn-cs"/>
-              </a:defRPr>
-            </a:lvl5pPr>
-            <a:lvl6pPr marL="2514600" indent="-228600" algn="l" defTabSz="914400" rtl="0" eaLnBrk="1" latinLnBrk="0" hangingPunct="1">
-              <a:spcBef>
-                <a:spcPct val="20000"/>
-              </a:spcBef>
-              <a:buFont typeface="Arial" pitchFamily="34" charset="0"/>
-              <a:buChar char="•"/>
-              <a:defRPr sz="2000" kern="1200">
-                <a:solidFill>
-                  <a:schemeClr val="tx1"/>
-                </a:solidFill>
-                <a:latin typeface="+mn-lt"/>
-                <a:ea typeface="+mn-ea"/>
-                <a:cs typeface="+mn-cs"/>
-              </a:defRPr>
-            </a:lvl6pPr>
-            <a:lvl7pPr marL="2971800" indent="-228600" algn="l" defTabSz="914400" rtl="0" eaLnBrk="1" latinLnBrk="0" hangingPunct="1">
-              <a:spcBef>
-                <a:spcPct val="20000"/>
-              </a:spcBef>
-              <a:buFont typeface="Arial" pitchFamily="34" charset="0"/>
-              <a:buChar char="•"/>
-              <a:defRPr sz="2000" kern="1200">
-                <a:solidFill>
-                  <a:schemeClr val="tx1"/>
-                </a:solidFill>
-                <a:latin typeface="+mn-lt"/>
-                <a:ea typeface="+mn-ea"/>
-                <a:cs typeface="+mn-cs"/>
-              </a:defRPr>
-            </a:lvl7pPr>
-            <a:lvl8pPr marL="3429000" indent="-228600" algn="l" defTabSz="914400" rtl="0" eaLnBrk="1" latinLnBrk="0" hangingPunct="1">
-              <a:spcBef>
-                <a:spcPct val="20000"/>
-              </a:spcBef>
-              <a:buFont typeface="Arial" pitchFamily="34" charset="0"/>
-              <a:buChar char="•"/>
-              <a:defRPr sz="2000" kern="1200">
-                <a:solidFill>
-                  <a:schemeClr val="tx1"/>
-                </a:solidFill>
-                <a:latin typeface="+mn-lt"/>
-                <a:ea typeface="+mn-ea"/>
-                <a:cs typeface="+mn-cs"/>
-              </a:defRPr>
-            </a:lvl8pPr>
-            <a:lvl9pPr marL="3886200" indent="-228600" algn="l" defTabSz="914400" rtl="0" eaLnBrk="1" latinLnBrk="0" hangingPunct="1">
-              <a:spcBef>
-                <a:spcPct val="20000"/>
-              </a:spcBef>
-              <a:buFont typeface="Arial" pitchFamily="34" charset="0"/>
-              <a:buChar char="•"/>
-              <a:defRPr sz="2000" kern="1200">
-                <a:solidFill>
-                  <a:schemeClr val="tx1"/>
-                </a:solidFill>
-                <a:latin typeface="+mn-lt"/>
-                <a:ea typeface="+mn-ea"/>
-                <a:cs typeface="+mn-cs"/>
-              </a:defRPr>
-            </a:lvl9pPr>
-          </a:lstStyle>
-          <a:p>
-            <a:r>
-              <a:rPr lang="es-PE" sz="2600" dirty="0" smtClean="0">
-                <a:solidFill>
-                  <a:schemeClr val="tx1">
-                    <a:lumMod val="95000"/>
-                  </a:schemeClr>
-                </a:solidFill>
-              </a:rPr>
-              <a:t>Pruebas de Regresión.</a:t>
-            </a:r>
-          </a:p>
-          <a:p>
-            <a:r>
-              <a:rPr lang="es-PE" sz="2600" dirty="0" smtClean="0">
-                <a:solidFill>
-                  <a:schemeClr val="tx1">
-                    <a:lumMod val="95000"/>
-                  </a:schemeClr>
-                </a:solidFill>
-              </a:rPr>
-              <a:t>Soporte a Refactoring.</a:t>
-            </a:r>
-          </a:p>
-          <a:p>
-            <a:r>
-              <a:rPr lang="es-PE" sz="2600" dirty="0" smtClean="0">
-                <a:solidFill>
-                  <a:schemeClr val="tx1">
-                    <a:lumMod val="95000"/>
-                  </a:schemeClr>
-                </a:solidFill>
-              </a:rPr>
-              <a:t>Calidad Interna.</a:t>
-            </a:r>
-          </a:p>
-          <a:p>
-            <a:r>
-              <a:rPr lang="es-PE" sz="2600" dirty="0" smtClean="0">
-                <a:solidFill>
-                  <a:schemeClr val="tx1">
-                    <a:lumMod val="95000"/>
-                  </a:schemeClr>
-                </a:solidFill>
-              </a:rPr>
-              <a:t>Hacer más en menos tiempo.</a:t>
-            </a:r>
-          </a:p>
-          <a:p>
-            <a:r>
-              <a:rPr lang="es-PE" sz="2600" dirty="0" smtClean="0">
-                <a:solidFill>
-                  <a:schemeClr val="tx1">
-                    <a:lumMod val="95000"/>
-                  </a:schemeClr>
-                </a:solidFill>
-              </a:rPr>
-              <a:t>Coraje.</a:t>
+              <a:t>http://www.exampler.com/old-blog/2003/08/21/</a:t>
             </a:r>
           </a:p>
         </p:txBody>
@@ -9827,7 +9190,7 @@
     </p:spTree>
     <p:extLst>
       <p:ext uri="{BB962C8B-B14F-4D97-AF65-F5344CB8AC3E}">
-        <p14:creationId xmlns:p14="http://schemas.microsoft.com/office/powerpoint/2010/main" val="1748465625"/>
+        <p14:creationId xmlns:p14="http://schemas.microsoft.com/office/powerpoint/2010/main" val="1813450959"/>
       </p:ext>
     </p:extLst>
   </p:cSld>

--- a/Diapositivas/0. Test Automation.pptx
+++ b/Diapositivas/0. Test Automation.pptx
@@ -216,7 +216,7 @@
           <a:p>
             <a:fld id="{63D5FC4C-9EE1-4746-A368-724F618FC790}" type="datetimeFigureOut">
               <a:rPr lang="es-PE" smtClean="0"/>
-              <a:t>26/01/2013</a:t>
+              <a:t>04/02/2013</a:t>
             </a:fld>
             <a:endParaRPr lang="es-PE"/>
           </a:p>
@@ -1878,7 +1878,7 @@
             <a:fld id="{807CB568-C05F-482F-9F26-AA302B8892DF}" type="datetimeFigureOut">
               <a:rPr lang="es-ES" smtClean="0"/>
               <a:pPr/>
-              <a:t>26/01/2013</a:t>
+              <a:t>04/02/2013</a:t>
             </a:fld>
             <a:endParaRPr lang="es-ES"/>
           </a:p>
@@ -2057,7 +2057,7 @@
             <a:fld id="{807CB568-C05F-482F-9F26-AA302B8892DF}" type="datetimeFigureOut">
               <a:rPr lang="es-ES" smtClean="0"/>
               <a:pPr/>
-              <a:t>26/01/2013</a:t>
+              <a:t>04/02/2013</a:t>
             </a:fld>
             <a:endParaRPr lang="es-ES"/>
           </a:p>
@@ -2246,7 +2246,7 @@
             <a:fld id="{807CB568-C05F-482F-9F26-AA302B8892DF}" type="datetimeFigureOut">
               <a:rPr lang="es-ES" smtClean="0"/>
               <a:pPr/>
-              <a:t>26/01/2013</a:t>
+              <a:t>04/02/2013</a:t>
             </a:fld>
             <a:endParaRPr lang="es-ES"/>
           </a:p>
@@ -2425,7 +2425,7 @@
             <a:fld id="{807CB568-C05F-482F-9F26-AA302B8892DF}" type="datetimeFigureOut">
               <a:rPr lang="es-ES" smtClean="0"/>
               <a:pPr/>
-              <a:t>26/01/2013</a:t>
+              <a:t>04/02/2013</a:t>
             </a:fld>
             <a:endParaRPr lang="es-ES"/>
           </a:p>
@@ -2680,7 +2680,7 @@
             <a:fld id="{807CB568-C05F-482F-9F26-AA302B8892DF}" type="datetimeFigureOut">
               <a:rPr lang="es-ES" smtClean="0"/>
               <a:pPr/>
-              <a:t>26/01/2013</a:t>
+              <a:t>04/02/2013</a:t>
             </a:fld>
             <a:endParaRPr lang="es-ES"/>
           </a:p>
@@ -2977,7 +2977,7 @@
             <a:fld id="{807CB568-C05F-482F-9F26-AA302B8892DF}" type="datetimeFigureOut">
               <a:rPr lang="es-ES" smtClean="0"/>
               <a:pPr/>
-              <a:t>26/01/2013</a:t>
+              <a:t>04/02/2013</a:t>
             </a:fld>
             <a:endParaRPr lang="es-ES"/>
           </a:p>
@@ -3408,7 +3408,7 @@
             <a:fld id="{807CB568-C05F-482F-9F26-AA302B8892DF}" type="datetimeFigureOut">
               <a:rPr lang="es-ES" smtClean="0"/>
               <a:pPr/>
-              <a:t>26/01/2013</a:t>
+              <a:t>04/02/2013</a:t>
             </a:fld>
             <a:endParaRPr lang="es-ES"/>
           </a:p>
@@ -3535,7 +3535,7 @@
             <a:fld id="{807CB568-C05F-482F-9F26-AA302B8892DF}" type="datetimeFigureOut">
               <a:rPr lang="es-ES" smtClean="0"/>
               <a:pPr/>
-              <a:t>26/01/2013</a:t>
+              <a:t>04/02/2013</a:t>
             </a:fld>
             <a:endParaRPr lang="es-ES"/>
           </a:p>
@@ -3639,7 +3639,7 @@
             <a:fld id="{807CB568-C05F-482F-9F26-AA302B8892DF}" type="datetimeFigureOut">
               <a:rPr lang="es-ES" smtClean="0"/>
               <a:pPr/>
-              <a:t>26/01/2013</a:t>
+              <a:t>04/02/2013</a:t>
             </a:fld>
             <a:endParaRPr lang="es-ES"/>
           </a:p>
@@ -3925,7 +3925,7 @@
             <a:fld id="{807CB568-C05F-482F-9F26-AA302B8892DF}" type="datetimeFigureOut">
               <a:rPr lang="es-ES" smtClean="0"/>
               <a:pPr/>
-              <a:t>26/01/2013</a:t>
+              <a:t>04/02/2013</a:t>
             </a:fld>
             <a:endParaRPr lang="es-ES"/>
           </a:p>
@@ -4194,7 +4194,7 @@
             <a:fld id="{807CB568-C05F-482F-9F26-AA302B8892DF}" type="datetimeFigureOut">
               <a:rPr lang="es-ES" smtClean="0"/>
               <a:pPr/>
-              <a:t>26/01/2013</a:t>
+              <a:t>04/02/2013</a:t>
             </a:fld>
             <a:endParaRPr lang="es-ES"/>
           </a:p>
@@ -4445,7 +4445,7 @@
             <a:fld id="{807CB568-C05F-482F-9F26-AA302B8892DF}" type="datetimeFigureOut">
               <a:rPr lang="es-ES" smtClean="0"/>
               <a:pPr/>
-              <a:t>26/01/2013</a:t>
+              <a:t>04/02/2013</a:t>
             </a:fld>
             <a:endParaRPr lang="es-ES"/>
           </a:p>

--- a/Diapositivas/0. Test Automation.pptx
+++ b/Diapositivas/0. Test Automation.pptx
@@ -11,7 +11,7 @@
     <p:sldId id="609" r:id="rId2"/>
     <p:sldId id="256" r:id="rId3"/>
     <p:sldId id="659" r:id="rId4"/>
-    <p:sldId id="466" r:id="rId5"/>
+    <p:sldId id="660" r:id="rId5"/>
     <p:sldId id="610" r:id="rId6"/>
     <p:sldId id="571" r:id="rId7"/>
     <p:sldId id="572" r:id="rId8"/>
@@ -216,7 +216,7 @@
           <a:p>
             <a:fld id="{63D5FC4C-9EE1-4746-A368-724F618FC790}" type="datetimeFigureOut">
               <a:rPr lang="es-PE" smtClean="0"/>
-              <a:t>04/02/2013</a:t>
+              <a:t>15/04/2013</a:t>
             </a:fld>
             <a:endParaRPr lang="es-PE"/>
           </a:p>
@@ -697,8 +697,215 @@
           <a:lstStyle/>
           <a:p>
             <a:r>
+              <a:rPr lang="es-PE" noProof="0" dirty="0" smtClean="0"/>
+              <a:t>Todos nosotros</a:t>
+            </a:r>
+            <a:r>
+              <a:rPr lang="es-PE" baseline="0" noProof="0" dirty="0" smtClean="0"/>
+              <a:t> dentro de nuestra carrera en el mundo del </a:t>
+            </a:r>
+            <a:r>
+              <a:rPr lang="es-PE" baseline="0" noProof="0" dirty="0" err="1" smtClean="0"/>
+              <a:t>softwware</a:t>
+            </a:r>
+            <a:r>
+              <a:rPr lang="es-PE" baseline="0" noProof="0" dirty="0" smtClean="0"/>
+              <a:t> seguramente recordamos algún momento en el cuál realizábamos pruebas manuales a un aplicación, que no </a:t>
+            </a:r>
+            <a:r>
+              <a:rPr lang="es-PE" baseline="0" noProof="0" dirty="0" err="1" smtClean="0"/>
+              <a:t>quisieramos</a:t>
+            </a:r>
+            <a:r>
+              <a:rPr lang="es-PE" baseline="0" noProof="0" dirty="0" smtClean="0"/>
+              <a:t> volver a pasar jamás. Tanto como desarrolladores, en el cual unos muy simples cambios ocasionaron que nos quedáramos de amanecida debido a que probar algo tan simple tomaba muchísimo tiempo, o como QA en la cuál como siempre encontraron muy presionados por el tiempo, y tenían que ejecutar procedimientos gigantescos de pruebas, para lo cuál se tuvieron que quedar inclusive varios fines de semana.</a:t>
+            </a:r>
+          </a:p>
+          <a:p>
+            <a:endParaRPr lang="en-US" baseline="0" noProof="0" dirty="0" smtClean="0"/>
+          </a:p>
+          <a:p>
+            <a:r>
+              <a:rPr lang="en-US" baseline="0" noProof="0" dirty="0" smtClean="0"/>
+              <a:t>La </a:t>
+            </a:r>
+            <a:r>
+              <a:rPr lang="en-US" baseline="0" noProof="0" dirty="0" err="1" smtClean="0"/>
+              <a:t>razon</a:t>
+            </a:r>
+            <a:r>
+              <a:rPr lang="en-US" baseline="0" noProof="0" dirty="0" smtClean="0"/>
+              <a:t> de </a:t>
+            </a:r>
+            <a:r>
+              <a:rPr lang="en-US" baseline="0" noProof="0" dirty="0" err="1" smtClean="0"/>
+              <a:t>todo</a:t>
+            </a:r>
+            <a:r>
+              <a:rPr lang="en-US" baseline="0" noProof="0" dirty="0" smtClean="0"/>
+              <a:t> </a:t>
+            </a:r>
+            <a:r>
+              <a:rPr lang="en-US" baseline="0" noProof="0" dirty="0" err="1" smtClean="0"/>
+              <a:t>esto</a:t>
+            </a:r>
+            <a:r>
+              <a:rPr lang="en-US" baseline="0" noProof="0" dirty="0" smtClean="0"/>
+              <a:t> </a:t>
+            </a:r>
+            <a:r>
+              <a:rPr lang="en-US" baseline="0" noProof="0" dirty="0" err="1" smtClean="0"/>
+              <a:t>es</a:t>
+            </a:r>
+            <a:r>
+              <a:rPr lang="en-US" baseline="0" noProof="0" dirty="0" smtClean="0"/>
+              <a:t> </a:t>
+            </a:r>
+            <a:r>
+              <a:rPr lang="en-US" baseline="0" noProof="0" dirty="0" err="1" smtClean="0"/>
+              <a:t>que</a:t>
+            </a:r>
+            <a:r>
+              <a:rPr lang="en-US" baseline="0" noProof="0" dirty="0" smtClean="0"/>
+              <a:t> </a:t>
+            </a:r>
+            <a:r>
+              <a:rPr lang="en-US" baseline="0" noProof="0" dirty="0" err="1" smtClean="0"/>
+              <a:t>las</a:t>
+            </a:r>
+            <a:r>
+              <a:rPr lang="en-US" baseline="0" noProof="0" dirty="0" smtClean="0"/>
+              <a:t> </a:t>
+            </a:r>
+            <a:r>
+              <a:rPr lang="en-US" baseline="0" noProof="0" dirty="0" err="1" smtClean="0"/>
+              <a:t>pruebas</a:t>
+            </a:r>
+            <a:r>
+              <a:rPr lang="en-US" baseline="0" noProof="0" dirty="0" smtClean="0"/>
+              <a:t> </a:t>
+            </a:r>
+            <a:r>
+              <a:rPr lang="en-US" baseline="0" noProof="0" dirty="0" err="1" smtClean="0"/>
+              <a:t>manuales</a:t>
+            </a:r>
+            <a:r>
+              <a:rPr lang="en-US" baseline="0" noProof="0" dirty="0" smtClean="0"/>
+              <a:t> son </a:t>
+            </a:r>
+            <a:r>
+              <a:rPr lang="en-US" baseline="0" noProof="0" dirty="0" err="1" smtClean="0"/>
+              <a:t>múy</a:t>
+            </a:r>
+            <a:r>
+              <a:rPr lang="en-US" baseline="0" noProof="0" dirty="0" smtClean="0"/>
+              <a:t> </a:t>
+            </a:r>
+            <a:r>
+              <a:rPr lang="en-US" baseline="0" noProof="0" dirty="0" err="1" smtClean="0"/>
+              <a:t>difíciles</a:t>
+            </a:r>
+            <a:r>
+              <a:rPr lang="en-US" baseline="0" noProof="0" dirty="0" smtClean="0"/>
+              <a:t> de </a:t>
+            </a:r>
+            <a:r>
+              <a:rPr lang="en-US" baseline="0" noProof="0" dirty="0" err="1" smtClean="0"/>
+              <a:t>escalar</a:t>
+            </a:r>
+            <a:r>
+              <a:rPr lang="en-US" baseline="0" noProof="0" dirty="0" smtClean="0"/>
+              <a:t>. </a:t>
+            </a:r>
+            <a:r>
+              <a:rPr lang="en-US" baseline="0" noProof="0" dirty="0" err="1" smtClean="0"/>
+              <a:t>Es</a:t>
+            </a:r>
+            <a:r>
+              <a:rPr lang="en-US" baseline="0" noProof="0" dirty="0" smtClean="0"/>
+              <a:t> </a:t>
+            </a:r>
+            <a:r>
+              <a:rPr lang="en-US" baseline="0" noProof="0" dirty="0" err="1" smtClean="0"/>
+              <a:t>decir</a:t>
+            </a:r>
+            <a:r>
+              <a:rPr lang="en-US" baseline="0" noProof="0" dirty="0" smtClean="0"/>
+              <a:t> </a:t>
+            </a:r>
+            <a:r>
+              <a:rPr lang="en-US" baseline="0" noProof="0" dirty="0" err="1" smtClean="0"/>
+              <a:t>mientras</a:t>
+            </a:r>
+            <a:r>
+              <a:rPr lang="en-US" baseline="0" noProof="0" dirty="0" smtClean="0"/>
+              <a:t> mayor sea el </a:t>
+            </a:r>
+            <a:r>
+              <a:rPr lang="en-US" baseline="0" noProof="0" dirty="0" err="1" smtClean="0"/>
+              <a:t>producto</a:t>
+            </a:r>
+            <a:r>
+              <a:rPr lang="en-US" baseline="0" noProof="0" dirty="0" smtClean="0"/>
+              <a:t> o </a:t>
+            </a:r>
+            <a:r>
+              <a:rPr lang="en-US" baseline="0" noProof="0" dirty="0" err="1" smtClean="0"/>
+              <a:t>proyecto</a:t>
+            </a:r>
+            <a:r>
+              <a:rPr lang="en-US" baseline="0" noProof="0" dirty="0" smtClean="0"/>
+              <a:t> en tama</a:t>
+            </a:r>
+            <a:r>
+              <a:rPr lang="es-PE" baseline="0" noProof="0" dirty="0" err="1" smtClean="0"/>
+              <a:t>ño</a:t>
+            </a:r>
+            <a:r>
+              <a:rPr lang="es-PE" baseline="0" noProof="0" dirty="0" smtClean="0"/>
+              <a:t> y tiempo, realizar pruebas manuales se convierte en procesos muy largos que consumen mucho tiempo, propenso debido a lo laborioso y complejo, y lo peor de todo es que este sufrimiento siempre se va a repetir muchas veces.</a:t>
+            </a:r>
+          </a:p>
+          <a:p>
+            <a:endParaRPr lang="es-PE" baseline="0" noProof="0" dirty="0" smtClean="0"/>
+          </a:p>
+          <a:p>
+            <a:r>
+              <a:rPr lang="es-PE" baseline="0" noProof="0" dirty="0" smtClean="0"/>
+              <a:t>Un indicador muy sencillo de la salud de un producto software, es pregunta a cualquier programador o </a:t>
+            </a:r>
+            <a:r>
+              <a:rPr lang="es-PE" baseline="0" noProof="0" dirty="0" err="1" smtClean="0"/>
+              <a:t>testers</a:t>
+            </a:r>
+            <a:r>
+              <a:rPr lang="es-PE" baseline="0" noProof="0" dirty="0" smtClean="0"/>
+              <a:t> cuanto tiempo </a:t>
+            </a:r>
+            <a:r>
+              <a:rPr lang="es-PE" baseline="0" noProof="0" dirty="0" err="1" smtClean="0"/>
+              <a:t>demoraria</a:t>
+            </a:r>
+            <a:r>
+              <a:rPr lang="es-PE" baseline="0" noProof="0" dirty="0" smtClean="0"/>
+              <a:t> probar un determinado cambio, si este no sabe responderte con alguna aproximación o este número es muy elevado, es que se está perdiendo la predictibilidad sobre este producto.</a:t>
+            </a:r>
+            <a:endParaRPr lang="es-PE" noProof="0" dirty="0" smtClean="0"/>
+          </a:p>
+          <a:p>
+            <a:endParaRPr lang="es-PE" dirty="0" smtClean="0"/>
+          </a:p>
+          <a:p>
+            <a:endParaRPr lang="es-PE" dirty="0" smtClean="0"/>
+          </a:p>
+          <a:p>
+            <a:r>
               <a:rPr lang="es-PE" dirty="0" smtClean="0"/>
-              <a:t>- Compleja Configuración: Muchas de las pruebas</a:t>
+              <a:t>- </a:t>
+            </a:r>
+            <a:r>
+              <a:rPr lang="es-PE" dirty="0" smtClean="0"/>
+              <a:t>Compleja Configuración: Muchas de las pruebas</a:t>
             </a:r>
             <a:r>
               <a:rPr lang="es-PE" baseline="0" dirty="0" smtClean="0"/>
@@ -891,15 +1098,516 @@
           <a:p>
             <a:r>
               <a:rPr lang="es-PE" dirty="0" smtClean="0"/>
+              <a:t>Felizmente para todos nosotros existe</a:t>
+            </a:r>
+            <a:r>
+              <a:rPr lang="es-PE" baseline="0" dirty="0" smtClean="0"/>
+              <a:t> una solución y son</a:t>
+            </a:r>
+            <a:r>
+              <a:rPr lang="es-PE" dirty="0" smtClean="0"/>
+              <a:t> las pruebas automatizadas de software, que no es otra cosa</a:t>
+            </a:r>
+            <a:r>
+              <a:rPr lang="es-PE" baseline="0" dirty="0" smtClean="0"/>
+              <a:t> que aprovechar la </a:t>
+            </a:r>
+            <a:r>
+              <a:rPr lang="es-PE" baseline="0" dirty="0" err="1" smtClean="0"/>
+              <a:t>tecnolog</a:t>
+            </a:r>
+            <a:r>
+              <a:rPr lang="en-US" baseline="0" dirty="0" err="1" smtClean="0"/>
+              <a:t>ía</a:t>
+            </a:r>
+            <a:r>
+              <a:rPr lang="en-US" baseline="0" dirty="0" smtClean="0"/>
+              <a:t> </a:t>
+            </a:r>
+            <a:r>
+              <a:rPr lang="en-US" baseline="0" dirty="0" err="1" smtClean="0"/>
+              <a:t>para</a:t>
+            </a:r>
+            <a:r>
+              <a:rPr lang="en-US" baseline="0" dirty="0" smtClean="0"/>
+              <a:t> </a:t>
+            </a:r>
+            <a:r>
+              <a:rPr lang="en-US" baseline="0" dirty="0" err="1" smtClean="0"/>
+              <a:t>automatizar</a:t>
+            </a:r>
+            <a:r>
+              <a:rPr lang="en-US" baseline="0" dirty="0" smtClean="0"/>
+              <a:t> </a:t>
+            </a:r>
+            <a:r>
+              <a:rPr lang="en-US" baseline="0" dirty="0" err="1" smtClean="0"/>
+              <a:t>aquellos</a:t>
+            </a:r>
+            <a:r>
+              <a:rPr lang="en-US" baseline="0" dirty="0" smtClean="0"/>
+              <a:t> </a:t>
+            </a:r>
+            <a:r>
+              <a:rPr lang="en-US" baseline="0" dirty="0" err="1" smtClean="0"/>
+              <a:t>procesos</a:t>
+            </a:r>
+            <a:r>
+              <a:rPr lang="en-US" baseline="0" dirty="0" smtClean="0"/>
+              <a:t> </a:t>
+            </a:r>
+            <a:r>
+              <a:rPr lang="en-US" baseline="0" dirty="0" err="1" smtClean="0"/>
+              <a:t>manuales</a:t>
+            </a:r>
+            <a:r>
+              <a:rPr lang="en-US" baseline="0" dirty="0" smtClean="0"/>
+              <a:t> de </a:t>
+            </a:r>
+            <a:r>
+              <a:rPr lang="en-US" baseline="0" dirty="0" err="1" smtClean="0"/>
+              <a:t>pruebas</a:t>
+            </a:r>
+            <a:r>
+              <a:rPr lang="en-US" baseline="0" dirty="0" smtClean="0"/>
+              <a:t> </a:t>
+            </a:r>
+            <a:r>
+              <a:rPr lang="en-US" baseline="0" dirty="0" err="1" smtClean="0"/>
+              <a:t>que</a:t>
+            </a:r>
+            <a:r>
+              <a:rPr lang="en-US" baseline="0" dirty="0" smtClean="0"/>
+              <a:t> son </a:t>
+            </a:r>
+            <a:r>
+              <a:rPr lang="en-US" baseline="0" dirty="0" err="1" smtClean="0"/>
+              <a:t>muy</a:t>
+            </a:r>
+            <a:r>
+              <a:rPr lang="en-US" baseline="0" dirty="0" smtClean="0"/>
+              <a:t> </a:t>
+            </a:r>
+            <a:r>
+              <a:rPr lang="en-US" baseline="0" dirty="0" err="1" smtClean="0"/>
+              <a:t>repetitivos</a:t>
+            </a:r>
+            <a:r>
+              <a:rPr lang="en-US" baseline="0" dirty="0" smtClean="0"/>
+              <a:t> y </a:t>
+            </a:r>
+            <a:r>
+              <a:rPr lang="en-US" baseline="0" dirty="0" err="1" smtClean="0"/>
+              <a:t>laboriosos</a:t>
+            </a:r>
+            <a:r>
+              <a:rPr lang="en-US" baseline="0" dirty="0" smtClean="0"/>
+              <a:t>.</a:t>
+            </a:r>
+          </a:p>
+          <a:p>
+            <a:endParaRPr lang="en-US" baseline="0" dirty="0" smtClean="0"/>
+          </a:p>
+          <a:p>
+            <a:r>
+              <a:rPr lang="en-US" baseline="0" dirty="0" err="1" smtClean="0"/>
+              <a:t>Recordar</a:t>
+            </a:r>
+            <a:r>
+              <a:rPr lang="en-US" baseline="0" dirty="0" smtClean="0"/>
+              <a:t> </a:t>
+            </a:r>
+            <a:r>
+              <a:rPr lang="en-US" baseline="0" dirty="0" err="1" smtClean="0"/>
+              <a:t>que</a:t>
+            </a:r>
+            <a:r>
+              <a:rPr lang="en-US" baseline="0" dirty="0" smtClean="0"/>
+              <a:t> </a:t>
+            </a:r>
+            <a:r>
+              <a:rPr lang="en-US" baseline="0" dirty="0" err="1" smtClean="0"/>
+              <a:t>una</a:t>
+            </a:r>
+            <a:r>
+              <a:rPr lang="en-US" baseline="0" dirty="0" smtClean="0"/>
+              <a:t> de </a:t>
+            </a:r>
+            <a:r>
+              <a:rPr lang="en-US" baseline="0" dirty="0" err="1" smtClean="0"/>
+              <a:t>las</a:t>
+            </a:r>
+            <a:r>
+              <a:rPr lang="en-US" baseline="0" dirty="0" smtClean="0"/>
+              <a:t> </a:t>
+            </a:r>
+            <a:r>
+              <a:rPr lang="en-US" baseline="0" dirty="0" err="1" smtClean="0"/>
+              <a:t>reglas</a:t>
+            </a:r>
+            <a:r>
+              <a:rPr lang="en-US" baseline="0" dirty="0" smtClean="0"/>
+              <a:t> de </a:t>
+            </a:r>
+            <a:r>
+              <a:rPr lang="en-US" baseline="0" dirty="0" err="1" smtClean="0"/>
+              <a:t>oro</a:t>
+            </a:r>
+            <a:r>
+              <a:rPr lang="en-US" baseline="0" dirty="0" smtClean="0"/>
+              <a:t> de </a:t>
+            </a:r>
+            <a:r>
+              <a:rPr lang="en-US" baseline="0" dirty="0" err="1" smtClean="0"/>
+              <a:t>cualquier</a:t>
+            </a:r>
+            <a:r>
+              <a:rPr lang="en-US" baseline="0" dirty="0" smtClean="0"/>
+              <a:t> </a:t>
+            </a:r>
+            <a:r>
+              <a:rPr lang="en-US" baseline="0" dirty="0" err="1" smtClean="0"/>
+              <a:t>ingeniería</a:t>
+            </a:r>
+            <a:r>
+              <a:rPr lang="en-US" baseline="0" dirty="0" smtClean="0"/>
+              <a:t> </a:t>
+            </a:r>
+            <a:r>
+              <a:rPr lang="en-US" baseline="0" dirty="0" err="1" smtClean="0"/>
+              <a:t>es</a:t>
+            </a:r>
+            <a:r>
+              <a:rPr lang="en-US" baseline="0" dirty="0" smtClean="0"/>
+              <a:t>, </a:t>
+            </a:r>
+            <a:r>
+              <a:rPr lang="en-US" baseline="0" dirty="0" err="1" smtClean="0"/>
+              <a:t>si</a:t>
+            </a:r>
+            <a:r>
+              <a:rPr lang="en-US" baseline="0" dirty="0" smtClean="0"/>
+              <a:t> </a:t>
+            </a:r>
+            <a:r>
+              <a:rPr lang="en-US" baseline="0" dirty="0" err="1" smtClean="0"/>
+              <a:t>algo</a:t>
+            </a:r>
+            <a:r>
+              <a:rPr lang="en-US" baseline="0" dirty="0" smtClean="0"/>
+              <a:t> </a:t>
+            </a:r>
+            <a:r>
+              <a:rPr lang="en-US" baseline="0" dirty="0" err="1" smtClean="0"/>
+              <a:t>es</a:t>
+            </a:r>
+            <a:r>
+              <a:rPr lang="en-US" baseline="0" dirty="0" smtClean="0"/>
+              <a:t> </a:t>
+            </a:r>
+            <a:r>
+              <a:rPr lang="en-US" baseline="0" dirty="0" err="1" smtClean="0"/>
+              <a:t>muy</a:t>
+            </a:r>
+            <a:r>
+              <a:rPr lang="en-US" baseline="0" dirty="0" smtClean="0"/>
+              <a:t> </a:t>
+            </a:r>
+            <a:r>
+              <a:rPr lang="en-US" baseline="0" dirty="0" err="1" smtClean="0"/>
+              <a:t>laborioso</a:t>
+            </a:r>
+            <a:r>
+              <a:rPr lang="en-US" baseline="0" dirty="0" smtClean="0"/>
+              <a:t>, </a:t>
+            </a:r>
+            <a:r>
+              <a:rPr lang="en-US" baseline="0" dirty="0" err="1" smtClean="0"/>
+              <a:t>requiere</a:t>
+            </a:r>
+            <a:r>
+              <a:rPr lang="en-US" baseline="0" dirty="0" smtClean="0"/>
+              <a:t> </a:t>
+            </a:r>
+            <a:r>
+              <a:rPr lang="en-US" baseline="0" dirty="0" err="1" smtClean="0"/>
+              <a:t>poca</a:t>
+            </a:r>
+            <a:r>
+              <a:rPr lang="en-US" baseline="0" dirty="0" smtClean="0"/>
+              <a:t> </a:t>
+            </a:r>
+            <a:r>
+              <a:rPr lang="en-US" baseline="0" dirty="0" err="1" smtClean="0"/>
+              <a:t>creatividad</a:t>
+            </a:r>
+            <a:r>
+              <a:rPr lang="en-US" baseline="0" dirty="0" smtClean="0"/>
+              <a:t> y </a:t>
+            </a:r>
+            <a:r>
+              <a:rPr lang="en-US" baseline="0" dirty="0" err="1" smtClean="0"/>
+              <a:t>es</a:t>
+            </a:r>
+            <a:r>
+              <a:rPr lang="en-US" baseline="0" dirty="0" smtClean="0"/>
+              <a:t> </a:t>
+            </a:r>
+            <a:r>
+              <a:rPr lang="en-US" baseline="0" dirty="0" err="1" smtClean="0"/>
+              <a:t>muy</a:t>
+            </a:r>
+            <a:r>
+              <a:rPr lang="en-US" baseline="0" dirty="0" smtClean="0"/>
+              <a:t> </a:t>
+            </a:r>
+            <a:r>
+              <a:rPr lang="en-US" baseline="0" dirty="0" err="1" smtClean="0"/>
+              <a:t>repetitivo</a:t>
+            </a:r>
+            <a:r>
+              <a:rPr lang="en-US" baseline="0" dirty="0" smtClean="0"/>
+              <a:t>, AUTOMATIZALO.</a:t>
+            </a:r>
+          </a:p>
+          <a:p>
+            <a:endParaRPr lang="en-US" baseline="0" dirty="0" smtClean="0"/>
+          </a:p>
+          <a:p>
+            <a:r>
+              <a:rPr lang="en-US" baseline="0" dirty="0" err="1" smtClean="0"/>
+              <a:t>Esto</a:t>
+            </a:r>
+            <a:r>
+              <a:rPr lang="en-US" baseline="0" dirty="0" smtClean="0"/>
+              <a:t> </a:t>
+            </a:r>
+            <a:r>
+              <a:rPr lang="en-US" baseline="0" dirty="0" err="1" smtClean="0"/>
+              <a:t>nos</a:t>
+            </a:r>
+            <a:r>
+              <a:rPr lang="en-US" baseline="0" dirty="0" smtClean="0"/>
+              <a:t> </a:t>
+            </a:r>
+            <a:r>
+              <a:rPr lang="en-US" baseline="0" dirty="0" err="1" smtClean="0"/>
+              <a:t>permite</a:t>
+            </a:r>
+            <a:r>
+              <a:rPr lang="en-US" baseline="0" dirty="0" smtClean="0"/>
+              <a:t> </a:t>
+            </a:r>
+            <a:r>
+              <a:rPr lang="en-US" baseline="0" dirty="0" err="1" smtClean="0"/>
+              <a:t>transformar</a:t>
+            </a:r>
+            <a:r>
+              <a:rPr lang="en-US" baseline="0" dirty="0" smtClean="0"/>
+              <a:t> </a:t>
+            </a:r>
+            <a:r>
+              <a:rPr lang="en-US" baseline="0" dirty="0" err="1" smtClean="0"/>
+              <a:t>nuestrs</a:t>
+            </a:r>
+            <a:r>
+              <a:rPr lang="en-US" baseline="0" dirty="0" smtClean="0"/>
+              <a:t> </a:t>
+            </a:r>
+            <a:r>
+              <a:rPr lang="en-US" baseline="0" dirty="0" err="1" smtClean="0"/>
+              <a:t>procesos</a:t>
+            </a:r>
+            <a:r>
+              <a:rPr lang="en-US" baseline="0" dirty="0" smtClean="0"/>
+              <a:t> largos de </a:t>
+            </a:r>
+            <a:r>
+              <a:rPr lang="en-US" baseline="0" dirty="0" err="1" smtClean="0"/>
+              <a:t>pruebas</a:t>
+            </a:r>
+            <a:r>
+              <a:rPr lang="en-US" baseline="0" dirty="0" smtClean="0"/>
+              <a:t> </a:t>
+            </a:r>
+            <a:r>
+              <a:rPr lang="en-US" baseline="0" dirty="0" err="1" smtClean="0"/>
+              <a:t>que</a:t>
+            </a:r>
+            <a:r>
+              <a:rPr lang="en-US" baseline="0" dirty="0" smtClean="0"/>
+              <a:t> </a:t>
+            </a:r>
+            <a:r>
+              <a:rPr lang="en-US" baseline="0" dirty="0" err="1" smtClean="0"/>
+              <a:t>pueden</a:t>
+            </a:r>
+            <a:r>
+              <a:rPr lang="en-US" baseline="0" dirty="0" smtClean="0"/>
+              <a:t> </a:t>
+            </a:r>
+            <a:r>
+              <a:rPr lang="en-US" baseline="0" dirty="0" err="1" smtClean="0"/>
+              <a:t>haber</a:t>
+            </a:r>
+            <a:r>
+              <a:rPr lang="en-US" baseline="0" dirty="0" smtClean="0"/>
+              <a:t> </a:t>
+            </a:r>
+            <a:r>
+              <a:rPr lang="en-US" baseline="0" dirty="0" err="1" smtClean="0"/>
+              <a:t>dejado</a:t>
+            </a:r>
+            <a:r>
+              <a:rPr lang="en-US" baseline="0" dirty="0" smtClean="0"/>
+              <a:t> </a:t>
+            </a:r>
+            <a:r>
+              <a:rPr lang="en-US" baseline="0" dirty="0" err="1" smtClean="0"/>
+              <a:t>pasar</a:t>
+            </a:r>
+            <a:r>
+              <a:rPr lang="en-US" baseline="0" dirty="0" smtClean="0"/>
+              <a:t> </a:t>
+            </a:r>
+            <a:r>
+              <a:rPr lang="en-US" baseline="0" dirty="0" err="1" smtClean="0"/>
+              <a:t>problemas</a:t>
+            </a:r>
+            <a:r>
+              <a:rPr lang="en-US" baseline="0" dirty="0" smtClean="0"/>
+              <a:t>.</a:t>
+            </a:r>
+          </a:p>
+          <a:p>
+            <a:endParaRPr lang="en-US" baseline="0" dirty="0" smtClean="0"/>
+          </a:p>
+          <a:p>
+            <a:r>
+              <a:rPr lang="en-US" baseline="0" dirty="0" err="1" smtClean="0"/>
+              <a:t>Contar</a:t>
+            </a:r>
+            <a:r>
+              <a:rPr lang="en-US" baseline="0" dirty="0" smtClean="0"/>
+              <a:t> con un </a:t>
+            </a:r>
+            <a:r>
+              <a:rPr lang="en-US" baseline="0" dirty="0" err="1" smtClean="0"/>
+              <a:t>proceso</a:t>
+            </a:r>
+            <a:r>
+              <a:rPr lang="en-US" baseline="0" dirty="0" smtClean="0"/>
+              <a:t> de </a:t>
+            </a:r>
+            <a:r>
+              <a:rPr lang="en-US" baseline="0" dirty="0" err="1" smtClean="0"/>
+              <a:t>pruebas</a:t>
+            </a:r>
+            <a:r>
+              <a:rPr lang="en-US" baseline="0" dirty="0" smtClean="0"/>
+              <a:t> de </a:t>
+            </a:r>
+            <a:r>
+              <a:rPr lang="en-US" baseline="0" dirty="0" err="1" smtClean="0"/>
+              <a:t>este</a:t>
+            </a:r>
+            <a:r>
+              <a:rPr lang="en-US" baseline="0" dirty="0" smtClean="0"/>
+              <a:t> </a:t>
+            </a:r>
+            <a:r>
+              <a:rPr lang="en-US" baseline="0" dirty="0" err="1" smtClean="0"/>
+              <a:t>tipo</a:t>
+            </a:r>
+            <a:r>
+              <a:rPr lang="en-US" baseline="0" dirty="0" smtClean="0"/>
+              <a:t> </a:t>
+            </a:r>
+            <a:r>
+              <a:rPr lang="en-US" baseline="0" dirty="0" err="1" smtClean="0"/>
+              <a:t>es</a:t>
+            </a:r>
+            <a:r>
+              <a:rPr lang="en-US" baseline="0" dirty="0" smtClean="0"/>
+              <a:t> </a:t>
+            </a:r>
+            <a:r>
+              <a:rPr lang="en-US" baseline="0" dirty="0" err="1" smtClean="0"/>
+              <a:t>escensial</a:t>
+            </a:r>
+            <a:r>
+              <a:rPr lang="en-US" baseline="0" dirty="0" smtClean="0"/>
+              <a:t> </a:t>
+            </a:r>
+            <a:r>
+              <a:rPr lang="en-US" baseline="0" dirty="0" err="1" smtClean="0"/>
+              <a:t>para</a:t>
+            </a:r>
+            <a:r>
+              <a:rPr lang="en-US" baseline="0" dirty="0" smtClean="0"/>
+              <a:t> </a:t>
+            </a:r>
+            <a:r>
+              <a:rPr lang="en-US" baseline="0" dirty="0" err="1" smtClean="0"/>
+              <a:t>negocios</a:t>
+            </a:r>
+            <a:r>
+              <a:rPr lang="en-US" baseline="0" dirty="0" smtClean="0"/>
+              <a:t> </a:t>
+            </a:r>
+            <a:r>
+              <a:rPr lang="en-US" baseline="0" dirty="0" err="1" smtClean="0"/>
+              <a:t>que</a:t>
+            </a:r>
+            <a:r>
+              <a:rPr lang="en-US" baseline="0" dirty="0" smtClean="0"/>
+              <a:t> </a:t>
+            </a:r>
+            <a:r>
+              <a:rPr lang="en-US" baseline="0" dirty="0" err="1" smtClean="0"/>
+              <a:t>viven</a:t>
+            </a:r>
+            <a:r>
+              <a:rPr lang="en-US" baseline="0" dirty="0" smtClean="0"/>
+              <a:t> </a:t>
+            </a:r>
+            <a:r>
+              <a:rPr lang="en-US" baseline="0" dirty="0" err="1" smtClean="0"/>
+              <a:t>sobre</a:t>
+            </a:r>
+            <a:r>
+              <a:rPr lang="en-US" baseline="0" dirty="0" smtClean="0"/>
+              <a:t> un </a:t>
+            </a:r>
+            <a:r>
+              <a:rPr lang="en-US" baseline="0" dirty="0" err="1" smtClean="0"/>
+              <a:t>costante</a:t>
+            </a:r>
+            <a:r>
+              <a:rPr lang="en-US" baseline="0" dirty="0" smtClean="0"/>
+              <a:t> </a:t>
+            </a:r>
+            <a:r>
+              <a:rPr lang="en-US" baseline="0" dirty="0" err="1" smtClean="0"/>
+              <a:t>cambios</a:t>
+            </a:r>
+            <a:r>
+              <a:rPr lang="en-US" baseline="0" dirty="0" smtClean="0"/>
+              <a:t>.</a:t>
+            </a:r>
+            <a:endParaRPr lang="es-PE" dirty="0" smtClean="0"/>
+          </a:p>
+          <a:p>
+            <a:endParaRPr lang="es-PE" dirty="0" smtClean="0"/>
+          </a:p>
+          <a:p>
+            <a:r>
+              <a:rPr lang="es-PE" dirty="0" smtClean="0"/>
               <a:t>No </a:t>
             </a:r>
             <a:r>
-              <a:rPr lang="es-PE" dirty="0" err="1" smtClean="0"/>
-              <a:t>reemplazar</a:t>
-            </a:r>
-            <a:r>
               <a:rPr lang="es-PE" dirty="0" smtClean="0"/>
-              <a:t>:</a:t>
+              <a:t>reemplazar:</a:t>
             </a:r>
             <a:r>
               <a:rPr lang="es-PE" baseline="0" dirty="0" smtClean="0"/>
@@ -1252,61 +1960,70 @@
           <a:lstStyle/>
           <a:p>
             <a:r>
-              <a:rPr lang="es-PE" dirty="0" smtClean="0"/>
-              <a:t>Brian </a:t>
-            </a:r>
-            <a:r>
-              <a:rPr lang="es-PE" dirty="0" err="1" smtClean="0"/>
-              <a:t>Marick</a:t>
-            </a:r>
-            <a:endParaRPr lang="es-PE" dirty="0" smtClean="0"/>
-          </a:p>
-          <a:p>
-            <a:r>
-              <a:rPr lang="es-PE" dirty="0" smtClean="0">
-                <a:hlinkClick r:id="rId3"/>
+              <a:rPr lang="es-ES" dirty="0" smtClean="0">
+                <a:latin typeface="Times New Roman" pitchFamily="-110" charset="0"/>
+                <a:ea typeface="ＭＳ Ｐゴシック" pitchFamily="-110" charset="-128"/>
+                <a:cs typeface="ＭＳ Ｐゴシック" pitchFamily="-110" charset="-128"/>
               </a:rPr>
-              <a:t>http://www.exampler.com/old-blog/2004/05/26/#directions-toc</a:t>
-            </a:r>
-            <a:endParaRPr lang="es-PE" dirty="0" smtClean="0"/>
-          </a:p>
-          <a:p>
-            <a:r>
-              <a:rPr lang="es-PE" dirty="0" smtClean="0"/>
-              <a:t>Definiciones</a:t>
-            </a:r>
-          </a:p>
-          <a:p>
-            <a:r>
-              <a:rPr lang="es-PE" dirty="0" smtClean="0">
-                <a:hlinkClick r:id="rId4"/>
+              <a:t>De todos los tipos de pruebas que existen, manuales y</a:t>
+            </a:r>
+            <a:r>
+              <a:rPr lang="es-ES" baseline="0" dirty="0" smtClean="0">
+                <a:latin typeface="Times New Roman" pitchFamily="-110" charset="0"/>
+                <a:ea typeface="ＭＳ Ｐゴシック" pitchFamily="-110" charset="-128"/>
+                <a:cs typeface="ＭＳ Ｐゴシック" pitchFamily="-110" charset="-128"/>
               </a:rPr>
-              <a:t>http://www.codegardener.com/the-marick-test-matrix</a:t>
-            </a:r>
-            <a:endParaRPr lang="es-PE" dirty="0" smtClean="0"/>
-          </a:p>
-          <a:p>
-            <a:r>
-              <a:rPr lang="es-PE" dirty="0" err="1" smtClean="0"/>
-              <a:t>Righ</a:t>
-            </a:r>
-            <a:r>
-              <a:rPr lang="es-PE" baseline="0" dirty="0" smtClean="0"/>
-              <a:t> </a:t>
-            </a:r>
-            <a:r>
-              <a:rPr lang="es-PE" baseline="0" dirty="0" err="1" smtClean="0"/>
-              <a:t>Questions</a:t>
-            </a:r>
-            <a:endParaRPr lang="es-PE" dirty="0" smtClean="0"/>
-          </a:p>
-          <a:p>
-            <a:r>
-              <a:rPr lang="es-PE" dirty="0" smtClean="0">
-                <a:hlinkClick r:id="rId5"/>
+              <a:t> automatizados, donde es que se sitúa las pruebas unitarios?, hay una clasificación muy interesante que nos va a ayudar a comprender esto.</a:t>
+            </a:r>
+          </a:p>
+          <a:p>
+            <a:endParaRPr lang="es-ES" baseline="0" dirty="0" smtClean="0">
+              <a:latin typeface="Times New Roman" pitchFamily="-110" charset="0"/>
+              <a:ea typeface="ＭＳ Ｐゴシック" pitchFamily="-110" charset="-128"/>
+              <a:cs typeface="ＭＳ Ｐゴシック" pitchFamily="-110" charset="-128"/>
+            </a:endParaRPr>
+          </a:p>
+          <a:p>
+            <a:r>
+              <a:rPr lang="es-ES" baseline="0" dirty="0" smtClean="0">
+                <a:latin typeface="Times New Roman" pitchFamily="-110" charset="0"/>
+                <a:ea typeface="ＭＳ Ｐゴシック" pitchFamily="-110" charset="-128"/>
+                <a:cs typeface="ＭＳ Ｐゴシック" pitchFamily="-110" charset="-128"/>
               </a:rPr>
-              <a:t>http://www.agilejournal.com/articles/columns/column-articles/1230-effective-agile-testing-asking-the-right-questions</a:t>
-            </a:r>
+              <a:t>Las pruebas del Q1 son pruebas que se apoyan muchísimo en la tecnología y que sirven de soporte al equipo para que este pueda desarrollar los productos siempre de manera sostenible y predecibles.</a:t>
+            </a:r>
+          </a:p>
+          <a:p>
+            <a:endParaRPr lang="es-ES" baseline="0" dirty="0" smtClean="0">
+              <a:latin typeface="Times New Roman" pitchFamily="-110" charset="0"/>
+              <a:ea typeface="ＭＳ Ｐゴシック" pitchFamily="-110" charset="-128"/>
+              <a:cs typeface="ＭＳ Ｐゴシック" pitchFamily="-110" charset="-128"/>
+            </a:endParaRPr>
+          </a:p>
+          <a:p>
+            <a:pPr marL="0" marR="0" lvl="1" indent="0" algn="l" defTabSz="914400" rtl="0" eaLnBrk="1" fontAlgn="auto" latinLnBrk="0" hangingPunct="1">
+              <a:lnSpc>
+                <a:spcPct val="100000"/>
+              </a:lnSpc>
+              <a:spcBef>
+                <a:spcPts val="0"/>
+              </a:spcBef>
+              <a:spcAft>
+                <a:spcPts val="0"/>
+              </a:spcAft>
+              <a:buClrTx/>
+              <a:buSzTx/>
+              <a:buFontTx/>
+              <a:buNone/>
+              <a:tabLst/>
+              <a:defRPr/>
+            </a:pPr>
+            <a:r>
+              <a:rPr lang="en-US" sz="3000" dirty="0" smtClean="0"/>
+              <a:t>http://lisacrispin.com/downloads/AdpTestPlanning.pdf</a:t>
+            </a:r>
+          </a:p>
+          <a:p>
             <a:endParaRPr lang="es-PE" dirty="0"/>
           </a:p>
         </p:txBody>
@@ -1392,12 +2109,75 @@
           <a:lstStyle/>
           <a:p>
             <a:r>
-              <a:rPr lang="es-PE" dirty="0" smtClean="0">
-                <a:hlinkClick r:id="rId3"/>
+              <a:rPr lang="es-PE" sz="1200" dirty="0" smtClean="0">
+                <a:solidFill>
+                  <a:schemeClr val="tx1">
+                    <a:lumMod val="95000"/>
+                  </a:schemeClr>
+                </a:solidFill>
               </a:rPr>
-              <a:t>http://lisacrispin.com/downloads/AdpTestPlanning.pdf</a:t>
-            </a:r>
-            <a:endParaRPr lang="es-PE" dirty="0"/>
+              <a:t>Pruebas de Regresión.</a:t>
+            </a:r>
+          </a:p>
+          <a:p>
+            <a:r>
+              <a:rPr lang="es-PE" sz="1200" dirty="0" smtClean="0">
+                <a:solidFill>
+                  <a:schemeClr val="tx1">
+                    <a:lumMod val="95000"/>
+                  </a:schemeClr>
+                </a:solidFill>
+              </a:rPr>
+              <a:t>Soporte a Refactoring.</a:t>
+            </a:r>
+          </a:p>
+          <a:p>
+            <a:r>
+              <a:rPr lang="es-PE" sz="1200" dirty="0" smtClean="0">
+                <a:solidFill>
+                  <a:schemeClr val="tx1">
+                    <a:lumMod val="95000"/>
+                  </a:schemeClr>
+                </a:solidFill>
+              </a:rPr>
+              <a:t>Calidad Interna.</a:t>
+            </a:r>
+          </a:p>
+          <a:p>
+            <a:r>
+              <a:rPr lang="es-PE" sz="1200" dirty="0" smtClean="0">
+                <a:solidFill>
+                  <a:schemeClr val="tx1">
+                    <a:lumMod val="95000"/>
+                  </a:schemeClr>
+                </a:solidFill>
+              </a:rPr>
+              <a:t>Hacer más en menos tiempo.</a:t>
+            </a:r>
+          </a:p>
+          <a:p>
+            <a:r>
+              <a:rPr lang="es-PE" sz="1200" dirty="0" smtClean="0">
+                <a:solidFill>
+                  <a:schemeClr val="tx1">
+                    <a:lumMod val="95000"/>
+                  </a:schemeClr>
+                </a:solidFill>
+              </a:rPr>
+              <a:t>Coraje.</a:t>
+            </a:r>
+          </a:p>
+          <a:p>
+            <a:pPr marL="0" indent="0" algn="ctr">
+              <a:buNone/>
+            </a:pPr>
+            <a:endParaRPr lang="es-PE" sz="1200" dirty="0" smtClean="0">
+              <a:solidFill>
+                <a:schemeClr val="tx1">
+                  <a:lumMod val="95000"/>
+                </a:schemeClr>
+              </a:solidFill>
+            </a:endParaRPr>
           </a:p>
         </p:txBody>
       </p:sp>
@@ -1878,7 +2658,7 @@
             <a:fld id="{807CB568-C05F-482F-9F26-AA302B8892DF}" type="datetimeFigureOut">
               <a:rPr lang="es-ES" smtClean="0"/>
               <a:pPr/>
-              <a:t>04/02/2013</a:t>
+              <a:t>15/04/2013</a:t>
             </a:fld>
             <a:endParaRPr lang="es-ES"/>
           </a:p>
@@ -2057,7 +2837,7 @@
             <a:fld id="{807CB568-C05F-482F-9F26-AA302B8892DF}" type="datetimeFigureOut">
               <a:rPr lang="es-ES" smtClean="0"/>
               <a:pPr/>
-              <a:t>04/02/2013</a:t>
+              <a:t>15/04/2013</a:t>
             </a:fld>
             <a:endParaRPr lang="es-ES"/>
           </a:p>
@@ -2246,7 +3026,7 @@
             <a:fld id="{807CB568-C05F-482F-9F26-AA302B8892DF}" type="datetimeFigureOut">
               <a:rPr lang="es-ES" smtClean="0"/>
               <a:pPr/>
-              <a:t>04/02/2013</a:t>
+              <a:t>15/04/2013</a:t>
             </a:fld>
             <a:endParaRPr lang="es-ES"/>
           </a:p>
@@ -2425,7 +3205,7 @@
             <a:fld id="{807CB568-C05F-482F-9F26-AA302B8892DF}" type="datetimeFigureOut">
               <a:rPr lang="es-ES" smtClean="0"/>
               <a:pPr/>
-              <a:t>04/02/2013</a:t>
+              <a:t>15/04/2013</a:t>
             </a:fld>
             <a:endParaRPr lang="es-ES"/>
           </a:p>
@@ -2680,7 +3460,7 @@
             <a:fld id="{807CB568-C05F-482F-9F26-AA302B8892DF}" type="datetimeFigureOut">
               <a:rPr lang="es-ES" smtClean="0"/>
               <a:pPr/>
-              <a:t>04/02/2013</a:t>
+              <a:t>15/04/2013</a:t>
             </a:fld>
             <a:endParaRPr lang="es-ES"/>
           </a:p>
@@ -2977,7 +3757,7 @@
             <a:fld id="{807CB568-C05F-482F-9F26-AA302B8892DF}" type="datetimeFigureOut">
               <a:rPr lang="es-ES" smtClean="0"/>
               <a:pPr/>
-              <a:t>04/02/2013</a:t>
+              <a:t>15/04/2013</a:t>
             </a:fld>
             <a:endParaRPr lang="es-ES"/>
           </a:p>
@@ -3408,7 +4188,7 @@
             <a:fld id="{807CB568-C05F-482F-9F26-AA302B8892DF}" type="datetimeFigureOut">
               <a:rPr lang="es-ES" smtClean="0"/>
               <a:pPr/>
-              <a:t>04/02/2013</a:t>
+              <a:t>15/04/2013</a:t>
             </a:fld>
             <a:endParaRPr lang="es-ES"/>
           </a:p>
@@ -3535,7 +4315,7 @@
             <a:fld id="{807CB568-C05F-482F-9F26-AA302B8892DF}" type="datetimeFigureOut">
               <a:rPr lang="es-ES" smtClean="0"/>
               <a:pPr/>
-              <a:t>04/02/2013</a:t>
+              <a:t>15/04/2013</a:t>
             </a:fld>
             <a:endParaRPr lang="es-ES"/>
           </a:p>
@@ -3639,7 +4419,7 @@
             <a:fld id="{807CB568-C05F-482F-9F26-AA302B8892DF}" type="datetimeFigureOut">
               <a:rPr lang="es-ES" smtClean="0"/>
               <a:pPr/>
-              <a:t>04/02/2013</a:t>
+              <a:t>15/04/2013</a:t>
             </a:fld>
             <a:endParaRPr lang="es-ES"/>
           </a:p>
@@ -3925,7 +4705,7 @@
             <a:fld id="{807CB568-C05F-482F-9F26-AA302B8892DF}" type="datetimeFigureOut">
               <a:rPr lang="es-ES" smtClean="0"/>
               <a:pPr/>
-              <a:t>04/02/2013</a:t>
+              <a:t>15/04/2013</a:t>
             </a:fld>
             <a:endParaRPr lang="es-ES"/>
           </a:p>
@@ -4194,7 +4974,7 @@
             <a:fld id="{807CB568-C05F-482F-9F26-AA302B8892DF}" type="datetimeFigureOut">
               <a:rPr lang="es-ES" smtClean="0"/>
               <a:pPr/>
-              <a:t>04/02/2013</a:t>
+              <a:t>15/04/2013</a:t>
             </a:fld>
             <a:endParaRPr lang="es-ES"/>
           </a:p>
@@ -4445,7 +5225,7 @@
             <a:fld id="{807CB568-C05F-482F-9F26-AA302B8892DF}" type="datetimeFigureOut">
               <a:rPr lang="es-ES" smtClean="0"/>
               <a:pPr/>
-              <a:t>04/02/2013</a:t>
+              <a:t>15/04/2013</a:t>
             </a:fld>
             <a:endParaRPr lang="es-ES"/>
           </a:p>
@@ -5651,7 +6431,7 @@
       </p:sp>
       <p:sp>
         <p:nvSpPr>
-          <p:cNvPr id="3" name="5 Marcador de contenido"/>
+          <p:cNvPr id="4" name="5 Marcador de contenido"/>
           <p:cNvSpPr txBox="1">
             <a:spLocks/>
           </p:cNvSpPr>
@@ -5659,8 +6439,8 @@
         </p:nvSpPr>
         <p:spPr bwMode="auto">
           <a:xfrm>
-            <a:off x="179512" y="1124744"/>
-            <a:ext cx="8793360" cy="1728192"/>
+            <a:off x="3378805" y="1340768"/>
+            <a:ext cx="5645217" cy="4156113"/>
           </a:xfrm>
           <a:prstGeom prst="rect">
             <a:avLst/>
@@ -5832,283 +6612,123 @@
             </a:lvl9pPr>
           </a:lstStyle>
           <a:p>
-            <a:pPr marL="0" indent="0" algn="ctr">
-              <a:buNone/>
-            </a:pPr>
-            <a:r>
-              <a:rPr lang="es-PE" sz="2800" dirty="0" smtClean="0"/>
-              <a:t>Una persona toma el rol del usuario final, navega </a:t>
-            </a:r>
-            <a:r>
-              <a:rPr lang="es-PE" sz="2800" dirty="0"/>
-              <a:t>a través de las pantallas, intenta diversas formas de uso y combinaciones, compara sus resultados con el comportamiento esperado y registra sus resultados. </a:t>
-            </a:r>
-            <a:endParaRPr lang="es-PE" sz="2600" dirty="0" smtClean="0">
-              <a:solidFill>
-                <a:schemeClr val="tx1">
-                  <a:lumMod val="95000"/>
-                </a:schemeClr>
-              </a:solidFill>
-            </a:endParaRPr>
+            <a:r>
+              <a:rPr lang="es-PE" sz="2600" dirty="0" smtClean="0">
+                <a:solidFill>
+                  <a:schemeClr val="tx1">
+                    <a:lumMod val="95000"/>
+                  </a:schemeClr>
+                </a:solidFill>
+              </a:rPr>
+              <a:t>Consumen mucho tiempo a largo plazo.</a:t>
+            </a:r>
+          </a:p>
+          <a:p>
+            <a:r>
+              <a:rPr lang="es-PE" sz="2600" dirty="0" smtClean="0">
+                <a:solidFill>
+                  <a:schemeClr val="tx1">
+                    <a:lumMod val="95000"/>
+                  </a:schemeClr>
+                </a:solidFill>
+              </a:rPr>
+              <a:t>Requieren una compleja configuración.</a:t>
+            </a:r>
+          </a:p>
+          <a:p>
+            <a:r>
+              <a:rPr lang="es-PE" sz="2600" dirty="0" smtClean="0">
+                <a:solidFill>
+                  <a:schemeClr val="tx1">
+                    <a:lumMod val="95000"/>
+                  </a:schemeClr>
+                </a:solidFill>
+              </a:rPr>
+              <a:t>No son reusables.</a:t>
+            </a:r>
+          </a:p>
+          <a:p>
+            <a:r>
+              <a:rPr lang="es-PE" sz="2600" dirty="0" smtClean="0">
+                <a:solidFill>
+                  <a:schemeClr val="tx1">
+                    <a:lumMod val="95000"/>
+                  </a:schemeClr>
+                </a:solidFill>
+              </a:rPr>
+              <a:t>Alto riesgo de pasar por alto pruebas.</a:t>
+            </a:r>
+          </a:p>
+          <a:p>
+            <a:r>
+              <a:rPr lang="es-PE" sz="2600" dirty="0" smtClean="0">
+                <a:solidFill>
+                  <a:schemeClr val="tx1">
+                    <a:lumMod val="95000"/>
+                  </a:schemeClr>
+                </a:solidFill>
+              </a:rPr>
+              <a:t>No prueban de manera efectiva diversos contextos.</a:t>
+            </a:r>
+          </a:p>
+          <a:p>
+            <a:r>
+              <a:rPr lang="es-PE" sz="2600" dirty="0" smtClean="0">
+                <a:solidFill>
+                  <a:schemeClr val="tx1">
+                    <a:lumMod val="95000"/>
+                  </a:schemeClr>
+                </a:solidFill>
+              </a:rPr>
+              <a:t>Visibilidad limitada.</a:t>
+            </a:r>
           </a:p>
         </p:txBody>
       </p:sp>
-      <p:sp>
-        <p:nvSpPr>
-          <p:cNvPr id="4" name="5 Marcador de contenido"/>
-          <p:cNvSpPr txBox="1">
-            <a:spLocks/>
-          </p:cNvSpPr>
+      <p:pic>
+        <p:nvPicPr>
+          <p:cNvPr id="5" name="Picture 4" descr="http://upload.wikimedia.org/wikipedia/commons/thumb/a/ae/PalmercarpenterA.jpg/230px-PalmercarpenterA.jpg"/>
+          <p:cNvPicPr>
+            <a:picLocks noChangeAspect="1" noChangeArrowheads="1"/>
+          </p:cNvPicPr>
           <p:nvPr/>
-        </p:nvSpPr>
+        </p:nvPicPr>
+        <p:blipFill>
+          <a:blip r:embed="rId3">
+            <a:extLst>
+              <a:ext uri="{28A0092B-C50C-407E-A947-70E740481C1C}">
+                <a14:useLocalDpi xmlns:a14="http://schemas.microsoft.com/office/drawing/2010/main" val="0"/>
+              </a:ext>
+            </a:extLst>
+          </a:blip>
+          <a:srcRect/>
+          <a:stretch>
+            <a:fillRect/>
+          </a:stretch>
+        </p:blipFill>
         <p:spPr bwMode="auto">
           <a:xfrm>
-            <a:off x="297276" y="3302698"/>
-            <a:ext cx="8640960" cy="2872268"/>
+            <a:off x="237844" y="1438605"/>
+            <a:ext cx="3036338" cy="3960440"/>
           </a:xfrm>
           <a:prstGeom prst="rect">
             <a:avLst/>
           </a:prstGeom>
           <a:noFill/>
-          <a:ln w="9525">
+          <a:ln>
             <a:noFill/>
-            <a:miter lim="800000"/>
-            <a:headEnd/>
-            <a:tailEnd/>
           </a:ln>
+          <a:extLst>
+            <a:ext uri="{909E8E84-426E-40DD-AFC4-6F175D3DCCD1}">
+              <a14:hiddenFill xmlns:a14="http://schemas.microsoft.com/office/drawing/2010/main">
+                <a:solidFill>
+                  <a:srgbClr val="FFFFFF"/>
+                </a:solidFill>
+              </a14:hiddenFill>
+            </a:ext>
+          </a:extLst>
         </p:spPr>
-        <p:txBody>
-          <a:bodyPr vert="horz" wrap="square" lIns="91440" tIns="45720" rIns="91440" bIns="45720" numCol="1" anchor="t" anchorCtr="0" compatLnSpc="1">
-            <a:prstTxWarp prst="textNoShape">
-              <a:avLst/>
-            </a:prstTxWarp>
-          </a:bodyPr>
-          <a:lstStyle>
-            <a:lvl1pPr marL="342900" indent="-342900" algn="l" rtl="0" eaLnBrk="1" fontAlgn="base" hangingPunct="1">
-              <a:spcBef>
-                <a:spcPct val="20000"/>
-              </a:spcBef>
-              <a:spcAft>
-                <a:spcPct val="0"/>
-              </a:spcAft>
-              <a:buFont typeface="Arial" charset="0"/>
-              <a:buChar char="•"/>
-              <a:defRPr sz="3200" kern="1200">
-                <a:solidFill>
-                  <a:schemeClr val="tx1"/>
-                </a:solidFill>
-                <a:latin typeface="+mn-lt"/>
-                <a:ea typeface="+mn-ea"/>
-                <a:cs typeface="+mn-cs"/>
-              </a:defRPr>
-            </a:lvl1pPr>
-            <a:lvl2pPr marL="742950" indent="-285750" algn="l" rtl="0" eaLnBrk="1" fontAlgn="base" hangingPunct="1">
-              <a:spcBef>
-                <a:spcPct val="20000"/>
-              </a:spcBef>
-              <a:spcAft>
-                <a:spcPct val="0"/>
-              </a:spcAft>
-              <a:buFont typeface="Arial" charset="0"/>
-              <a:buChar char="–"/>
-              <a:defRPr sz="2800" kern="1200">
-                <a:solidFill>
-                  <a:schemeClr val="tx1"/>
-                </a:solidFill>
-                <a:latin typeface="+mn-lt"/>
-                <a:ea typeface="+mn-ea"/>
-                <a:cs typeface="+mn-cs"/>
-              </a:defRPr>
-            </a:lvl2pPr>
-            <a:lvl3pPr marL="1143000" indent="-228600" algn="l" rtl="0" eaLnBrk="1" fontAlgn="base" hangingPunct="1">
-              <a:spcBef>
-                <a:spcPct val="20000"/>
-              </a:spcBef>
-              <a:spcAft>
-                <a:spcPct val="0"/>
-              </a:spcAft>
-              <a:buFont typeface="Arial" charset="0"/>
-              <a:buChar char="•"/>
-              <a:defRPr sz="2400" kern="1200">
-                <a:solidFill>
-                  <a:schemeClr val="tx1"/>
-                </a:solidFill>
-                <a:latin typeface="+mn-lt"/>
-                <a:ea typeface="+mn-ea"/>
-                <a:cs typeface="+mn-cs"/>
-              </a:defRPr>
-            </a:lvl3pPr>
-            <a:lvl4pPr marL="1600200" indent="-228600" algn="l" rtl="0" eaLnBrk="1" fontAlgn="base" hangingPunct="1">
-              <a:spcBef>
-                <a:spcPct val="20000"/>
-              </a:spcBef>
-              <a:spcAft>
-                <a:spcPct val="0"/>
-              </a:spcAft>
-              <a:buFont typeface="Arial" charset="0"/>
-              <a:buChar char="–"/>
-              <a:defRPr sz="2000" kern="1200">
-                <a:solidFill>
-                  <a:schemeClr val="tx1"/>
-                </a:solidFill>
-                <a:latin typeface="+mn-lt"/>
-                <a:ea typeface="+mn-ea"/>
-                <a:cs typeface="+mn-cs"/>
-              </a:defRPr>
-            </a:lvl4pPr>
-            <a:lvl5pPr marL="2057400" indent="-228600" algn="l" rtl="0" eaLnBrk="1" fontAlgn="base" hangingPunct="1">
-              <a:spcBef>
-                <a:spcPct val="20000"/>
-              </a:spcBef>
-              <a:spcAft>
-                <a:spcPct val="0"/>
-              </a:spcAft>
-              <a:buFont typeface="Arial" charset="0"/>
-              <a:buChar char="»"/>
-              <a:defRPr sz="2000" kern="1200">
-                <a:solidFill>
-                  <a:schemeClr val="tx1"/>
-                </a:solidFill>
-                <a:latin typeface="+mn-lt"/>
-                <a:ea typeface="+mn-ea"/>
-                <a:cs typeface="+mn-cs"/>
-              </a:defRPr>
-            </a:lvl5pPr>
-            <a:lvl6pPr marL="2514600" indent="-228600" algn="l" defTabSz="914400" rtl="0" eaLnBrk="1" latinLnBrk="0" hangingPunct="1">
-              <a:spcBef>
-                <a:spcPct val="20000"/>
-              </a:spcBef>
-              <a:buFont typeface="Arial" pitchFamily="34" charset="0"/>
-              <a:buChar char="•"/>
-              <a:defRPr sz="2000" kern="1200">
-                <a:solidFill>
-                  <a:schemeClr val="tx1"/>
-                </a:solidFill>
-                <a:latin typeface="+mn-lt"/>
-                <a:ea typeface="+mn-ea"/>
-                <a:cs typeface="+mn-cs"/>
-              </a:defRPr>
-            </a:lvl6pPr>
-            <a:lvl7pPr marL="2971800" indent="-228600" algn="l" defTabSz="914400" rtl="0" eaLnBrk="1" latinLnBrk="0" hangingPunct="1">
-              <a:spcBef>
-                <a:spcPct val="20000"/>
-              </a:spcBef>
-              <a:buFont typeface="Arial" pitchFamily="34" charset="0"/>
-              <a:buChar char="•"/>
-              <a:defRPr sz="2000" kern="1200">
-                <a:solidFill>
-                  <a:schemeClr val="tx1"/>
-                </a:solidFill>
-                <a:latin typeface="+mn-lt"/>
-                <a:ea typeface="+mn-ea"/>
-                <a:cs typeface="+mn-cs"/>
-              </a:defRPr>
-            </a:lvl7pPr>
-            <a:lvl8pPr marL="3429000" indent="-228600" algn="l" defTabSz="914400" rtl="0" eaLnBrk="1" latinLnBrk="0" hangingPunct="1">
-              <a:spcBef>
-                <a:spcPct val="20000"/>
-              </a:spcBef>
-              <a:buFont typeface="Arial" pitchFamily="34" charset="0"/>
-              <a:buChar char="•"/>
-              <a:defRPr sz="2000" kern="1200">
-                <a:solidFill>
-                  <a:schemeClr val="tx1"/>
-                </a:solidFill>
-                <a:latin typeface="+mn-lt"/>
-                <a:ea typeface="+mn-ea"/>
-                <a:cs typeface="+mn-cs"/>
-              </a:defRPr>
-            </a:lvl8pPr>
-            <a:lvl9pPr marL="3886200" indent="-228600" algn="l" defTabSz="914400" rtl="0" eaLnBrk="1" latinLnBrk="0" hangingPunct="1">
-              <a:spcBef>
-                <a:spcPct val="20000"/>
-              </a:spcBef>
-              <a:buFont typeface="Arial" pitchFamily="34" charset="0"/>
-              <a:buChar char="•"/>
-              <a:defRPr sz="2000" kern="1200">
-                <a:solidFill>
-                  <a:schemeClr val="tx1"/>
-                </a:solidFill>
-                <a:latin typeface="+mn-lt"/>
-                <a:ea typeface="+mn-ea"/>
-                <a:cs typeface="+mn-cs"/>
-              </a:defRPr>
-            </a:lvl9pPr>
-          </a:lstStyle>
-          <a:p>
-            <a:r>
-              <a:rPr lang="es-PE" sz="2600" dirty="0" smtClean="0">
-                <a:solidFill>
-                  <a:schemeClr val="tx1">
-                    <a:lumMod val="95000"/>
-                  </a:schemeClr>
-                </a:solidFill>
-              </a:rPr>
-              <a:t>Consumen mucho tiempo a largo plazo.</a:t>
-            </a:r>
-          </a:p>
-          <a:p>
-            <a:r>
-              <a:rPr lang="es-PE" sz="2600" dirty="0" smtClean="0">
-                <a:solidFill>
-                  <a:schemeClr val="tx1">
-                    <a:lumMod val="95000"/>
-                  </a:schemeClr>
-                </a:solidFill>
-              </a:rPr>
-              <a:t>Requieren una compleja configuración.</a:t>
-            </a:r>
-          </a:p>
-          <a:p>
-            <a:r>
-              <a:rPr lang="es-PE" sz="2600" dirty="0" smtClean="0">
-                <a:solidFill>
-                  <a:schemeClr val="tx1">
-                    <a:lumMod val="95000"/>
-                  </a:schemeClr>
-                </a:solidFill>
-              </a:rPr>
-              <a:t>No son reusables.</a:t>
-            </a:r>
-          </a:p>
-          <a:p>
-            <a:r>
-              <a:rPr lang="es-PE" sz="2600" dirty="0" smtClean="0">
-                <a:solidFill>
-                  <a:schemeClr val="tx1">
-                    <a:lumMod val="95000"/>
-                  </a:schemeClr>
-                </a:solidFill>
-              </a:rPr>
-              <a:t>Alto riesgo de pasar por alto pruebas.</a:t>
-            </a:r>
-          </a:p>
-          <a:p>
-            <a:r>
-              <a:rPr lang="es-PE" sz="2600" dirty="0" smtClean="0">
-                <a:solidFill>
-                  <a:schemeClr val="tx1">
-                    <a:lumMod val="95000"/>
-                  </a:schemeClr>
-                </a:solidFill>
-              </a:rPr>
-              <a:t>No prueban de manera efectiva diversos contextos.</a:t>
-            </a:r>
-          </a:p>
-          <a:p>
-            <a:r>
-              <a:rPr lang="es-PE" sz="2600" dirty="0" smtClean="0">
-                <a:solidFill>
-                  <a:schemeClr val="tx1">
-                    <a:lumMod val="95000"/>
-                  </a:schemeClr>
-                </a:solidFill>
-              </a:rPr>
-              <a:t>Visibilidad limitada.</a:t>
-            </a:r>
-          </a:p>
-        </p:txBody>
-      </p:sp>
+      </p:pic>
     </p:spTree>
     <p:extLst>
       <p:ext uri="{BB962C8B-B14F-4D97-AF65-F5344CB8AC3E}">
@@ -6200,211 +6820,105 @@
       </p:sp>
       <p:sp>
         <p:nvSpPr>
-          <p:cNvPr id="3" name="5 Marcador de contenido"/>
-          <p:cNvSpPr txBox="1">
-            <a:spLocks/>
+          <p:cNvPr id="4" name="2 Marcador de contenido"/>
+          <p:cNvSpPr>
+            <a:spLocks noGrp="1"/>
           </p:cNvSpPr>
-          <p:nvPr/>
-        </p:nvSpPr>
-        <p:spPr bwMode="auto">
+          <p:nvPr>
+            <p:ph idx="1"/>
+          </p:nvPr>
+        </p:nvSpPr>
+        <p:spPr>
           <a:xfrm>
-            <a:off x="179512" y="1340768"/>
-            <a:ext cx="8793360" cy="4320480"/>
+            <a:off x="3131840" y="1545292"/>
+            <a:ext cx="5789968" cy="3971940"/>
           </a:xfrm>
-          <a:prstGeom prst="rect">
-            <a:avLst/>
-          </a:prstGeom>
-          <a:noFill/>
-          <a:ln w="9525">
-            <a:noFill/>
-            <a:miter lim="800000"/>
-            <a:headEnd/>
-            <a:tailEnd/>
-          </a:ln>
         </p:spPr>
         <p:txBody>
-          <a:bodyPr vert="horz" wrap="square" lIns="91440" tIns="45720" rIns="91440" bIns="45720" numCol="1" anchor="t" anchorCtr="0" compatLnSpc="1">
-            <a:prstTxWarp prst="textNoShape">
-              <a:avLst/>
-            </a:prstTxWarp>
-          </a:bodyPr>
-          <a:lstStyle>
-            <a:lvl1pPr marL="342900" indent="-342900" algn="l" rtl="0" eaLnBrk="1" fontAlgn="base" hangingPunct="1">
-              <a:spcBef>
-                <a:spcPct val="20000"/>
-              </a:spcBef>
-              <a:spcAft>
-                <a:spcPct val="0"/>
-              </a:spcAft>
-              <a:buFont typeface="Arial" charset="0"/>
-              <a:buChar char="•"/>
-              <a:defRPr sz="3200" kern="1200">
-                <a:solidFill>
-                  <a:schemeClr val="tx1"/>
-                </a:solidFill>
-                <a:latin typeface="+mn-lt"/>
-                <a:ea typeface="+mn-ea"/>
-                <a:cs typeface="+mn-cs"/>
-              </a:defRPr>
-            </a:lvl1pPr>
-            <a:lvl2pPr marL="742950" indent="-285750" algn="l" rtl="0" eaLnBrk="1" fontAlgn="base" hangingPunct="1">
-              <a:spcBef>
-                <a:spcPct val="20000"/>
-              </a:spcBef>
-              <a:spcAft>
-                <a:spcPct val="0"/>
-              </a:spcAft>
-              <a:buFont typeface="Arial" charset="0"/>
-              <a:buChar char="–"/>
-              <a:defRPr sz="2800" kern="1200">
-                <a:solidFill>
-                  <a:schemeClr val="tx1"/>
-                </a:solidFill>
-                <a:latin typeface="+mn-lt"/>
-                <a:ea typeface="+mn-ea"/>
-                <a:cs typeface="+mn-cs"/>
-              </a:defRPr>
-            </a:lvl2pPr>
-            <a:lvl3pPr marL="1143000" indent="-228600" algn="l" rtl="0" eaLnBrk="1" fontAlgn="base" hangingPunct="1">
-              <a:spcBef>
-                <a:spcPct val="20000"/>
-              </a:spcBef>
-              <a:spcAft>
-                <a:spcPct val="0"/>
-              </a:spcAft>
-              <a:buFont typeface="Arial" charset="0"/>
-              <a:buChar char="•"/>
-              <a:defRPr sz="2400" kern="1200">
-                <a:solidFill>
-                  <a:schemeClr val="tx1"/>
-                </a:solidFill>
-                <a:latin typeface="+mn-lt"/>
-                <a:ea typeface="+mn-ea"/>
-                <a:cs typeface="+mn-cs"/>
-              </a:defRPr>
-            </a:lvl3pPr>
-            <a:lvl4pPr marL="1600200" indent="-228600" algn="l" rtl="0" eaLnBrk="1" fontAlgn="base" hangingPunct="1">
-              <a:spcBef>
-                <a:spcPct val="20000"/>
-              </a:spcBef>
-              <a:spcAft>
-                <a:spcPct val="0"/>
-              </a:spcAft>
-              <a:buFont typeface="Arial" charset="0"/>
-              <a:buChar char="–"/>
-              <a:defRPr sz="2000" kern="1200">
-                <a:solidFill>
-                  <a:schemeClr val="tx1"/>
-                </a:solidFill>
-                <a:latin typeface="+mn-lt"/>
-                <a:ea typeface="+mn-ea"/>
-                <a:cs typeface="+mn-cs"/>
-              </a:defRPr>
-            </a:lvl4pPr>
-            <a:lvl5pPr marL="2057400" indent="-228600" algn="l" rtl="0" eaLnBrk="1" fontAlgn="base" hangingPunct="1">
-              <a:spcBef>
-                <a:spcPct val="20000"/>
-              </a:spcBef>
-              <a:spcAft>
-                <a:spcPct val="0"/>
-              </a:spcAft>
-              <a:buFont typeface="Arial" charset="0"/>
-              <a:buChar char="»"/>
-              <a:defRPr sz="2000" kern="1200">
-                <a:solidFill>
-                  <a:schemeClr val="tx1"/>
-                </a:solidFill>
-                <a:latin typeface="+mn-lt"/>
-                <a:ea typeface="+mn-ea"/>
-                <a:cs typeface="+mn-cs"/>
-              </a:defRPr>
-            </a:lvl5pPr>
-            <a:lvl6pPr marL="2514600" indent="-228600" algn="l" defTabSz="914400" rtl="0" eaLnBrk="1" latinLnBrk="0" hangingPunct="1">
-              <a:spcBef>
-                <a:spcPct val="20000"/>
-              </a:spcBef>
-              <a:buFont typeface="Arial" pitchFamily="34" charset="0"/>
-              <a:buChar char="•"/>
-              <a:defRPr sz="2000" kern="1200">
-                <a:solidFill>
-                  <a:schemeClr val="tx1"/>
-                </a:solidFill>
-                <a:latin typeface="+mn-lt"/>
-                <a:ea typeface="+mn-ea"/>
-                <a:cs typeface="+mn-cs"/>
-              </a:defRPr>
-            </a:lvl6pPr>
-            <a:lvl7pPr marL="2971800" indent="-228600" algn="l" defTabSz="914400" rtl="0" eaLnBrk="1" latinLnBrk="0" hangingPunct="1">
-              <a:spcBef>
-                <a:spcPct val="20000"/>
-              </a:spcBef>
-              <a:buFont typeface="Arial" pitchFamily="34" charset="0"/>
-              <a:buChar char="•"/>
-              <a:defRPr sz="2000" kern="1200">
-                <a:solidFill>
-                  <a:schemeClr val="tx1"/>
-                </a:solidFill>
-                <a:latin typeface="+mn-lt"/>
-                <a:ea typeface="+mn-ea"/>
-                <a:cs typeface="+mn-cs"/>
-              </a:defRPr>
-            </a:lvl7pPr>
-            <a:lvl8pPr marL="3429000" indent="-228600" algn="l" defTabSz="914400" rtl="0" eaLnBrk="1" latinLnBrk="0" hangingPunct="1">
-              <a:spcBef>
-                <a:spcPct val="20000"/>
-              </a:spcBef>
-              <a:buFont typeface="Arial" pitchFamily="34" charset="0"/>
-              <a:buChar char="•"/>
-              <a:defRPr sz="2000" kern="1200">
-                <a:solidFill>
-                  <a:schemeClr val="tx1"/>
-                </a:solidFill>
-                <a:latin typeface="+mn-lt"/>
-                <a:ea typeface="+mn-ea"/>
-                <a:cs typeface="+mn-cs"/>
-              </a:defRPr>
-            </a:lvl8pPr>
-            <a:lvl9pPr marL="3886200" indent="-228600" algn="l" defTabSz="914400" rtl="0" eaLnBrk="1" latinLnBrk="0" hangingPunct="1">
-              <a:spcBef>
-                <a:spcPct val="20000"/>
-              </a:spcBef>
-              <a:buFont typeface="Arial" pitchFamily="34" charset="0"/>
-              <a:buChar char="•"/>
-              <a:defRPr sz="2000" kern="1200">
-                <a:solidFill>
-                  <a:schemeClr val="tx1"/>
-                </a:solidFill>
-                <a:latin typeface="+mn-lt"/>
-                <a:ea typeface="+mn-ea"/>
-                <a:cs typeface="+mn-cs"/>
-              </a:defRPr>
-            </a:lvl9pPr>
-          </a:lstStyle>
+          <a:bodyPr/>
+          <a:lstStyle/>
           <a:p>
             <a:pPr marL="0" indent="0" algn="ctr">
               <a:buNone/>
             </a:pPr>
             <a:r>
-              <a:rPr lang="es-PE" sz="2800" dirty="0" smtClean="0">
+              <a:rPr lang="es-PE" sz="2400" dirty="0" smtClean="0">
                 <a:solidFill>
                   <a:schemeClr val="tx1">
                     <a:lumMod val="95000"/>
                   </a:schemeClr>
                 </a:solidFill>
+                <a:latin typeface="Calibri" pitchFamily="34" charset="0"/>
               </a:rPr>
-              <a:t>Es el uso de tecnología con el objetivo de automatizar y mejorar(no substituir) determinados procesos manuales de pruebas.</a:t>
+              <a:t>Usar la tecnología </a:t>
+            </a:r>
+            <a:r>
+              <a:rPr lang="es-PE" sz="2400" dirty="0">
+                <a:solidFill>
+                  <a:schemeClr val="tx1">
+                    <a:lumMod val="95000"/>
+                  </a:schemeClr>
+                </a:solidFill>
+                <a:latin typeface="Calibri" pitchFamily="34" charset="0"/>
+              </a:rPr>
+              <a:t>con el objetivo de automatizar y </a:t>
+            </a:r>
+            <a:r>
+              <a:rPr lang="es-PE" sz="2400" dirty="0" smtClean="0">
+                <a:solidFill>
+                  <a:schemeClr val="tx1">
+                    <a:lumMod val="95000"/>
+                  </a:schemeClr>
+                </a:solidFill>
+                <a:latin typeface="Calibri" pitchFamily="34" charset="0"/>
+              </a:rPr>
+              <a:t>mejorar (no substituir) determinados </a:t>
+            </a:r>
+            <a:r>
+              <a:rPr lang="es-PE" sz="2400" dirty="0">
+                <a:solidFill>
+                  <a:schemeClr val="tx1">
+                    <a:lumMod val="95000"/>
+                  </a:schemeClr>
+                </a:solidFill>
+                <a:latin typeface="Calibri" pitchFamily="34" charset="0"/>
+              </a:rPr>
+              <a:t>procesos </a:t>
+            </a:r>
+            <a:r>
+              <a:rPr lang="es-PE" sz="2400" dirty="0" smtClean="0">
+                <a:solidFill>
+                  <a:schemeClr val="tx1">
+                    <a:lumMod val="95000"/>
+                  </a:schemeClr>
+                </a:solidFill>
+                <a:latin typeface="Calibri" pitchFamily="34" charset="0"/>
+              </a:rPr>
+              <a:t>de </a:t>
+            </a:r>
+            <a:r>
+              <a:rPr lang="es-PE" sz="2400" dirty="0">
+                <a:solidFill>
+                  <a:schemeClr val="tx1">
+                    <a:lumMod val="95000"/>
+                  </a:schemeClr>
+                </a:solidFill>
+                <a:latin typeface="Calibri" pitchFamily="34" charset="0"/>
+              </a:rPr>
+              <a:t>pruebas.</a:t>
             </a:r>
           </a:p>
           <a:p>
             <a:pPr marL="0" indent="0" algn="ctr">
               <a:buNone/>
             </a:pPr>
-            <a:endParaRPr lang="es-PE" sz="2800" dirty="0">
+            <a:endParaRPr lang="es-PE" sz="1050" dirty="0">
               <a:solidFill>
                 <a:schemeClr val="tx1">
                   <a:lumMod val="95000"/>
                 </a:schemeClr>
               </a:solidFill>
+              <a:latin typeface="Calibri" pitchFamily="34" charset="0"/>
             </a:endParaRPr>
           </a:p>
           <a:p>
@@ -6412,12 +6926,13 @@
               <a:buNone/>
             </a:pPr>
             <a:r>
-              <a:rPr lang="es-PE" sz="2800" dirty="0" smtClean="0">
+              <a:rPr lang="es-PE" sz="2400" dirty="0">
                 <a:solidFill>
                   <a:schemeClr val="tx1">
                     <a:lumMod val="95000"/>
                   </a:schemeClr>
                 </a:solidFill>
+                <a:latin typeface="Calibri" pitchFamily="34" charset="0"/>
               </a:rPr>
               <a:t>Provee pruebas repetibles y consistentes, reduciendo el costo y tiempo de las pruebas de regresión.</a:t>
             </a:r>
@@ -6426,12 +6941,13 @@
             <a:pPr marL="0" indent="0" algn="ctr">
               <a:buNone/>
             </a:pPr>
-            <a:endParaRPr lang="es-PE" sz="2800" dirty="0">
+            <a:endParaRPr lang="es-PE" sz="1000" dirty="0">
               <a:solidFill>
                 <a:schemeClr val="tx1">
                   <a:lumMod val="95000"/>
                 </a:schemeClr>
               </a:solidFill>
+              <a:latin typeface="Calibri" pitchFamily="34" charset="0"/>
             </a:endParaRPr>
           </a:p>
           <a:p>
@@ -6439,29 +6955,98 @@
               <a:buNone/>
             </a:pPr>
             <a:r>
-              <a:rPr lang="es-PE" sz="2800" dirty="0" smtClean="0">
+              <a:rPr lang="es-PE" sz="2400" dirty="0">
                 <a:solidFill>
                   <a:schemeClr val="tx1">
                     <a:lumMod val="95000"/>
                   </a:schemeClr>
                 </a:solidFill>
+                <a:latin typeface="Calibri" pitchFamily="34" charset="0"/>
               </a:rPr>
-              <a:t>Fundamental en el Desarrollo de Software Ágil.</a:t>
-            </a:r>
-            <a:endParaRPr lang="es-PE" sz="2800" dirty="0">
-              <a:solidFill>
-                <a:schemeClr val="tx1">
-                  <a:lumMod val="95000"/>
-                </a:schemeClr>
-              </a:solidFill>
+              <a:t>Fundamental en el desarrollo incremental e </a:t>
+            </a:r>
+            <a:r>
+              <a:rPr lang="es-PE" sz="2400" dirty="0" smtClean="0">
+                <a:solidFill>
+                  <a:schemeClr val="tx1">
+                    <a:lumMod val="95000"/>
+                  </a:schemeClr>
+                </a:solidFill>
+                <a:latin typeface="Calibri" pitchFamily="34" charset="0"/>
+              </a:rPr>
+              <a:t>iterativo, y </a:t>
+            </a:r>
+            <a:r>
+              <a:rPr lang="es-PE" sz="2400" dirty="0">
+                <a:solidFill>
+                  <a:schemeClr val="tx1">
+                    <a:lumMod val="95000"/>
+                  </a:schemeClr>
+                </a:solidFill>
+                <a:latin typeface="Calibri" pitchFamily="34" charset="0"/>
+              </a:rPr>
+              <a:t>aplicaciones que necesitan responder a cambios constantemente.</a:t>
+            </a:r>
+          </a:p>
+          <a:p>
+            <a:pPr marL="0" indent="0" algn="ctr">
+              <a:buNone/>
+            </a:pPr>
+            <a:endParaRPr lang="es-PE" sz="2800" i="1" dirty="0">
+              <a:latin typeface="Calibri" pitchFamily="34" charset="0"/>
+              <a:cs typeface="Calibri" pitchFamily="34" charset="0"/>
             </a:endParaRPr>
           </a:p>
         </p:txBody>
       </p:sp>
+      <p:pic>
+        <p:nvPicPr>
+          <p:cNvPr id="5" name="Picture 4" descr="http://media.comicvine.com/uploads/12/127345/2443384-terminator_3.jpg"/>
+          <p:cNvPicPr>
+            <a:picLocks noChangeAspect="1" noChangeArrowheads="1"/>
+          </p:cNvPicPr>
+          <p:nvPr/>
+        </p:nvPicPr>
+        <p:blipFill rotWithShape="1">
+          <a:blip r:embed="rId3">
+            <a:extLst>
+              <a:ext uri="{28A0092B-C50C-407E-A947-70E740481C1C}">
+                <a14:useLocalDpi xmlns:a14="http://schemas.microsoft.com/office/drawing/2010/main" val="0"/>
+              </a:ext>
+            </a:extLst>
+          </a:blip>
+          <a:srcRect b="4184"/>
+          <a:stretch/>
+        </p:blipFill>
+        <p:spPr bwMode="auto">
+          <a:xfrm>
+            <a:off x="179512" y="1340768"/>
+            <a:ext cx="3006089" cy="4320480"/>
+          </a:xfrm>
+          <a:prstGeom prst="rect">
+            <a:avLst/>
+          </a:prstGeom>
+          <a:ln>
+            <a:noFill/>
+          </a:ln>
+          <a:effectLst>
+            <a:softEdge rad="112500"/>
+          </a:effectLst>
+          <a:extLst>
+            <a:ext uri="{909E8E84-426E-40DD-AFC4-6F175D3DCCD1}">
+              <a14:hiddenFill xmlns:a14="http://schemas.microsoft.com/office/drawing/2010/main">
+                <a:solidFill>
+                  <a:srgbClr val="FFFFFF"/>
+                </a:solidFill>
+              </a14:hiddenFill>
+            </a:ext>
+          </a:extLst>
+        </p:spPr>
+      </p:pic>
     </p:spTree>
     <p:extLst>
       <p:ext uri="{BB962C8B-B14F-4D97-AF65-F5344CB8AC3E}">
-        <p14:creationId xmlns:p14="http://schemas.microsoft.com/office/powerpoint/2010/main" val="956174106"/>
+        <p14:creationId xmlns:p14="http://schemas.microsoft.com/office/powerpoint/2010/main" val="1196675009"/>
       </p:ext>
     </p:extLst>
   </p:cSld>
@@ -6471,9 +7056,182 @@
   <p:timing>
     <p:tnLst>
       <p:par>
-        <p:cTn id="1" dur="indefinite" restart="never" nodeType="tmRoot"/>
+        <p:cTn id="1" dur="indefinite" restart="never" nodeType="tmRoot">
+          <p:childTnLst>
+            <p:seq concurrent="1" nextAc="seek">
+              <p:cTn id="2" dur="indefinite" nodeType="mainSeq">
+                <p:childTnLst>
+                  <p:par>
+                    <p:cTn id="3" fill="hold">
+                      <p:stCondLst>
+                        <p:cond delay="indefinite"/>
+                      </p:stCondLst>
+                      <p:childTnLst>
+                        <p:par>
+                          <p:cTn id="4" fill="hold">
+                            <p:stCondLst>
+                              <p:cond delay="0"/>
+                            </p:stCondLst>
+                            <p:childTnLst>
+                              <p:par>
+                                <p:cTn id="5" presetID="1" presetClass="entr" presetSubtype="0" fill="hold" grpId="0" nodeType="clickEffect">
+                                  <p:stCondLst>
+                                    <p:cond delay="0"/>
+                                  </p:stCondLst>
+                                  <p:childTnLst>
+                                    <p:set>
+                                      <p:cBhvr>
+                                        <p:cTn id="6" dur="1" fill="hold">
+                                          <p:stCondLst>
+                                            <p:cond delay="0"/>
+                                          </p:stCondLst>
+                                        </p:cTn>
+                                        <p:tgtEl>
+                                          <p:spTgt spid="4">
+                                            <p:txEl>
+                                              <p:pRg st="0" end="0"/>
+                                            </p:txEl>
+                                          </p:spTgt>
+                                        </p:tgtEl>
+                                        <p:attrNameLst>
+                                          <p:attrName>style.visibility</p:attrName>
+                                        </p:attrNameLst>
+                                      </p:cBhvr>
+                                      <p:to>
+                                        <p:strVal val="visible"/>
+                                      </p:to>
+                                    </p:set>
+                                  </p:childTnLst>
+                                </p:cTn>
+                              </p:par>
+                            </p:childTnLst>
+                          </p:cTn>
+                        </p:par>
+                      </p:childTnLst>
+                    </p:cTn>
+                  </p:par>
+                  <p:par>
+                    <p:cTn id="7" fill="hold">
+                      <p:stCondLst>
+                        <p:cond delay="indefinite"/>
+                      </p:stCondLst>
+                      <p:childTnLst>
+                        <p:par>
+                          <p:cTn id="8" fill="hold">
+                            <p:stCondLst>
+                              <p:cond delay="0"/>
+                            </p:stCondLst>
+                            <p:childTnLst>
+                              <p:par>
+                                <p:cTn id="9" presetID="1" presetClass="entr" presetSubtype="0" fill="hold" grpId="0" nodeType="clickEffect">
+                                  <p:stCondLst>
+                                    <p:cond delay="0"/>
+                                  </p:stCondLst>
+                                  <p:childTnLst>
+                                    <p:set>
+                                      <p:cBhvr>
+                                        <p:cTn id="10" dur="1" fill="hold">
+                                          <p:stCondLst>
+                                            <p:cond delay="0"/>
+                                          </p:stCondLst>
+                                        </p:cTn>
+                                        <p:tgtEl>
+                                          <p:spTgt spid="4">
+                                            <p:txEl>
+                                              <p:pRg st="2" end="2"/>
+                                            </p:txEl>
+                                          </p:spTgt>
+                                        </p:tgtEl>
+                                        <p:attrNameLst>
+                                          <p:attrName>style.visibility</p:attrName>
+                                        </p:attrNameLst>
+                                      </p:cBhvr>
+                                      <p:to>
+                                        <p:strVal val="visible"/>
+                                      </p:to>
+                                    </p:set>
+                                  </p:childTnLst>
+                                </p:cTn>
+                              </p:par>
+                            </p:childTnLst>
+                          </p:cTn>
+                        </p:par>
+                      </p:childTnLst>
+                    </p:cTn>
+                  </p:par>
+                  <p:par>
+                    <p:cTn id="11" fill="hold">
+                      <p:stCondLst>
+                        <p:cond delay="indefinite"/>
+                      </p:stCondLst>
+                      <p:childTnLst>
+                        <p:par>
+                          <p:cTn id="12" fill="hold">
+                            <p:stCondLst>
+                              <p:cond delay="0"/>
+                            </p:stCondLst>
+                            <p:childTnLst>
+                              <p:par>
+                                <p:cTn id="13" presetID="1" presetClass="entr" presetSubtype="0" fill="hold" grpId="0" nodeType="clickEffect">
+                                  <p:stCondLst>
+                                    <p:cond delay="0"/>
+                                  </p:stCondLst>
+                                  <p:childTnLst>
+                                    <p:set>
+                                      <p:cBhvr>
+                                        <p:cTn id="14" dur="1" fill="hold">
+                                          <p:stCondLst>
+                                            <p:cond delay="0"/>
+                                          </p:stCondLst>
+                                        </p:cTn>
+                                        <p:tgtEl>
+                                          <p:spTgt spid="4">
+                                            <p:txEl>
+                                              <p:pRg st="4" end="4"/>
+                                            </p:txEl>
+                                          </p:spTgt>
+                                        </p:tgtEl>
+                                        <p:attrNameLst>
+                                          <p:attrName>style.visibility</p:attrName>
+                                        </p:attrNameLst>
+                                      </p:cBhvr>
+                                      <p:to>
+                                        <p:strVal val="visible"/>
+                                      </p:to>
+                                    </p:set>
+                                  </p:childTnLst>
+                                </p:cTn>
+                              </p:par>
+                            </p:childTnLst>
+                          </p:cTn>
+                        </p:par>
+                      </p:childTnLst>
+                    </p:cTn>
+                  </p:par>
+                </p:childTnLst>
+              </p:cTn>
+              <p:prevCondLst>
+                <p:cond evt="onPrev" delay="0">
+                  <p:tgtEl>
+                    <p:sldTgt/>
+                  </p:tgtEl>
+                </p:cond>
+              </p:prevCondLst>
+              <p:nextCondLst>
+                <p:cond evt="onNext" delay="0">
+                  <p:tgtEl>
+                    <p:sldTgt/>
+                  </p:tgtEl>
+                </p:cond>
+              </p:nextCondLst>
+            </p:seq>
+          </p:childTnLst>
+        </p:cTn>
       </p:par>
     </p:tnLst>
+    <p:bldLst>
+      <p:bldP spid="4" grpId="0" build="p"/>
+    </p:bldLst>
   </p:timing>
 </p:sld>
 </file>
@@ -7221,642 +7979,1449 @@
           </a:p>
         </p:txBody>
       </p:sp>
-      <p:sp>
-        <p:nvSpPr>
-          <p:cNvPr id="2" name="1 Rectángulo"/>
-          <p:cNvSpPr/>
+      <p:grpSp>
+        <p:nvGrpSpPr>
+          <p:cNvPr id="23" name="22 Grupo"/>
+          <p:cNvGrpSpPr/>
           <p:nvPr/>
-        </p:nvSpPr>
-        <p:spPr>
+        </p:nvGrpSpPr>
+        <p:grpSpPr>
           <a:xfrm>
-            <a:off x="1547664" y="1800000"/>
-            <a:ext cx="3024000" cy="1944000"/>
+            <a:off x="935430" y="1248932"/>
+            <a:ext cx="7273140" cy="4988380"/>
+            <a:chOff x="936430" y="1258396"/>
+            <a:chExt cx="7273140" cy="4988380"/>
           </a:xfrm>
-          <a:prstGeom prst="rect">
-            <a:avLst/>
-          </a:prstGeom>
-        </p:spPr>
-        <p:style>
-          <a:lnRef idx="3">
-            <a:schemeClr val="lt1"/>
-          </a:lnRef>
-          <a:fillRef idx="1">
-            <a:schemeClr val="accent1"/>
-          </a:fillRef>
-          <a:effectRef idx="1">
-            <a:schemeClr val="accent1"/>
-          </a:effectRef>
-          <a:fontRef idx="minor">
-            <a:schemeClr val="lt1"/>
-          </a:fontRef>
-        </p:style>
-        <p:txBody>
-          <a:bodyPr rtlCol="0" anchor="ctr"/>
-          <a:lstStyle/>
-          <a:p>
-            <a:pPr algn="ctr"/>
-            <a:r>
-              <a:rPr lang="en-US" sz="2200" dirty="0" smtClean="0"/>
-              <a:t>Story Tests</a:t>
-            </a:r>
-          </a:p>
-          <a:p>
-            <a:pPr algn="ctr"/>
-            <a:r>
-              <a:rPr lang="en-US" sz="2200" dirty="0" smtClean="0"/>
-              <a:t>Prototypes</a:t>
-            </a:r>
-          </a:p>
-        </p:txBody>
-      </p:sp>
-      <p:sp>
-        <p:nvSpPr>
-          <p:cNvPr id="5" name="4 Rectángulo"/>
-          <p:cNvSpPr/>
-          <p:nvPr/>
-        </p:nvSpPr>
-        <p:spPr>
-          <a:xfrm>
-            <a:off x="1547664" y="3744000"/>
-            <a:ext cx="3024000" cy="1944000"/>
-          </a:xfrm>
-          <a:prstGeom prst="rect">
-            <a:avLst/>
-          </a:prstGeom>
-        </p:spPr>
-        <p:style>
-          <a:lnRef idx="3">
-            <a:schemeClr val="lt1"/>
-          </a:lnRef>
-          <a:fillRef idx="1">
-            <a:schemeClr val="accent2"/>
-          </a:fillRef>
-          <a:effectRef idx="1">
-            <a:schemeClr val="accent2"/>
-          </a:effectRef>
-          <a:fontRef idx="minor">
-            <a:schemeClr val="lt1"/>
-          </a:fontRef>
-        </p:style>
-        <p:txBody>
-          <a:bodyPr rtlCol="0" anchor="ctr"/>
-          <a:lstStyle/>
-          <a:p>
-            <a:pPr algn="ctr"/>
-            <a:r>
-              <a:rPr lang="en-US" sz="2200" smtClean="0"/>
-              <a:t>Unit Tests</a:t>
-            </a:r>
-          </a:p>
-          <a:p>
-            <a:pPr algn="ctr"/>
-            <a:r>
-              <a:rPr lang="en-US" sz="2200" smtClean="0"/>
-              <a:t>Integration Tests</a:t>
-            </a:r>
-          </a:p>
-          <a:p>
-            <a:pPr algn="ctr"/>
-            <a:r>
-              <a:rPr lang="en-US" sz="2200" smtClean="0"/>
-              <a:t>System Tests</a:t>
-            </a:r>
-          </a:p>
-        </p:txBody>
-      </p:sp>
-      <p:sp>
-        <p:nvSpPr>
-          <p:cNvPr id="6" name="5 Rectángulo"/>
-          <p:cNvSpPr/>
-          <p:nvPr/>
-        </p:nvSpPr>
-        <p:spPr>
-          <a:xfrm>
-            <a:off x="4572000" y="1800000"/>
-            <a:ext cx="3024000" cy="1944000"/>
-          </a:xfrm>
-          <a:prstGeom prst="rect">
-            <a:avLst/>
-          </a:prstGeom>
-        </p:spPr>
-        <p:style>
-          <a:lnRef idx="3">
-            <a:schemeClr val="lt1"/>
-          </a:lnRef>
-          <a:fillRef idx="1">
-            <a:schemeClr val="accent1"/>
-          </a:fillRef>
-          <a:effectRef idx="1">
-            <a:schemeClr val="accent1"/>
-          </a:effectRef>
-          <a:fontRef idx="minor">
-            <a:schemeClr val="lt1"/>
-          </a:fontRef>
-        </p:style>
-        <p:txBody>
-          <a:bodyPr rtlCol="0" anchor="ctr"/>
-          <a:lstStyle/>
-          <a:p>
-            <a:pPr algn="ctr"/>
-            <a:r>
-              <a:rPr lang="en-US" sz="2200" dirty="0" smtClean="0"/>
-              <a:t>Usability Testing</a:t>
-            </a:r>
-          </a:p>
-          <a:p>
-            <a:pPr algn="ctr"/>
-            <a:r>
-              <a:rPr lang="en-US" sz="2200" dirty="0" smtClean="0"/>
-              <a:t>Exploratory Testing</a:t>
-            </a:r>
-            <a:br>
-              <a:rPr lang="en-US" sz="2200" dirty="0" smtClean="0"/>
-            </a:br>
-            <a:r>
-              <a:rPr lang="en-US" sz="2200" dirty="0" smtClean="0"/>
-              <a:t>User Acceptance Tests</a:t>
-            </a:r>
-          </a:p>
-        </p:txBody>
-      </p:sp>
-      <p:sp>
-        <p:nvSpPr>
-          <p:cNvPr id="7" name="6 Rectángulo"/>
-          <p:cNvSpPr/>
-          <p:nvPr/>
-        </p:nvSpPr>
-        <p:spPr>
-          <a:xfrm>
-            <a:off x="4572000" y="3744000"/>
-            <a:ext cx="3024000" cy="1944000"/>
-          </a:xfrm>
-          <a:prstGeom prst="rect">
-            <a:avLst/>
-          </a:prstGeom>
-        </p:spPr>
-        <p:style>
-          <a:lnRef idx="3">
-            <a:schemeClr val="lt1"/>
-          </a:lnRef>
-          <a:fillRef idx="1">
-            <a:schemeClr val="accent1"/>
-          </a:fillRef>
-          <a:effectRef idx="1">
-            <a:schemeClr val="accent1"/>
-          </a:effectRef>
-          <a:fontRef idx="minor">
-            <a:schemeClr val="lt1"/>
-          </a:fontRef>
-        </p:style>
-        <p:txBody>
-          <a:bodyPr rtlCol="0" anchor="ctr"/>
-          <a:lstStyle/>
-          <a:p>
-            <a:pPr algn="ctr"/>
-            <a:r>
-              <a:rPr lang="en-US" sz="2200" smtClean="0"/>
-              <a:t>Performance Testing</a:t>
-            </a:r>
-          </a:p>
-          <a:p>
-            <a:pPr algn="ctr"/>
-            <a:r>
-              <a:rPr lang="en-US" sz="2200" smtClean="0"/>
-              <a:t>Security Testing</a:t>
-            </a:r>
-          </a:p>
-        </p:txBody>
-      </p:sp>
-      <p:sp>
-        <p:nvSpPr>
-          <p:cNvPr id="3" name="2 CuadroTexto"/>
-          <p:cNvSpPr txBox="1"/>
-          <p:nvPr/>
-        </p:nvSpPr>
-        <p:spPr>
-          <a:xfrm>
-            <a:off x="3536092" y="1258396"/>
-            <a:ext cx="2116028" cy="461665"/>
-          </a:xfrm>
-          <a:prstGeom prst="rect">
-            <a:avLst/>
-          </a:prstGeom>
-          <a:noFill/>
-        </p:spPr>
-        <p:txBody>
-          <a:bodyPr wrap="none" rtlCol="0">
-            <a:spAutoFit/>
-          </a:bodyPr>
-          <a:lstStyle/>
-          <a:p>
-            <a:r>
-              <a:rPr lang="en-US" sz="2400" dirty="0" smtClean="0"/>
-              <a:t>Business Facing</a:t>
-            </a:r>
-            <a:endParaRPr lang="en-US" sz="2400" dirty="0"/>
-          </a:p>
-        </p:txBody>
-      </p:sp>
-      <p:sp>
-        <p:nvSpPr>
-          <p:cNvPr id="9" name="8 CuadroTexto"/>
-          <p:cNvSpPr txBox="1"/>
-          <p:nvPr/>
-        </p:nvSpPr>
-        <p:spPr>
-          <a:xfrm>
-            <a:off x="3346811" y="5758062"/>
-            <a:ext cx="2449325" cy="461665"/>
-          </a:xfrm>
-          <a:prstGeom prst="rect">
-            <a:avLst/>
-          </a:prstGeom>
-          <a:noFill/>
-        </p:spPr>
-        <p:txBody>
-          <a:bodyPr wrap="none" rtlCol="0">
-            <a:spAutoFit/>
-          </a:bodyPr>
-          <a:lstStyle/>
-          <a:p>
-            <a:r>
-              <a:rPr lang="en-US" sz="2400" dirty="0" smtClean="0"/>
-              <a:t>Technology Facing</a:t>
-            </a:r>
-            <a:endParaRPr lang="en-US" sz="2400" dirty="0"/>
-          </a:p>
-        </p:txBody>
-      </p:sp>
-      <p:sp>
-        <p:nvSpPr>
-          <p:cNvPr id="10" name="9 CuadroTexto"/>
-          <p:cNvSpPr txBox="1"/>
-          <p:nvPr/>
-        </p:nvSpPr>
-        <p:spPr>
-          <a:xfrm>
-            <a:off x="936430" y="2702348"/>
-            <a:ext cx="553998" cy="2166812"/>
-          </a:xfrm>
-          <a:prstGeom prst="rect">
-            <a:avLst/>
-          </a:prstGeom>
-          <a:noFill/>
-        </p:spPr>
-        <p:txBody>
-          <a:bodyPr vert="vert270" wrap="none" rtlCol="0">
-            <a:spAutoFit/>
-          </a:bodyPr>
-          <a:lstStyle/>
-          <a:p>
-            <a:r>
-              <a:rPr lang="en-US" sz="2400" dirty="0" smtClean="0"/>
-              <a:t>Develop Product</a:t>
-            </a:r>
-            <a:endParaRPr lang="en-US" sz="2400" dirty="0"/>
-          </a:p>
-        </p:txBody>
-      </p:sp>
-      <p:sp>
-        <p:nvSpPr>
-          <p:cNvPr id="11" name="10 CuadroTexto"/>
-          <p:cNvSpPr txBox="1"/>
-          <p:nvPr/>
-        </p:nvSpPr>
-        <p:spPr>
-          <a:xfrm>
-            <a:off x="7672825" y="2664324"/>
-            <a:ext cx="553998" cy="2132828"/>
-          </a:xfrm>
-          <a:prstGeom prst="rect">
-            <a:avLst/>
-          </a:prstGeom>
-          <a:noFill/>
-        </p:spPr>
-        <p:txBody>
-          <a:bodyPr vert="vert" wrap="none" rtlCol="0">
-            <a:spAutoFit/>
-          </a:bodyPr>
-          <a:lstStyle/>
-          <a:p>
-            <a:r>
-              <a:rPr lang="en-US" sz="2400" dirty="0" smtClean="0"/>
-              <a:t>Critique Product</a:t>
-            </a:r>
-            <a:endParaRPr lang="en-US" sz="2400" dirty="0"/>
-          </a:p>
-        </p:txBody>
-      </p:sp>
-      <p:sp>
-        <p:nvSpPr>
-          <p:cNvPr id="15" name="14 Octágono"/>
-          <p:cNvSpPr/>
-          <p:nvPr/>
-        </p:nvSpPr>
-        <p:spPr>
-          <a:xfrm>
-            <a:off x="6181363" y="1458068"/>
-            <a:ext cx="1800000" cy="648000"/>
-          </a:xfrm>
-          <a:prstGeom prst="octagon">
-            <a:avLst/>
-          </a:prstGeom>
-        </p:spPr>
-        <p:style>
-          <a:lnRef idx="3">
-            <a:schemeClr val="lt1"/>
-          </a:lnRef>
-          <a:fillRef idx="1">
-            <a:schemeClr val="accent3"/>
-          </a:fillRef>
-          <a:effectRef idx="1">
-            <a:schemeClr val="accent3"/>
-          </a:effectRef>
-          <a:fontRef idx="minor">
-            <a:schemeClr val="lt1"/>
-          </a:fontRef>
-        </p:style>
-        <p:txBody>
-          <a:bodyPr rtlCol="0" anchor="ctr"/>
-          <a:lstStyle/>
-          <a:p>
-            <a:pPr algn="ctr"/>
-            <a:r>
-              <a:rPr lang="es-PE" sz="2200" dirty="0" smtClean="0"/>
-              <a:t>Manual</a:t>
-            </a:r>
-            <a:endParaRPr lang="es-PE" sz="2200" dirty="0"/>
-          </a:p>
-        </p:txBody>
-      </p:sp>
-      <p:sp>
-        <p:nvSpPr>
-          <p:cNvPr id="16" name="15 Octágono"/>
-          <p:cNvSpPr/>
-          <p:nvPr/>
-        </p:nvSpPr>
-        <p:spPr>
-          <a:xfrm>
-            <a:off x="6181363" y="5291999"/>
-            <a:ext cx="1800000" cy="720000"/>
-          </a:xfrm>
-          <a:prstGeom prst="octagon">
-            <a:avLst/>
-          </a:prstGeom>
-        </p:spPr>
-        <p:style>
-          <a:lnRef idx="3">
-            <a:schemeClr val="lt1"/>
-          </a:lnRef>
-          <a:fillRef idx="1">
-            <a:schemeClr val="accent3"/>
-          </a:fillRef>
-          <a:effectRef idx="1">
-            <a:schemeClr val="accent3"/>
-          </a:effectRef>
-          <a:fontRef idx="minor">
-            <a:schemeClr val="lt1"/>
-          </a:fontRef>
-        </p:style>
-        <p:txBody>
-          <a:bodyPr rtlCol="0" anchor="ctr"/>
-          <a:lstStyle/>
-          <a:p>
-            <a:pPr algn="ctr"/>
-            <a:r>
-              <a:rPr lang="es-PE" sz="2200" dirty="0" err="1" smtClean="0"/>
-              <a:t>Automated</a:t>
-            </a:r>
-            <a:r>
-              <a:rPr lang="es-PE" sz="2200" dirty="0" smtClean="0"/>
-              <a:t> </a:t>
-            </a:r>
-            <a:br>
-              <a:rPr lang="es-PE" sz="2200" dirty="0" smtClean="0"/>
-            </a:br>
-            <a:r>
-              <a:rPr lang="es-PE" sz="2200" dirty="0" smtClean="0"/>
-              <a:t>Manual</a:t>
-            </a:r>
-            <a:endParaRPr lang="es-PE" sz="2200" dirty="0"/>
-          </a:p>
-        </p:txBody>
-      </p:sp>
-      <p:sp>
-        <p:nvSpPr>
-          <p:cNvPr id="17" name="16 Octágono"/>
-          <p:cNvSpPr/>
-          <p:nvPr/>
-        </p:nvSpPr>
-        <p:spPr>
-          <a:xfrm>
-            <a:off x="1043608" y="1399462"/>
-            <a:ext cx="1800000" cy="720000"/>
-          </a:xfrm>
-          <a:prstGeom prst="octagon">
-            <a:avLst/>
-          </a:prstGeom>
-        </p:spPr>
-        <p:style>
-          <a:lnRef idx="3">
-            <a:schemeClr val="lt1"/>
-          </a:lnRef>
-          <a:fillRef idx="1">
-            <a:schemeClr val="accent3"/>
-          </a:fillRef>
-          <a:effectRef idx="1">
-            <a:schemeClr val="accent3"/>
-          </a:effectRef>
-          <a:fontRef idx="minor">
-            <a:schemeClr val="lt1"/>
-          </a:fontRef>
-        </p:style>
-        <p:txBody>
-          <a:bodyPr rtlCol="0" anchor="ctr"/>
-          <a:lstStyle/>
-          <a:p>
-            <a:pPr algn="ctr"/>
-            <a:r>
-              <a:rPr lang="es-PE" sz="2200" dirty="0" err="1" smtClean="0"/>
-              <a:t>Automated</a:t>
-            </a:r>
-            <a:r>
-              <a:rPr lang="es-PE" sz="2200" dirty="0" smtClean="0"/>
-              <a:t> </a:t>
-            </a:r>
-            <a:br>
-              <a:rPr lang="es-PE" sz="2200" dirty="0" smtClean="0"/>
-            </a:br>
-            <a:r>
-              <a:rPr lang="es-PE" sz="2200" dirty="0" smtClean="0"/>
-              <a:t>Manual</a:t>
-            </a:r>
-            <a:endParaRPr lang="es-PE" sz="2200" dirty="0"/>
-          </a:p>
-        </p:txBody>
-      </p:sp>
-      <p:sp>
-        <p:nvSpPr>
-          <p:cNvPr id="18" name="17 Octágono"/>
-          <p:cNvSpPr/>
-          <p:nvPr/>
-        </p:nvSpPr>
-        <p:spPr>
-          <a:xfrm>
-            <a:off x="1043608" y="5350606"/>
-            <a:ext cx="1800000" cy="648000"/>
-          </a:xfrm>
-          <a:prstGeom prst="octagon">
-            <a:avLst/>
-          </a:prstGeom>
-        </p:spPr>
-        <p:style>
-          <a:lnRef idx="3">
-            <a:schemeClr val="lt1"/>
-          </a:lnRef>
-          <a:fillRef idx="1">
-            <a:schemeClr val="accent3"/>
-          </a:fillRef>
-          <a:effectRef idx="1">
-            <a:schemeClr val="accent3"/>
-          </a:effectRef>
-          <a:fontRef idx="minor">
-            <a:schemeClr val="lt1"/>
-          </a:fontRef>
-        </p:style>
-        <p:txBody>
-          <a:bodyPr rtlCol="0" anchor="ctr"/>
-          <a:lstStyle/>
-          <a:p>
-            <a:pPr algn="ctr"/>
-            <a:r>
-              <a:rPr lang="es-PE" sz="2200" dirty="0" err="1" smtClean="0"/>
-              <a:t>Automated</a:t>
-            </a:r>
-            <a:endParaRPr lang="es-PE" sz="2200" dirty="0"/>
-          </a:p>
-        </p:txBody>
-      </p:sp>
-      <p:sp>
-        <p:nvSpPr>
-          <p:cNvPr id="19" name="18 CuadroTexto"/>
-          <p:cNvSpPr txBox="1"/>
-          <p:nvPr/>
-        </p:nvSpPr>
-        <p:spPr>
-          <a:xfrm>
-            <a:off x="4067944" y="3789040"/>
-            <a:ext cx="457176" cy="369332"/>
-          </a:xfrm>
-          <a:prstGeom prst="rect">
-            <a:avLst/>
-          </a:prstGeom>
-          <a:noFill/>
-        </p:spPr>
-        <p:txBody>
-          <a:bodyPr wrap="none" rtlCol="0">
-            <a:spAutoFit/>
-          </a:bodyPr>
-          <a:lstStyle/>
-          <a:p>
-            <a:r>
-              <a:rPr lang="es-PE" b="1" dirty="0" smtClean="0"/>
-              <a:t>Q1</a:t>
-            </a:r>
-            <a:endParaRPr lang="es-PE" b="1" dirty="0"/>
-          </a:p>
-        </p:txBody>
-      </p:sp>
-      <p:sp>
-        <p:nvSpPr>
-          <p:cNvPr id="20" name="19 CuadroTexto"/>
-          <p:cNvSpPr txBox="1"/>
-          <p:nvPr/>
-        </p:nvSpPr>
-        <p:spPr>
-          <a:xfrm>
-            <a:off x="4067944" y="3356992"/>
-            <a:ext cx="460382" cy="369332"/>
-          </a:xfrm>
-          <a:prstGeom prst="rect">
-            <a:avLst/>
-          </a:prstGeom>
-          <a:noFill/>
-        </p:spPr>
-        <p:txBody>
-          <a:bodyPr wrap="none" rtlCol="0">
-            <a:spAutoFit/>
-          </a:bodyPr>
-          <a:lstStyle/>
-          <a:p>
-            <a:r>
-              <a:rPr lang="es-PE" b="1" dirty="0" smtClean="0"/>
-              <a:t>Q2</a:t>
-            </a:r>
-            <a:endParaRPr lang="es-PE" b="1" dirty="0"/>
-          </a:p>
-        </p:txBody>
-      </p:sp>
-      <p:sp>
-        <p:nvSpPr>
-          <p:cNvPr id="21" name="20 CuadroTexto"/>
-          <p:cNvSpPr txBox="1"/>
-          <p:nvPr/>
-        </p:nvSpPr>
-        <p:spPr>
-          <a:xfrm>
-            <a:off x="4582676" y="3356992"/>
-            <a:ext cx="460382" cy="369332"/>
-          </a:xfrm>
-          <a:prstGeom prst="rect">
-            <a:avLst/>
-          </a:prstGeom>
-          <a:noFill/>
-        </p:spPr>
-        <p:txBody>
-          <a:bodyPr wrap="none" rtlCol="0">
-            <a:spAutoFit/>
-          </a:bodyPr>
-          <a:lstStyle/>
-          <a:p>
-            <a:r>
-              <a:rPr lang="es-PE" b="1" dirty="0" smtClean="0"/>
-              <a:t>Q3</a:t>
-            </a:r>
-            <a:endParaRPr lang="es-PE" b="1" dirty="0"/>
-          </a:p>
-        </p:txBody>
-      </p:sp>
-      <p:sp>
-        <p:nvSpPr>
-          <p:cNvPr id="22" name="21 CuadroTexto"/>
-          <p:cNvSpPr txBox="1"/>
-          <p:nvPr/>
-        </p:nvSpPr>
-        <p:spPr>
-          <a:xfrm>
-            <a:off x="4582676" y="3789040"/>
-            <a:ext cx="460382" cy="369332"/>
-          </a:xfrm>
-          <a:prstGeom prst="rect">
-            <a:avLst/>
-          </a:prstGeom>
-          <a:noFill/>
-        </p:spPr>
-        <p:txBody>
-          <a:bodyPr wrap="none" rtlCol="0">
-            <a:spAutoFit/>
-          </a:bodyPr>
-          <a:lstStyle/>
-          <a:p>
-            <a:r>
-              <a:rPr lang="es-PE" b="1" dirty="0" smtClean="0"/>
-              <a:t>Q4</a:t>
-            </a:r>
-            <a:endParaRPr lang="es-PE" b="1" dirty="0"/>
-          </a:p>
-        </p:txBody>
-      </p:sp>
+        </p:grpSpPr>
+        <p:sp>
+          <p:nvSpPr>
+            <p:cNvPr id="24" name="23 Rectángulo"/>
+            <p:cNvSpPr/>
+            <p:nvPr/>
+          </p:nvSpPr>
+          <p:spPr>
+            <a:xfrm>
+              <a:off x="1547664" y="1800000"/>
+              <a:ext cx="3024000" cy="1944000"/>
+            </a:xfrm>
+            <a:prstGeom prst="rect">
+              <a:avLst/>
+            </a:prstGeom>
+            <a:solidFill>
+              <a:srgbClr val="4F81BD"/>
+            </a:solidFill>
+            <a:ln w="38100" cap="flat" cmpd="sng" algn="ctr">
+              <a:solidFill>
+                <a:sysClr val="window" lastClr="FFFFFF"/>
+              </a:solidFill>
+              <a:prstDash val="solid"/>
+            </a:ln>
+            <a:effectLst>
+              <a:outerShdw blurRad="40000" dist="20000" dir="5400000" rotWithShape="0">
+                <a:srgbClr val="000000">
+                  <a:alpha val="38000"/>
+                </a:srgbClr>
+              </a:outerShdw>
+            </a:effectLst>
+          </p:spPr>
+          <p:txBody>
+            <a:bodyPr rtlCol="0" anchor="ctr"/>
+            <a:lstStyle/>
+            <a:p>
+              <a:pPr marL="0" marR="0" lvl="0" indent="0" algn="ctr" defTabSz="914400" eaLnBrk="1" fontAlgn="auto" latinLnBrk="0" hangingPunct="1">
+                <a:lnSpc>
+                  <a:spcPct val="100000"/>
+                </a:lnSpc>
+                <a:spcBef>
+                  <a:spcPts val="0"/>
+                </a:spcBef>
+                <a:spcAft>
+                  <a:spcPts val="0"/>
+                </a:spcAft>
+                <a:buClrTx/>
+                <a:buSzTx/>
+                <a:buFontTx/>
+                <a:buNone/>
+                <a:tabLst/>
+                <a:defRPr/>
+              </a:pPr>
+              <a:r>
+                <a:rPr kumimoji="0" lang="en-US" sz="2200" b="0" i="0" u="none" strike="noStrike" kern="0" cap="none" spc="0" normalizeH="0" baseline="0" noProof="0" dirty="0" smtClean="0">
+                  <a:ln>
+                    <a:noFill/>
+                  </a:ln>
+                  <a:solidFill>
+                    <a:prstClr val="white"/>
+                  </a:solidFill>
+                  <a:effectLst/>
+                  <a:uLnTx/>
+                  <a:uFillTx/>
+                  <a:latin typeface="Calibri"/>
+                  <a:ea typeface="+mn-ea"/>
+                  <a:cs typeface="+mn-cs"/>
+                </a:rPr>
+                <a:t>Functional Tests</a:t>
+              </a:r>
+            </a:p>
+            <a:p>
+              <a:pPr marL="0" marR="0" lvl="0" indent="0" algn="ctr" defTabSz="914400" eaLnBrk="1" fontAlgn="auto" latinLnBrk="0" hangingPunct="1">
+                <a:lnSpc>
+                  <a:spcPct val="100000"/>
+                </a:lnSpc>
+                <a:spcBef>
+                  <a:spcPts val="0"/>
+                </a:spcBef>
+                <a:spcAft>
+                  <a:spcPts val="0"/>
+                </a:spcAft>
+                <a:buClrTx/>
+                <a:buSzTx/>
+                <a:buFontTx/>
+                <a:buNone/>
+                <a:tabLst/>
+                <a:defRPr/>
+              </a:pPr>
+              <a:r>
+                <a:rPr kumimoji="0" lang="en-US" sz="2200" b="0" i="0" u="none" strike="noStrike" kern="0" cap="none" spc="0" normalizeH="0" baseline="0" noProof="0" dirty="0" smtClean="0">
+                  <a:ln>
+                    <a:noFill/>
+                  </a:ln>
+                  <a:solidFill>
+                    <a:prstClr val="white"/>
+                  </a:solidFill>
+                  <a:effectLst/>
+                  <a:uLnTx/>
+                  <a:uFillTx/>
+                  <a:latin typeface="Calibri"/>
+                  <a:ea typeface="+mn-ea"/>
+                  <a:cs typeface="+mn-cs"/>
+                </a:rPr>
+                <a:t>Prototypes</a:t>
+              </a:r>
+            </a:p>
+            <a:p>
+              <a:pPr marL="0" marR="0" lvl="0" indent="0" algn="ctr" defTabSz="914400" eaLnBrk="1" fontAlgn="auto" latinLnBrk="0" hangingPunct="1">
+                <a:lnSpc>
+                  <a:spcPct val="100000"/>
+                </a:lnSpc>
+                <a:spcBef>
+                  <a:spcPts val="0"/>
+                </a:spcBef>
+                <a:spcAft>
+                  <a:spcPts val="0"/>
+                </a:spcAft>
+                <a:buClrTx/>
+                <a:buSzTx/>
+                <a:buFontTx/>
+                <a:buNone/>
+                <a:tabLst/>
+                <a:defRPr/>
+              </a:pPr>
+              <a:r>
+                <a:rPr lang="en-US" sz="2200" kern="0" dirty="0" smtClean="0">
+                  <a:solidFill>
+                    <a:prstClr val="white"/>
+                  </a:solidFill>
+                  <a:latin typeface="Calibri"/>
+                  <a:cs typeface="+mn-cs"/>
+                </a:rPr>
+                <a:t>Simulations</a:t>
+              </a:r>
+              <a:endParaRPr kumimoji="0" lang="en-US" sz="2200" b="0" i="0" u="none" strike="noStrike" kern="0" cap="none" spc="0" normalizeH="0" baseline="0" noProof="0" dirty="0" smtClean="0">
+                <a:ln>
+                  <a:noFill/>
+                </a:ln>
+                <a:solidFill>
+                  <a:prstClr val="white"/>
+                </a:solidFill>
+                <a:effectLst/>
+                <a:uLnTx/>
+                <a:uFillTx/>
+                <a:latin typeface="Calibri"/>
+                <a:ea typeface="+mn-ea"/>
+                <a:cs typeface="+mn-cs"/>
+              </a:endParaRPr>
+            </a:p>
+          </p:txBody>
+        </p:sp>
+        <p:sp>
+          <p:nvSpPr>
+            <p:cNvPr id="25" name="24 Rectángulo"/>
+            <p:cNvSpPr/>
+            <p:nvPr/>
+          </p:nvSpPr>
+          <p:spPr>
+            <a:xfrm>
+              <a:off x="1547664" y="3744000"/>
+              <a:ext cx="3024000" cy="1944000"/>
+            </a:xfrm>
+            <a:prstGeom prst="rect">
+              <a:avLst/>
+            </a:prstGeom>
+            <a:solidFill>
+              <a:srgbClr val="C0504D"/>
+            </a:solidFill>
+            <a:ln w="38100" cap="flat" cmpd="sng" algn="ctr">
+              <a:solidFill>
+                <a:sysClr val="window" lastClr="FFFFFF"/>
+              </a:solidFill>
+              <a:prstDash val="solid"/>
+            </a:ln>
+            <a:effectLst>
+              <a:outerShdw blurRad="40000" dist="20000" dir="5400000" rotWithShape="0">
+                <a:srgbClr val="000000">
+                  <a:alpha val="38000"/>
+                </a:srgbClr>
+              </a:outerShdw>
+            </a:effectLst>
+          </p:spPr>
+          <p:txBody>
+            <a:bodyPr rtlCol="0" anchor="ctr"/>
+            <a:lstStyle/>
+            <a:p>
+              <a:pPr marL="0" marR="0" lvl="0" indent="0" algn="ctr" defTabSz="914400" eaLnBrk="1" fontAlgn="auto" latinLnBrk="0" hangingPunct="1">
+                <a:lnSpc>
+                  <a:spcPct val="100000"/>
+                </a:lnSpc>
+                <a:spcBef>
+                  <a:spcPts val="0"/>
+                </a:spcBef>
+                <a:spcAft>
+                  <a:spcPts val="0"/>
+                </a:spcAft>
+                <a:buClrTx/>
+                <a:buSzTx/>
+                <a:buFontTx/>
+                <a:buNone/>
+                <a:tabLst/>
+                <a:defRPr/>
+              </a:pPr>
+              <a:r>
+                <a:rPr kumimoji="0" lang="en-US" sz="2200" b="0" i="0" u="none" strike="noStrike" kern="0" cap="none" spc="0" normalizeH="0" baseline="0" noProof="0" dirty="0" smtClean="0">
+                  <a:ln>
+                    <a:noFill/>
+                  </a:ln>
+                  <a:solidFill>
+                    <a:prstClr val="white"/>
+                  </a:solidFill>
+                  <a:effectLst/>
+                  <a:uLnTx/>
+                  <a:uFillTx/>
+                  <a:latin typeface="Calibri"/>
+                  <a:ea typeface="+mn-ea"/>
+                  <a:cs typeface="+mn-cs"/>
+                </a:rPr>
+                <a:t>Unit Tests</a:t>
+              </a:r>
+            </a:p>
+            <a:p>
+              <a:pPr marL="0" marR="0" lvl="0" indent="0" algn="ctr" defTabSz="914400" eaLnBrk="1" fontAlgn="auto" latinLnBrk="0" hangingPunct="1">
+                <a:lnSpc>
+                  <a:spcPct val="100000"/>
+                </a:lnSpc>
+                <a:spcBef>
+                  <a:spcPts val="0"/>
+                </a:spcBef>
+                <a:spcAft>
+                  <a:spcPts val="0"/>
+                </a:spcAft>
+                <a:buClrTx/>
+                <a:buSzTx/>
+                <a:buFontTx/>
+                <a:buNone/>
+                <a:tabLst/>
+                <a:defRPr/>
+              </a:pPr>
+              <a:r>
+                <a:rPr kumimoji="0" lang="en-US" sz="2200" b="0" i="0" u="none" strike="noStrike" kern="0" cap="none" spc="0" normalizeH="0" baseline="0" noProof="0" dirty="0" smtClean="0">
+                  <a:ln>
+                    <a:noFill/>
+                  </a:ln>
+                  <a:solidFill>
+                    <a:prstClr val="white"/>
+                  </a:solidFill>
+                  <a:effectLst/>
+                  <a:uLnTx/>
+                  <a:uFillTx/>
+                  <a:latin typeface="Calibri"/>
+                  <a:ea typeface="+mn-ea"/>
+                  <a:cs typeface="+mn-cs"/>
+                </a:rPr>
+                <a:t>Integration Tests</a:t>
+              </a:r>
+            </a:p>
+            <a:p>
+              <a:pPr marL="0" marR="0" lvl="0" indent="0" algn="ctr" defTabSz="914400" eaLnBrk="1" fontAlgn="auto" latinLnBrk="0" hangingPunct="1">
+                <a:lnSpc>
+                  <a:spcPct val="100000"/>
+                </a:lnSpc>
+                <a:spcBef>
+                  <a:spcPts val="0"/>
+                </a:spcBef>
+                <a:spcAft>
+                  <a:spcPts val="0"/>
+                </a:spcAft>
+                <a:buClrTx/>
+                <a:buSzTx/>
+                <a:buFontTx/>
+                <a:buNone/>
+                <a:tabLst/>
+                <a:defRPr/>
+              </a:pPr>
+              <a:r>
+                <a:rPr lang="en-US" sz="2200" kern="0" dirty="0" smtClean="0">
+                  <a:solidFill>
+                    <a:prstClr val="white"/>
+                  </a:solidFill>
+                  <a:latin typeface="Calibri"/>
+                  <a:cs typeface="+mn-cs"/>
+                </a:rPr>
+                <a:t>System Tests</a:t>
+              </a:r>
+              <a:endParaRPr kumimoji="0" lang="en-US" sz="2200" b="0" i="0" u="none" strike="noStrike" kern="0" cap="none" spc="0" normalizeH="0" baseline="0" noProof="0" dirty="0" smtClean="0">
+                <a:ln>
+                  <a:noFill/>
+                </a:ln>
+                <a:solidFill>
+                  <a:prstClr val="white"/>
+                </a:solidFill>
+                <a:effectLst/>
+                <a:uLnTx/>
+                <a:uFillTx/>
+                <a:latin typeface="Calibri"/>
+                <a:ea typeface="+mn-ea"/>
+                <a:cs typeface="+mn-cs"/>
+              </a:endParaRPr>
+            </a:p>
+          </p:txBody>
+        </p:sp>
+        <p:sp>
+          <p:nvSpPr>
+            <p:cNvPr id="26" name="25 Rectángulo"/>
+            <p:cNvSpPr/>
+            <p:nvPr/>
+          </p:nvSpPr>
+          <p:spPr>
+            <a:xfrm>
+              <a:off x="4572000" y="1800000"/>
+              <a:ext cx="3024000" cy="1944000"/>
+            </a:xfrm>
+            <a:prstGeom prst="rect">
+              <a:avLst/>
+            </a:prstGeom>
+            <a:solidFill>
+              <a:srgbClr val="4F81BD"/>
+            </a:solidFill>
+            <a:ln w="38100" cap="flat" cmpd="sng" algn="ctr">
+              <a:solidFill>
+                <a:sysClr val="window" lastClr="FFFFFF"/>
+              </a:solidFill>
+              <a:prstDash val="solid"/>
+            </a:ln>
+            <a:effectLst>
+              <a:outerShdw blurRad="40000" dist="20000" dir="5400000" rotWithShape="0">
+                <a:srgbClr val="000000">
+                  <a:alpha val="38000"/>
+                </a:srgbClr>
+              </a:outerShdw>
+            </a:effectLst>
+          </p:spPr>
+          <p:txBody>
+            <a:bodyPr rtlCol="0" anchor="ctr"/>
+            <a:lstStyle/>
+            <a:p>
+              <a:pPr marL="0" marR="0" lvl="0" indent="0" algn="ctr" defTabSz="914400" eaLnBrk="1" fontAlgn="auto" latinLnBrk="0" hangingPunct="1">
+                <a:lnSpc>
+                  <a:spcPct val="100000"/>
+                </a:lnSpc>
+                <a:spcBef>
+                  <a:spcPts val="0"/>
+                </a:spcBef>
+                <a:spcAft>
+                  <a:spcPts val="0"/>
+                </a:spcAft>
+                <a:buClrTx/>
+                <a:buSzTx/>
+                <a:buFontTx/>
+                <a:buNone/>
+                <a:tabLst/>
+                <a:defRPr/>
+              </a:pPr>
+              <a:r>
+                <a:rPr kumimoji="0" lang="en-US" sz="2200" b="0" i="0" u="none" strike="noStrike" kern="0" cap="none" spc="0" normalizeH="0" baseline="0" noProof="0" dirty="0" smtClean="0">
+                  <a:ln>
+                    <a:noFill/>
+                  </a:ln>
+                  <a:solidFill>
+                    <a:prstClr val="white"/>
+                  </a:solidFill>
+                  <a:effectLst/>
+                  <a:uLnTx/>
+                  <a:uFillTx/>
+                  <a:latin typeface="Calibri"/>
+                  <a:ea typeface="+mn-ea"/>
+                  <a:cs typeface="+mn-cs"/>
+                </a:rPr>
+                <a:t>Usability Testing</a:t>
+              </a:r>
+            </a:p>
+            <a:p>
+              <a:pPr marL="0" marR="0" lvl="0" indent="0" algn="ctr" defTabSz="914400" eaLnBrk="1" fontAlgn="auto" latinLnBrk="0" hangingPunct="1">
+                <a:lnSpc>
+                  <a:spcPct val="100000"/>
+                </a:lnSpc>
+                <a:spcBef>
+                  <a:spcPts val="0"/>
+                </a:spcBef>
+                <a:spcAft>
+                  <a:spcPts val="0"/>
+                </a:spcAft>
+                <a:buClrTx/>
+                <a:buSzTx/>
+                <a:buFontTx/>
+                <a:buNone/>
+                <a:tabLst/>
+                <a:defRPr/>
+              </a:pPr>
+              <a:r>
+                <a:rPr kumimoji="0" lang="en-US" sz="2200" b="0" i="0" u="none" strike="noStrike" kern="0" cap="none" spc="0" normalizeH="0" baseline="0" noProof="0" dirty="0" smtClean="0">
+                  <a:ln>
+                    <a:noFill/>
+                  </a:ln>
+                  <a:solidFill>
+                    <a:prstClr val="white"/>
+                  </a:solidFill>
+                  <a:effectLst/>
+                  <a:uLnTx/>
+                  <a:uFillTx/>
+                  <a:latin typeface="Calibri"/>
+                  <a:ea typeface="+mn-ea"/>
+                  <a:cs typeface="+mn-cs"/>
+                </a:rPr>
+                <a:t>Exploratory Testing</a:t>
+              </a:r>
+              <a:br>
+                <a:rPr kumimoji="0" lang="en-US" sz="2200" b="0" i="0" u="none" strike="noStrike" kern="0" cap="none" spc="0" normalizeH="0" baseline="0" noProof="0" dirty="0" smtClean="0">
+                  <a:ln>
+                    <a:noFill/>
+                  </a:ln>
+                  <a:solidFill>
+                    <a:prstClr val="white"/>
+                  </a:solidFill>
+                  <a:effectLst/>
+                  <a:uLnTx/>
+                  <a:uFillTx/>
+                  <a:latin typeface="Calibri"/>
+                  <a:ea typeface="+mn-ea"/>
+                  <a:cs typeface="+mn-cs"/>
+                </a:rPr>
+              </a:br>
+              <a:r>
+                <a:rPr kumimoji="0" lang="en-US" sz="2200" b="0" i="0" u="none" strike="noStrike" kern="0" cap="none" spc="0" normalizeH="0" baseline="0" noProof="0" dirty="0" smtClean="0">
+                  <a:ln>
+                    <a:noFill/>
+                  </a:ln>
+                  <a:solidFill>
+                    <a:prstClr val="white"/>
+                  </a:solidFill>
+                  <a:effectLst/>
+                  <a:uLnTx/>
+                  <a:uFillTx/>
+                  <a:latin typeface="Calibri"/>
+                  <a:ea typeface="+mn-ea"/>
+                  <a:cs typeface="+mn-cs"/>
+                </a:rPr>
+                <a:t>User Acceptance Tests</a:t>
+              </a:r>
+            </a:p>
+          </p:txBody>
+        </p:sp>
+        <p:sp>
+          <p:nvSpPr>
+            <p:cNvPr id="27" name="26 Rectángulo"/>
+            <p:cNvSpPr/>
+            <p:nvPr/>
+          </p:nvSpPr>
+          <p:spPr>
+            <a:xfrm>
+              <a:off x="4572000" y="3744000"/>
+              <a:ext cx="3024000" cy="1944000"/>
+            </a:xfrm>
+            <a:prstGeom prst="rect">
+              <a:avLst/>
+            </a:prstGeom>
+            <a:solidFill>
+              <a:srgbClr val="4F81BD"/>
+            </a:solidFill>
+            <a:ln w="38100" cap="flat" cmpd="sng" algn="ctr">
+              <a:solidFill>
+                <a:sysClr val="window" lastClr="FFFFFF"/>
+              </a:solidFill>
+              <a:prstDash val="solid"/>
+            </a:ln>
+            <a:effectLst>
+              <a:outerShdw blurRad="40000" dist="20000" dir="5400000" rotWithShape="0">
+                <a:srgbClr val="000000">
+                  <a:alpha val="38000"/>
+                </a:srgbClr>
+              </a:outerShdw>
+            </a:effectLst>
+          </p:spPr>
+          <p:txBody>
+            <a:bodyPr rtlCol="0" anchor="ctr"/>
+            <a:lstStyle/>
+            <a:p>
+              <a:pPr marL="0" marR="0" lvl="0" indent="0" algn="ctr" defTabSz="914400" eaLnBrk="1" fontAlgn="auto" latinLnBrk="0" hangingPunct="1">
+                <a:lnSpc>
+                  <a:spcPct val="100000"/>
+                </a:lnSpc>
+                <a:spcBef>
+                  <a:spcPts val="0"/>
+                </a:spcBef>
+                <a:spcAft>
+                  <a:spcPts val="0"/>
+                </a:spcAft>
+                <a:buClrTx/>
+                <a:buSzTx/>
+                <a:buFontTx/>
+                <a:buNone/>
+                <a:tabLst/>
+                <a:defRPr/>
+              </a:pPr>
+              <a:r>
+                <a:rPr kumimoji="0" lang="en-US" sz="2200" b="0" i="0" u="none" strike="noStrike" kern="0" cap="none" spc="0" normalizeH="0" baseline="0" noProof="0" smtClean="0">
+                  <a:ln>
+                    <a:noFill/>
+                  </a:ln>
+                  <a:solidFill>
+                    <a:prstClr val="white"/>
+                  </a:solidFill>
+                  <a:effectLst/>
+                  <a:uLnTx/>
+                  <a:uFillTx/>
+                  <a:latin typeface="Calibri"/>
+                  <a:ea typeface="+mn-ea"/>
+                  <a:cs typeface="+mn-cs"/>
+                </a:rPr>
+                <a:t>Performance Testing</a:t>
+              </a:r>
+            </a:p>
+            <a:p>
+              <a:pPr marL="0" marR="0" lvl="0" indent="0" algn="ctr" defTabSz="914400" eaLnBrk="1" fontAlgn="auto" latinLnBrk="0" hangingPunct="1">
+                <a:lnSpc>
+                  <a:spcPct val="100000"/>
+                </a:lnSpc>
+                <a:spcBef>
+                  <a:spcPts val="0"/>
+                </a:spcBef>
+                <a:spcAft>
+                  <a:spcPts val="0"/>
+                </a:spcAft>
+                <a:buClrTx/>
+                <a:buSzTx/>
+                <a:buFontTx/>
+                <a:buNone/>
+                <a:tabLst/>
+                <a:defRPr/>
+              </a:pPr>
+              <a:r>
+                <a:rPr kumimoji="0" lang="en-US" sz="2200" b="0" i="0" u="none" strike="noStrike" kern="0" cap="none" spc="0" normalizeH="0" baseline="0" noProof="0" smtClean="0">
+                  <a:ln>
+                    <a:noFill/>
+                  </a:ln>
+                  <a:solidFill>
+                    <a:prstClr val="white"/>
+                  </a:solidFill>
+                  <a:effectLst/>
+                  <a:uLnTx/>
+                  <a:uFillTx/>
+                  <a:latin typeface="Calibri"/>
+                  <a:ea typeface="+mn-ea"/>
+                  <a:cs typeface="+mn-cs"/>
+                </a:rPr>
+                <a:t>Security Testing</a:t>
+              </a:r>
+            </a:p>
+          </p:txBody>
+        </p:sp>
+        <p:sp>
+          <p:nvSpPr>
+            <p:cNvPr id="28" name="27 CuadroTexto"/>
+            <p:cNvSpPr txBox="1"/>
+            <p:nvPr/>
+          </p:nvSpPr>
+          <p:spPr>
+            <a:xfrm>
+              <a:off x="3346309" y="1258396"/>
+              <a:ext cx="2451312" cy="523220"/>
+            </a:xfrm>
+            <a:prstGeom prst="rect">
+              <a:avLst/>
+            </a:prstGeom>
+            <a:noFill/>
+          </p:spPr>
+          <p:txBody>
+            <a:bodyPr wrap="none" rtlCol="0">
+              <a:spAutoFit/>
+            </a:bodyPr>
+            <a:lstStyle/>
+            <a:p>
+              <a:pPr marL="0" marR="0" lvl="0" indent="0" defTabSz="914400" eaLnBrk="1" fontAlgn="auto" latinLnBrk="0" hangingPunct="1">
+                <a:lnSpc>
+                  <a:spcPct val="100000"/>
+                </a:lnSpc>
+                <a:spcBef>
+                  <a:spcPts val="0"/>
+                </a:spcBef>
+                <a:spcAft>
+                  <a:spcPts val="0"/>
+                </a:spcAft>
+                <a:buClrTx/>
+                <a:buSzTx/>
+                <a:buFontTx/>
+                <a:buNone/>
+                <a:tabLst/>
+                <a:defRPr/>
+              </a:pPr>
+              <a:r>
+                <a:rPr kumimoji="0" lang="en-US" sz="2800" b="0" i="0" u="none" strike="noStrike" kern="0" cap="none" spc="0" normalizeH="0" baseline="0" noProof="0" dirty="0" smtClean="0">
+                  <a:ln>
+                    <a:noFill/>
+                  </a:ln>
+                  <a:effectLst/>
+                  <a:uLnTx/>
+                  <a:uFillTx/>
+                  <a:latin typeface="Calibri"/>
+                  <a:cs typeface="+mn-cs"/>
+                </a:rPr>
+                <a:t>Business Facing</a:t>
+              </a:r>
+            </a:p>
+          </p:txBody>
+        </p:sp>
+        <p:sp>
+          <p:nvSpPr>
+            <p:cNvPr id="29" name="28 CuadroTexto"/>
+            <p:cNvSpPr txBox="1"/>
+            <p:nvPr/>
+          </p:nvSpPr>
+          <p:spPr>
+            <a:xfrm>
+              <a:off x="3139775" y="5723556"/>
+              <a:ext cx="2868093" cy="523220"/>
+            </a:xfrm>
+            <a:prstGeom prst="rect">
+              <a:avLst/>
+            </a:prstGeom>
+            <a:noFill/>
+          </p:spPr>
+          <p:txBody>
+            <a:bodyPr wrap="none" rtlCol="0">
+              <a:spAutoFit/>
+            </a:bodyPr>
+            <a:lstStyle/>
+            <a:p>
+              <a:pPr marL="0" marR="0" lvl="0" indent="0" defTabSz="914400" eaLnBrk="1" fontAlgn="auto" latinLnBrk="0" hangingPunct="1">
+                <a:lnSpc>
+                  <a:spcPct val="100000"/>
+                </a:lnSpc>
+                <a:spcBef>
+                  <a:spcPts val="0"/>
+                </a:spcBef>
+                <a:spcAft>
+                  <a:spcPts val="0"/>
+                </a:spcAft>
+                <a:buClrTx/>
+                <a:buSzTx/>
+                <a:buFontTx/>
+                <a:buNone/>
+                <a:tabLst/>
+                <a:defRPr/>
+              </a:pPr>
+              <a:r>
+                <a:rPr kumimoji="0" lang="en-US" sz="2800" b="0" i="0" u="none" strike="noStrike" kern="0" cap="none" spc="0" normalizeH="0" baseline="0" noProof="0" dirty="0" smtClean="0">
+                  <a:ln>
+                    <a:noFill/>
+                  </a:ln>
+                  <a:effectLst/>
+                  <a:uLnTx/>
+                  <a:uFillTx/>
+                  <a:latin typeface="Calibri"/>
+                  <a:cs typeface="+mn-cs"/>
+                </a:rPr>
+                <a:t>Technology Facing</a:t>
+              </a:r>
+            </a:p>
+          </p:txBody>
+        </p:sp>
+        <p:sp>
+          <p:nvSpPr>
+            <p:cNvPr id="30" name="29 CuadroTexto"/>
+            <p:cNvSpPr txBox="1"/>
+            <p:nvPr/>
+          </p:nvSpPr>
+          <p:spPr>
+            <a:xfrm>
+              <a:off x="936430" y="2516687"/>
+              <a:ext cx="615553" cy="2524088"/>
+            </a:xfrm>
+            <a:prstGeom prst="rect">
+              <a:avLst/>
+            </a:prstGeom>
+            <a:noFill/>
+          </p:spPr>
+          <p:txBody>
+            <a:bodyPr vert="vert270" wrap="none" rtlCol="0">
+              <a:spAutoFit/>
+            </a:bodyPr>
+            <a:lstStyle/>
+            <a:p>
+              <a:pPr marL="0" marR="0" lvl="0" indent="0" algn="ctr" defTabSz="914400" eaLnBrk="1" fontAlgn="auto" latinLnBrk="0" hangingPunct="1">
+                <a:lnSpc>
+                  <a:spcPct val="100000"/>
+                </a:lnSpc>
+                <a:spcBef>
+                  <a:spcPts val="0"/>
+                </a:spcBef>
+                <a:spcAft>
+                  <a:spcPts val="0"/>
+                </a:spcAft>
+                <a:buClrTx/>
+                <a:buSzTx/>
+                <a:buFontTx/>
+                <a:buNone/>
+                <a:tabLst/>
+                <a:defRPr/>
+              </a:pPr>
+              <a:r>
+                <a:rPr kumimoji="0" lang="en-US" sz="2800" b="0" i="0" u="none" strike="noStrike" kern="0" cap="none" normalizeH="0" baseline="0" noProof="0" dirty="0" smtClean="0">
+                  <a:ln>
+                    <a:noFill/>
+                  </a:ln>
+                  <a:effectLst/>
+                  <a:uLnTx/>
+                  <a:uFillTx/>
+                  <a:latin typeface="Calibri"/>
+                  <a:cs typeface="+mn-cs"/>
+                </a:rPr>
+                <a:t>Develop</a:t>
+              </a:r>
+              <a:r>
+                <a:rPr kumimoji="0" lang="en-US" sz="2800" b="0" i="0" u="none" strike="noStrike" kern="0" cap="none" normalizeH="0" noProof="0" dirty="0" smtClean="0">
+                  <a:ln>
+                    <a:noFill/>
+                  </a:ln>
+                  <a:effectLst/>
+                  <a:uLnTx/>
+                  <a:uFillTx/>
+                  <a:latin typeface="Calibri"/>
+                  <a:cs typeface="+mn-cs"/>
+                </a:rPr>
+                <a:t> Product</a:t>
+              </a:r>
+              <a:endParaRPr kumimoji="0" lang="en-US" sz="2800" b="0" i="0" u="none" strike="noStrike" kern="0" cap="none" normalizeH="0" baseline="0" noProof="0" dirty="0" smtClean="0">
+                <a:ln>
+                  <a:noFill/>
+                </a:ln>
+                <a:effectLst/>
+                <a:uLnTx/>
+                <a:uFillTx/>
+                <a:latin typeface="Calibri"/>
+                <a:cs typeface="+mn-cs"/>
+              </a:endParaRPr>
+            </a:p>
+          </p:txBody>
+        </p:sp>
+        <p:sp>
+          <p:nvSpPr>
+            <p:cNvPr id="31" name="30 CuadroTexto"/>
+            <p:cNvSpPr txBox="1"/>
+            <p:nvPr/>
+          </p:nvSpPr>
+          <p:spPr>
+            <a:xfrm>
+              <a:off x="7594017" y="2509047"/>
+              <a:ext cx="615553" cy="2480807"/>
+            </a:xfrm>
+            <a:prstGeom prst="rect">
+              <a:avLst/>
+            </a:prstGeom>
+            <a:noFill/>
+          </p:spPr>
+          <p:txBody>
+            <a:bodyPr vert="vert" wrap="none" rtlCol="0">
+              <a:spAutoFit/>
+            </a:bodyPr>
+            <a:lstStyle/>
+            <a:p>
+              <a:pPr marL="0" marR="0" lvl="0" indent="0" defTabSz="914400" eaLnBrk="1" fontAlgn="auto" latinLnBrk="0" hangingPunct="1">
+                <a:lnSpc>
+                  <a:spcPct val="100000"/>
+                </a:lnSpc>
+                <a:spcBef>
+                  <a:spcPts val="0"/>
+                </a:spcBef>
+                <a:spcAft>
+                  <a:spcPts val="0"/>
+                </a:spcAft>
+                <a:buClrTx/>
+                <a:buSzTx/>
+                <a:buFontTx/>
+                <a:buNone/>
+                <a:tabLst/>
+                <a:defRPr/>
+              </a:pPr>
+              <a:r>
+                <a:rPr kumimoji="0" lang="en-US" sz="2800" b="0" i="0" u="none" strike="noStrike" kern="0" cap="none" spc="0" normalizeH="0" baseline="0" noProof="0" dirty="0" smtClean="0">
+                  <a:ln>
+                    <a:noFill/>
+                  </a:ln>
+                  <a:effectLst/>
+                  <a:uLnTx/>
+                  <a:uFillTx/>
+                  <a:latin typeface="Calibri"/>
+                  <a:cs typeface="+mn-cs"/>
+                </a:rPr>
+                <a:t>Critique Product</a:t>
+              </a:r>
+            </a:p>
+          </p:txBody>
+        </p:sp>
+        <p:sp>
+          <p:nvSpPr>
+            <p:cNvPr id="32" name="31 Octágono"/>
+            <p:cNvSpPr/>
+            <p:nvPr/>
+          </p:nvSpPr>
+          <p:spPr>
+            <a:xfrm>
+              <a:off x="6181363" y="1458068"/>
+              <a:ext cx="1800000" cy="648000"/>
+            </a:xfrm>
+            <a:prstGeom prst="octagon">
+              <a:avLst/>
+            </a:prstGeom>
+            <a:solidFill>
+              <a:srgbClr val="9BBB59"/>
+            </a:solidFill>
+            <a:ln w="38100" cap="flat" cmpd="sng" algn="ctr">
+              <a:solidFill>
+                <a:sysClr val="window" lastClr="FFFFFF"/>
+              </a:solidFill>
+              <a:prstDash val="solid"/>
+            </a:ln>
+            <a:effectLst>
+              <a:outerShdw blurRad="40000" dist="20000" dir="5400000" rotWithShape="0">
+                <a:srgbClr val="000000">
+                  <a:alpha val="38000"/>
+                </a:srgbClr>
+              </a:outerShdw>
+            </a:effectLst>
+          </p:spPr>
+          <p:txBody>
+            <a:bodyPr rtlCol="0" anchor="ctr"/>
+            <a:lstStyle/>
+            <a:p>
+              <a:pPr marL="0" marR="0" lvl="0" indent="0" algn="ctr" defTabSz="914400" eaLnBrk="1" fontAlgn="auto" latinLnBrk="0" hangingPunct="1">
+                <a:lnSpc>
+                  <a:spcPct val="100000"/>
+                </a:lnSpc>
+                <a:spcBef>
+                  <a:spcPts val="0"/>
+                </a:spcBef>
+                <a:spcAft>
+                  <a:spcPts val="0"/>
+                </a:spcAft>
+                <a:buClrTx/>
+                <a:buSzTx/>
+                <a:buFontTx/>
+                <a:buNone/>
+                <a:tabLst/>
+                <a:defRPr/>
+              </a:pPr>
+              <a:r>
+                <a:rPr kumimoji="0" lang="es-PE" sz="2200" b="0" i="0" u="none" strike="noStrike" kern="0" cap="none" spc="0" normalizeH="0" baseline="0" noProof="0" dirty="0" smtClean="0">
+                  <a:ln>
+                    <a:noFill/>
+                  </a:ln>
+                  <a:solidFill>
+                    <a:prstClr val="white"/>
+                  </a:solidFill>
+                  <a:effectLst/>
+                  <a:uLnTx/>
+                  <a:uFillTx/>
+                  <a:latin typeface="Calibri"/>
+                  <a:ea typeface="+mn-ea"/>
+                  <a:cs typeface="+mn-cs"/>
+                </a:rPr>
+                <a:t>Manual</a:t>
+              </a:r>
+            </a:p>
+          </p:txBody>
+        </p:sp>
+        <p:sp>
+          <p:nvSpPr>
+            <p:cNvPr id="33" name="32 Octágono"/>
+            <p:cNvSpPr/>
+            <p:nvPr/>
+          </p:nvSpPr>
+          <p:spPr>
+            <a:xfrm>
+              <a:off x="6181363" y="5291999"/>
+              <a:ext cx="1800000" cy="720000"/>
+            </a:xfrm>
+            <a:prstGeom prst="octagon">
+              <a:avLst/>
+            </a:prstGeom>
+            <a:solidFill>
+              <a:srgbClr val="9BBB59"/>
+            </a:solidFill>
+            <a:ln w="38100" cap="flat" cmpd="sng" algn="ctr">
+              <a:solidFill>
+                <a:sysClr val="window" lastClr="FFFFFF"/>
+              </a:solidFill>
+              <a:prstDash val="solid"/>
+            </a:ln>
+            <a:effectLst>
+              <a:outerShdw blurRad="40000" dist="20000" dir="5400000" rotWithShape="0">
+                <a:srgbClr val="000000">
+                  <a:alpha val="38000"/>
+                </a:srgbClr>
+              </a:outerShdw>
+            </a:effectLst>
+          </p:spPr>
+          <p:txBody>
+            <a:bodyPr rtlCol="0" anchor="ctr"/>
+            <a:lstStyle/>
+            <a:p>
+              <a:pPr marL="0" marR="0" lvl="0" indent="0" algn="ctr" defTabSz="914400" eaLnBrk="1" fontAlgn="auto" latinLnBrk="0" hangingPunct="1">
+                <a:lnSpc>
+                  <a:spcPct val="100000"/>
+                </a:lnSpc>
+                <a:spcBef>
+                  <a:spcPts val="0"/>
+                </a:spcBef>
+                <a:spcAft>
+                  <a:spcPts val="0"/>
+                </a:spcAft>
+                <a:buClrTx/>
+                <a:buSzTx/>
+                <a:buFontTx/>
+                <a:buNone/>
+                <a:tabLst/>
+                <a:defRPr/>
+              </a:pPr>
+              <a:r>
+                <a:rPr kumimoji="0" lang="es-PE" sz="2200" b="0" i="0" u="none" strike="noStrike" kern="0" cap="none" spc="0" normalizeH="0" baseline="0" noProof="0" dirty="0" err="1" smtClean="0">
+                  <a:ln>
+                    <a:noFill/>
+                  </a:ln>
+                  <a:solidFill>
+                    <a:prstClr val="white"/>
+                  </a:solidFill>
+                  <a:effectLst/>
+                  <a:uLnTx/>
+                  <a:uFillTx/>
+                  <a:latin typeface="Calibri"/>
+                  <a:ea typeface="+mn-ea"/>
+                  <a:cs typeface="+mn-cs"/>
+                </a:rPr>
+                <a:t>Automated</a:t>
+              </a:r>
+              <a:r>
+                <a:rPr kumimoji="0" lang="es-PE" sz="2200" b="0" i="0" u="none" strike="noStrike" kern="0" cap="none" spc="0" normalizeH="0" baseline="0" noProof="0" dirty="0" smtClean="0">
+                  <a:ln>
+                    <a:noFill/>
+                  </a:ln>
+                  <a:solidFill>
+                    <a:prstClr val="white"/>
+                  </a:solidFill>
+                  <a:effectLst/>
+                  <a:uLnTx/>
+                  <a:uFillTx/>
+                  <a:latin typeface="Calibri"/>
+                  <a:ea typeface="+mn-ea"/>
+                  <a:cs typeface="+mn-cs"/>
+                </a:rPr>
+                <a:t> </a:t>
+              </a:r>
+              <a:br>
+                <a:rPr kumimoji="0" lang="es-PE" sz="2200" b="0" i="0" u="none" strike="noStrike" kern="0" cap="none" spc="0" normalizeH="0" baseline="0" noProof="0" dirty="0" smtClean="0">
+                  <a:ln>
+                    <a:noFill/>
+                  </a:ln>
+                  <a:solidFill>
+                    <a:prstClr val="white"/>
+                  </a:solidFill>
+                  <a:effectLst/>
+                  <a:uLnTx/>
+                  <a:uFillTx/>
+                  <a:latin typeface="Calibri"/>
+                  <a:ea typeface="+mn-ea"/>
+                  <a:cs typeface="+mn-cs"/>
+                </a:rPr>
+              </a:br>
+              <a:r>
+                <a:rPr kumimoji="0" lang="es-PE" sz="2200" b="0" i="0" u="none" strike="noStrike" kern="0" cap="none" spc="0" normalizeH="0" baseline="0" noProof="0" dirty="0" smtClean="0">
+                  <a:ln>
+                    <a:noFill/>
+                  </a:ln>
+                  <a:solidFill>
+                    <a:prstClr val="white"/>
+                  </a:solidFill>
+                  <a:effectLst/>
+                  <a:uLnTx/>
+                  <a:uFillTx/>
+                  <a:latin typeface="Calibri"/>
+                  <a:ea typeface="+mn-ea"/>
+                  <a:cs typeface="+mn-cs"/>
+                </a:rPr>
+                <a:t>Manual</a:t>
+              </a:r>
+            </a:p>
+          </p:txBody>
+        </p:sp>
+        <p:sp>
+          <p:nvSpPr>
+            <p:cNvPr id="34" name="33 Octágono"/>
+            <p:cNvSpPr/>
+            <p:nvPr/>
+          </p:nvSpPr>
+          <p:spPr>
+            <a:xfrm>
+              <a:off x="1043608" y="1399462"/>
+              <a:ext cx="1800000" cy="720000"/>
+            </a:xfrm>
+            <a:prstGeom prst="octagon">
+              <a:avLst/>
+            </a:prstGeom>
+            <a:solidFill>
+              <a:srgbClr val="9BBB59"/>
+            </a:solidFill>
+            <a:ln w="38100" cap="flat" cmpd="sng" algn="ctr">
+              <a:solidFill>
+                <a:sysClr val="window" lastClr="FFFFFF"/>
+              </a:solidFill>
+              <a:prstDash val="solid"/>
+            </a:ln>
+            <a:effectLst>
+              <a:outerShdw blurRad="40000" dist="20000" dir="5400000" rotWithShape="0">
+                <a:srgbClr val="000000">
+                  <a:alpha val="38000"/>
+                </a:srgbClr>
+              </a:outerShdw>
+            </a:effectLst>
+          </p:spPr>
+          <p:txBody>
+            <a:bodyPr rtlCol="0" anchor="ctr"/>
+            <a:lstStyle/>
+            <a:p>
+              <a:pPr marL="0" marR="0" lvl="0" indent="0" algn="ctr" defTabSz="914400" eaLnBrk="1" fontAlgn="auto" latinLnBrk="0" hangingPunct="1">
+                <a:lnSpc>
+                  <a:spcPct val="100000"/>
+                </a:lnSpc>
+                <a:spcBef>
+                  <a:spcPts val="0"/>
+                </a:spcBef>
+                <a:spcAft>
+                  <a:spcPts val="0"/>
+                </a:spcAft>
+                <a:buClrTx/>
+                <a:buSzTx/>
+                <a:buFontTx/>
+                <a:buNone/>
+                <a:tabLst/>
+                <a:defRPr/>
+              </a:pPr>
+              <a:r>
+                <a:rPr kumimoji="0" lang="es-PE" sz="2200" b="0" i="0" u="none" strike="noStrike" kern="0" cap="none" spc="0" normalizeH="0" baseline="0" noProof="0" dirty="0" err="1" smtClean="0">
+                  <a:ln>
+                    <a:noFill/>
+                  </a:ln>
+                  <a:solidFill>
+                    <a:prstClr val="white"/>
+                  </a:solidFill>
+                  <a:effectLst/>
+                  <a:uLnTx/>
+                  <a:uFillTx/>
+                  <a:latin typeface="Calibri"/>
+                  <a:ea typeface="+mn-ea"/>
+                  <a:cs typeface="+mn-cs"/>
+                </a:rPr>
+                <a:t>Automated</a:t>
+              </a:r>
+              <a:r>
+                <a:rPr kumimoji="0" lang="es-PE" sz="2200" b="0" i="0" u="none" strike="noStrike" kern="0" cap="none" spc="0" normalizeH="0" baseline="0" noProof="0" dirty="0" smtClean="0">
+                  <a:ln>
+                    <a:noFill/>
+                  </a:ln>
+                  <a:solidFill>
+                    <a:prstClr val="white"/>
+                  </a:solidFill>
+                  <a:effectLst/>
+                  <a:uLnTx/>
+                  <a:uFillTx/>
+                  <a:latin typeface="Calibri"/>
+                  <a:ea typeface="+mn-ea"/>
+                  <a:cs typeface="+mn-cs"/>
+                </a:rPr>
+                <a:t> </a:t>
+              </a:r>
+              <a:br>
+                <a:rPr kumimoji="0" lang="es-PE" sz="2200" b="0" i="0" u="none" strike="noStrike" kern="0" cap="none" spc="0" normalizeH="0" baseline="0" noProof="0" dirty="0" smtClean="0">
+                  <a:ln>
+                    <a:noFill/>
+                  </a:ln>
+                  <a:solidFill>
+                    <a:prstClr val="white"/>
+                  </a:solidFill>
+                  <a:effectLst/>
+                  <a:uLnTx/>
+                  <a:uFillTx/>
+                  <a:latin typeface="Calibri"/>
+                  <a:ea typeface="+mn-ea"/>
+                  <a:cs typeface="+mn-cs"/>
+                </a:rPr>
+              </a:br>
+              <a:r>
+                <a:rPr kumimoji="0" lang="es-PE" sz="2200" b="0" i="0" u="none" strike="noStrike" kern="0" cap="none" spc="0" normalizeH="0" baseline="0" noProof="0" dirty="0" smtClean="0">
+                  <a:ln>
+                    <a:noFill/>
+                  </a:ln>
+                  <a:solidFill>
+                    <a:prstClr val="white"/>
+                  </a:solidFill>
+                  <a:effectLst/>
+                  <a:uLnTx/>
+                  <a:uFillTx/>
+                  <a:latin typeface="Calibri"/>
+                  <a:ea typeface="+mn-ea"/>
+                  <a:cs typeface="+mn-cs"/>
+                </a:rPr>
+                <a:t>Manual</a:t>
+              </a:r>
+            </a:p>
+          </p:txBody>
+        </p:sp>
+        <p:sp>
+          <p:nvSpPr>
+            <p:cNvPr id="35" name="34 Octágono"/>
+            <p:cNvSpPr/>
+            <p:nvPr/>
+          </p:nvSpPr>
+          <p:spPr>
+            <a:xfrm>
+              <a:off x="1043608" y="5350606"/>
+              <a:ext cx="1800000" cy="648000"/>
+            </a:xfrm>
+            <a:prstGeom prst="octagon">
+              <a:avLst/>
+            </a:prstGeom>
+            <a:solidFill>
+              <a:srgbClr val="9BBB59"/>
+            </a:solidFill>
+            <a:ln w="38100" cap="flat" cmpd="sng" algn="ctr">
+              <a:solidFill>
+                <a:sysClr val="window" lastClr="FFFFFF"/>
+              </a:solidFill>
+              <a:prstDash val="solid"/>
+            </a:ln>
+            <a:effectLst>
+              <a:outerShdw blurRad="40000" dist="20000" dir="5400000" rotWithShape="0">
+                <a:srgbClr val="000000">
+                  <a:alpha val="38000"/>
+                </a:srgbClr>
+              </a:outerShdw>
+            </a:effectLst>
+          </p:spPr>
+          <p:txBody>
+            <a:bodyPr rtlCol="0" anchor="ctr"/>
+            <a:lstStyle/>
+            <a:p>
+              <a:pPr marL="0" marR="0" lvl="0" indent="0" algn="ctr" defTabSz="914400" eaLnBrk="1" fontAlgn="auto" latinLnBrk="0" hangingPunct="1">
+                <a:lnSpc>
+                  <a:spcPct val="100000"/>
+                </a:lnSpc>
+                <a:spcBef>
+                  <a:spcPts val="0"/>
+                </a:spcBef>
+                <a:spcAft>
+                  <a:spcPts val="0"/>
+                </a:spcAft>
+                <a:buClrTx/>
+                <a:buSzTx/>
+                <a:buFontTx/>
+                <a:buNone/>
+                <a:tabLst/>
+                <a:defRPr/>
+              </a:pPr>
+              <a:r>
+                <a:rPr kumimoji="0" lang="es-PE" sz="2200" b="0" i="0" u="none" strike="noStrike" kern="0" cap="none" spc="0" normalizeH="0" baseline="0" noProof="0" dirty="0" err="1" smtClean="0">
+                  <a:ln>
+                    <a:noFill/>
+                  </a:ln>
+                  <a:solidFill>
+                    <a:prstClr val="white"/>
+                  </a:solidFill>
+                  <a:effectLst/>
+                  <a:uLnTx/>
+                  <a:uFillTx/>
+                  <a:latin typeface="Calibri"/>
+                  <a:ea typeface="+mn-ea"/>
+                  <a:cs typeface="+mn-cs"/>
+                </a:rPr>
+                <a:t>Automated</a:t>
+              </a:r>
+              <a:endParaRPr kumimoji="0" lang="es-PE" sz="2200" b="0" i="0" u="none" strike="noStrike" kern="0" cap="none" spc="0" normalizeH="0" baseline="0" noProof="0" dirty="0" smtClean="0">
+                <a:ln>
+                  <a:noFill/>
+                </a:ln>
+                <a:solidFill>
+                  <a:prstClr val="white"/>
+                </a:solidFill>
+                <a:effectLst/>
+                <a:uLnTx/>
+                <a:uFillTx/>
+                <a:latin typeface="Calibri"/>
+                <a:ea typeface="+mn-ea"/>
+                <a:cs typeface="+mn-cs"/>
+              </a:endParaRPr>
+            </a:p>
+          </p:txBody>
+        </p:sp>
+        <p:sp>
+          <p:nvSpPr>
+            <p:cNvPr id="36" name="35 CuadroTexto"/>
+            <p:cNvSpPr txBox="1"/>
+            <p:nvPr/>
+          </p:nvSpPr>
+          <p:spPr>
+            <a:xfrm>
+              <a:off x="4067944" y="3789040"/>
+              <a:ext cx="457176" cy="369332"/>
+            </a:xfrm>
+            <a:prstGeom prst="rect">
+              <a:avLst/>
+            </a:prstGeom>
+            <a:noFill/>
+          </p:spPr>
+          <p:txBody>
+            <a:bodyPr wrap="none" rtlCol="0">
+              <a:spAutoFit/>
+            </a:bodyPr>
+            <a:lstStyle/>
+            <a:p>
+              <a:pPr marL="0" marR="0" lvl="0" indent="0" defTabSz="914400" eaLnBrk="1" fontAlgn="auto" latinLnBrk="0" hangingPunct="1">
+                <a:lnSpc>
+                  <a:spcPct val="100000"/>
+                </a:lnSpc>
+                <a:spcBef>
+                  <a:spcPts val="0"/>
+                </a:spcBef>
+                <a:spcAft>
+                  <a:spcPts val="0"/>
+                </a:spcAft>
+                <a:buClrTx/>
+                <a:buSzTx/>
+                <a:buFontTx/>
+                <a:buNone/>
+                <a:tabLst/>
+                <a:defRPr/>
+              </a:pPr>
+              <a:r>
+                <a:rPr kumimoji="0" lang="es-PE" sz="1800" b="1" i="0" u="none" strike="noStrike" kern="0" cap="none" spc="0" normalizeH="0" baseline="0" noProof="0" dirty="0" smtClean="0">
+                  <a:ln>
+                    <a:noFill/>
+                  </a:ln>
+                  <a:solidFill>
+                    <a:prstClr val="white"/>
+                  </a:solidFill>
+                  <a:effectLst/>
+                  <a:uLnTx/>
+                  <a:uFillTx/>
+                  <a:latin typeface="Calibri"/>
+                  <a:cs typeface="+mn-cs"/>
+                </a:rPr>
+                <a:t>Q1</a:t>
+              </a:r>
+            </a:p>
+          </p:txBody>
+        </p:sp>
+        <p:sp>
+          <p:nvSpPr>
+            <p:cNvPr id="37" name="36 CuadroTexto"/>
+            <p:cNvSpPr txBox="1"/>
+            <p:nvPr/>
+          </p:nvSpPr>
+          <p:spPr>
+            <a:xfrm>
+              <a:off x="4067944" y="3356992"/>
+              <a:ext cx="460382" cy="369332"/>
+            </a:xfrm>
+            <a:prstGeom prst="rect">
+              <a:avLst/>
+            </a:prstGeom>
+            <a:noFill/>
+          </p:spPr>
+          <p:txBody>
+            <a:bodyPr wrap="none" rtlCol="0">
+              <a:spAutoFit/>
+            </a:bodyPr>
+            <a:lstStyle/>
+            <a:p>
+              <a:pPr marL="0" marR="0" lvl="0" indent="0" defTabSz="914400" eaLnBrk="1" fontAlgn="auto" latinLnBrk="0" hangingPunct="1">
+                <a:lnSpc>
+                  <a:spcPct val="100000"/>
+                </a:lnSpc>
+                <a:spcBef>
+                  <a:spcPts val="0"/>
+                </a:spcBef>
+                <a:spcAft>
+                  <a:spcPts val="0"/>
+                </a:spcAft>
+                <a:buClrTx/>
+                <a:buSzTx/>
+                <a:buFontTx/>
+                <a:buNone/>
+                <a:tabLst/>
+                <a:defRPr/>
+              </a:pPr>
+              <a:r>
+                <a:rPr kumimoji="0" lang="es-PE" sz="1800" b="1" i="0" u="none" strike="noStrike" kern="0" cap="none" spc="0" normalizeH="0" baseline="0" noProof="0" dirty="0" smtClean="0">
+                  <a:ln>
+                    <a:noFill/>
+                  </a:ln>
+                  <a:solidFill>
+                    <a:prstClr val="white"/>
+                  </a:solidFill>
+                  <a:effectLst/>
+                  <a:uLnTx/>
+                  <a:uFillTx/>
+                  <a:latin typeface="Calibri"/>
+                  <a:cs typeface="+mn-cs"/>
+                </a:rPr>
+                <a:t>Q2</a:t>
+              </a:r>
+            </a:p>
+          </p:txBody>
+        </p:sp>
+        <p:sp>
+          <p:nvSpPr>
+            <p:cNvPr id="38" name="37 CuadroTexto"/>
+            <p:cNvSpPr txBox="1"/>
+            <p:nvPr/>
+          </p:nvSpPr>
+          <p:spPr>
+            <a:xfrm>
+              <a:off x="4582676" y="3356992"/>
+              <a:ext cx="460382" cy="369332"/>
+            </a:xfrm>
+            <a:prstGeom prst="rect">
+              <a:avLst/>
+            </a:prstGeom>
+            <a:noFill/>
+          </p:spPr>
+          <p:txBody>
+            <a:bodyPr wrap="none" rtlCol="0">
+              <a:spAutoFit/>
+            </a:bodyPr>
+            <a:lstStyle/>
+            <a:p>
+              <a:pPr marL="0" marR="0" lvl="0" indent="0" defTabSz="914400" eaLnBrk="1" fontAlgn="auto" latinLnBrk="0" hangingPunct="1">
+                <a:lnSpc>
+                  <a:spcPct val="100000"/>
+                </a:lnSpc>
+                <a:spcBef>
+                  <a:spcPts val="0"/>
+                </a:spcBef>
+                <a:spcAft>
+                  <a:spcPts val="0"/>
+                </a:spcAft>
+                <a:buClrTx/>
+                <a:buSzTx/>
+                <a:buFontTx/>
+                <a:buNone/>
+                <a:tabLst/>
+                <a:defRPr/>
+              </a:pPr>
+              <a:r>
+                <a:rPr kumimoji="0" lang="es-PE" sz="1800" b="1" i="0" u="none" strike="noStrike" kern="0" cap="none" spc="0" normalizeH="0" baseline="0" noProof="0" dirty="0" smtClean="0">
+                  <a:ln>
+                    <a:noFill/>
+                  </a:ln>
+                  <a:solidFill>
+                    <a:prstClr val="white"/>
+                  </a:solidFill>
+                  <a:effectLst/>
+                  <a:uLnTx/>
+                  <a:uFillTx/>
+                  <a:latin typeface="Calibri"/>
+                  <a:cs typeface="+mn-cs"/>
+                </a:rPr>
+                <a:t>Q3</a:t>
+              </a:r>
+            </a:p>
+          </p:txBody>
+        </p:sp>
+        <p:sp>
+          <p:nvSpPr>
+            <p:cNvPr id="39" name="38 CuadroTexto"/>
+            <p:cNvSpPr txBox="1"/>
+            <p:nvPr/>
+          </p:nvSpPr>
+          <p:spPr>
+            <a:xfrm>
+              <a:off x="4582676" y="3789040"/>
+              <a:ext cx="460382" cy="369332"/>
+            </a:xfrm>
+            <a:prstGeom prst="rect">
+              <a:avLst/>
+            </a:prstGeom>
+            <a:noFill/>
+          </p:spPr>
+          <p:txBody>
+            <a:bodyPr wrap="none" rtlCol="0">
+              <a:spAutoFit/>
+            </a:bodyPr>
+            <a:lstStyle/>
+            <a:p>
+              <a:pPr marL="0" marR="0" lvl="0" indent="0" defTabSz="914400" eaLnBrk="1" fontAlgn="auto" latinLnBrk="0" hangingPunct="1">
+                <a:lnSpc>
+                  <a:spcPct val="100000"/>
+                </a:lnSpc>
+                <a:spcBef>
+                  <a:spcPts val="0"/>
+                </a:spcBef>
+                <a:spcAft>
+                  <a:spcPts val="0"/>
+                </a:spcAft>
+                <a:buClrTx/>
+                <a:buSzTx/>
+                <a:buFontTx/>
+                <a:buNone/>
+                <a:tabLst/>
+                <a:defRPr/>
+              </a:pPr>
+              <a:r>
+                <a:rPr kumimoji="0" lang="es-PE" sz="1800" b="1" i="0" u="none" strike="noStrike" kern="0" cap="none" spc="0" normalizeH="0" baseline="0" noProof="0" dirty="0" smtClean="0">
+                  <a:ln>
+                    <a:noFill/>
+                  </a:ln>
+                  <a:solidFill>
+                    <a:prstClr val="white"/>
+                  </a:solidFill>
+                  <a:effectLst/>
+                  <a:uLnTx/>
+                  <a:uFillTx/>
+                  <a:latin typeface="Calibri"/>
+                  <a:cs typeface="+mn-cs"/>
+                </a:rPr>
+                <a:t>Q4</a:t>
+              </a:r>
+            </a:p>
+          </p:txBody>
+        </p:sp>
+      </p:grpSp>
     </p:spTree>
     <p:extLst>
       <p:ext uri="{BB962C8B-B14F-4D97-AF65-F5344CB8AC3E}">
@@ -7906,7 +9471,7 @@
         </p:nvSpPr>
         <p:spPr>
           <a:xfrm>
-            <a:off x="529208" y="188640"/>
+            <a:off x="529208" y="476672"/>
             <a:ext cx="8229600" cy="864096"/>
           </a:xfrm>
         </p:spPr>
@@ -7923,454 +9488,218 @@
               <a:t>Beneficios del 1er </a:t>
             </a:r>
             <a:r>
+              <a:rPr lang="es-PE" dirty="0" smtClean="0">
+                <a:solidFill>
+                  <a:srgbClr val="00823B"/>
+                </a:solidFill>
+              </a:rPr>
+              <a:t>Cuadrante</a:t>
+            </a:r>
+            <a:br>
+              <a:rPr lang="es-PE" dirty="0" smtClean="0">
+                <a:solidFill>
+                  <a:srgbClr val="00823B"/>
+                </a:solidFill>
+              </a:rPr>
+            </a:br>
+            <a:r>
               <a:rPr lang="es-PE" dirty="0">
                 <a:solidFill>
                   <a:srgbClr val="00823B"/>
                 </a:solidFill>
               </a:rPr>
-              <a:t>C</a:t>
-            </a:r>
-            <a:r>
-              <a:rPr lang="es-PE" dirty="0" smtClean="0">
+              <a:t>(</a:t>
+            </a:r>
+            <a:r>
+              <a:rPr lang="es-PE" dirty="0" err="1">
                 <a:solidFill>
                   <a:srgbClr val="00823B"/>
                 </a:solidFill>
               </a:rPr>
-              <a:t>uadrante</a:t>
-            </a:r>
-            <a:endParaRPr lang="es-PE" dirty="0">
-              <a:solidFill>
-                <a:srgbClr val="00823B"/>
-              </a:solidFill>
-            </a:endParaRPr>
+              <a:t>Unit</a:t>
+            </a:r>
+            <a:r>
+              <a:rPr lang="es-PE" dirty="0">
+                <a:solidFill>
+                  <a:srgbClr val="00823B"/>
+                </a:solidFill>
+              </a:rPr>
+              <a:t>, Integration y </a:t>
+            </a:r>
+            <a:r>
+              <a:rPr lang="es-PE" dirty="0" err="1">
+                <a:solidFill>
+                  <a:srgbClr val="00823B"/>
+                </a:solidFill>
+              </a:rPr>
+              <a:t>System</a:t>
+            </a:r>
+            <a:r>
+              <a:rPr lang="es-PE" dirty="0">
+                <a:solidFill>
+                  <a:srgbClr val="00823B"/>
+                </a:solidFill>
+              </a:rPr>
+              <a:t> </a:t>
+            </a:r>
+            <a:r>
+              <a:rPr lang="es-PE" dirty="0" err="1">
+                <a:solidFill>
+                  <a:srgbClr val="00823B"/>
+                </a:solidFill>
+              </a:rPr>
+              <a:t>Tests</a:t>
+            </a:r>
+            <a:r>
+              <a:rPr lang="es-PE" dirty="0">
+                <a:solidFill>
+                  <a:srgbClr val="00823B"/>
+                </a:solidFill>
+              </a:rPr>
+              <a:t>)</a:t>
+            </a:r>
           </a:p>
         </p:txBody>
       </p:sp>
       <p:sp>
         <p:nvSpPr>
-          <p:cNvPr id="3" name="5 Marcador de contenido"/>
-          <p:cNvSpPr txBox="1">
-            <a:spLocks/>
+          <p:cNvPr id="5" name="2 Marcador de contenido"/>
+          <p:cNvSpPr>
+            <a:spLocks noGrp="1"/>
           </p:cNvSpPr>
-          <p:nvPr/>
-        </p:nvSpPr>
-        <p:spPr bwMode="auto">
+          <p:nvPr>
+            <p:ph idx="1"/>
+          </p:nvPr>
+        </p:nvSpPr>
+        <p:spPr>
           <a:xfrm>
-            <a:off x="179512" y="1340768"/>
-            <a:ext cx="8793360" cy="1368152"/>
+            <a:off x="194502" y="2032248"/>
+            <a:ext cx="8820472" cy="2908920"/>
           </a:xfrm>
-          <a:prstGeom prst="rect">
-            <a:avLst/>
-          </a:prstGeom>
-          <a:noFill/>
-          <a:ln w="9525">
-            <a:noFill/>
-            <a:miter lim="800000"/>
-            <a:headEnd/>
-            <a:tailEnd/>
-          </a:ln>
         </p:spPr>
         <p:txBody>
-          <a:bodyPr vert="horz" wrap="square" lIns="91440" tIns="45720" rIns="91440" bIns="45720" numCol="1" anchor="t" anchorCtr="0" compatLnSpc="1">
-            <a:prstTxWarp prst="textNoShape">
-              <a:avLst/>
-            </a:prstTxWarp>
-          </a:bodyPr>
-          <a:lstStyle>
-            <a:lvl1pPr marL="342900" indent="-342900" algn="l" rtl="0" eaLnBrk="1" fontAlgn="base" hangingPunct="1">
-              <a:spcBef>
-                <a:spcPct val="20000"/>
-              </a:spcBef>
-              <a:spcAft>
-                <a:spcPct val="0"/>
-              </a:spcAft>
-              <a:buFont typeface="Arial" charset="0"/>
-              <a:buChar char="•"/>
-              <a:defRPr sz="3200" kern="1200">
-                <a:solidFill>
-                  <a:schemeClr val="tx1"/>
-                </a:solidFill>
-                <a:latin typeface="+mn-lt"/>
-                <a:ea typeface="+mn-ea"/>
-                <a:cs typeface="+mn-cs"/>
-              </a:defRPr>
-            </a:lvl1pPr>
-            <a:lvl2pPr marL="742950" indent="-285750" algn="l" rtl="0" eaLnBrk="1" fontAlgn="base" hangingPunct="1">
-              <a:spcBef>
-                <a:spcPct val="20000"/>
-              </a:spcBef>
-              <a:spcAft>
-                <a:spcPct val="0"/>
-              </a:spcAft>
-              <a:buFont typeface="Arial" charset="0"/>
-              <a:buChar char="–"/>
-              <a:defRPr sz="2800" kern="1200">
-                <a:solidFill>
-                  <a:schemeClr val="tx1"/>
-                </a:solidFill>
-                <a:latin typeface="+mn-lt"/>
-                <a:ea typeface="+mn-ea"/>
-                <a:cs typeface="+mn-cs"/>
-              </a:defRPr>
-            </a:lvl2pPr>
-            <a:lvl3pPr marL="1143000" indent="-228600" algn="l" rtl="0" eaLnBrk="1" fontAlgn="base" hangingPunct="1">
-              <a:spcBef>
-                <a:spcPct val="20000"/>
-              </a:spcBef>
-              <a:spcAft>
-                <a:spcPct val="0"/>
-              </a:spcAft>
-              <a:buFont typeface="Arial" charset="0"/>
-              <a:buChar char="•"/>
-              <a:defRPr sz="2400" kern="1200">
-                <a:solidFill>
-                  <a:schemeClr val="tx1"/>
-                </a:solidFill>
-                <a:latin typeface="+mn-lt"/>
-                <a:ea typeface="+mn-ea"/>
-                <a:cs typeface="+mn-cs"/>
-              </a:defRPr>
-            </a:lvl3pPr>
-            <a:lvl4pPr marL="1600200" indent="-228600" algn="l" rtl="0" eaLnBrk="1" fontAlgn="base" hangingPunct="1">
-              <a:spcBef>
-                <a:spcPct val="20000"/>
-              </a:spcBef>
-              <a:spcAft>
-                <a:spcPct val="0"/>
-              </a:spcAft>
-              <a:buFont typeface="Arial" charset="0"/>
-              <a:buChar char="–"/>
-              <a:defRPr sz="2000" kern="1200">
-                <a:solidFill>
-                  <a:schemeClr val="tx1"/>
-                </a:solidFill>
-                <a:latin typeface="+mn-lt"/>
-                <a:ea typeface="+mn-ea"/>
-                <a:cs typeface="+mn-cs"/>
-              </a:defRPr>
-            </a:lvl4pPr>
-            <a:lvl5pPr marL="2057400" indent="-228600" algn="l" rtl="0" eaLnBrk="1" fontAlgn="base" hangingPunct="1">
-              <a:spcBef>
-                <a:spcPct val="20000"/>
-              </a:spcBef>
-              <a:spcAft>
-                <a:spcPct val="0"/>
-              </a:spcAft>
-              <a:buFont typeface="Arial" charset="0"/>
-              <a:buChar char="»"/>
-              <a:defRPr sz="2000" kern="1200">
-                <a:solidFill>
-                  <a:schemeClr val="tx1"/>
-                </a:solidFill>
-                <a:latin typeface="+mn-lt"/>
-                <a:ea typeface="+mn-ea"/>
-                <a:cs typeface="+mn-cs"/>
-              </a:defRPr>
-            </a:lvl5pPr>
-            <a:lvl6pPr marL="2514600" indent="-228600" algn="l" defTabSz="914400" rtl="0" eaLnBrk="1" latinLnBrk="0" hangingPunct="1">
-              <a:spcBef>
-                <a:spcPct val="20000"/>
-              </a:spcBef>
-              <a:buFont typeface="Arial" pitchFamily="34" charset="0"/>
-              <a:buChar char="•"/>
-              <a:defRPr sz="2000" kern="1200">
-                <a:solidFill>
-                  <a:schemeClr val="tx1"/>
-                </a:solidFill>
-                <a:latin typeface="+mn-lt"/>
-                <a:ea typeface="+mn-ea"/>
-                <a:cs typeface="+mn-cs"/>
-              </a:defRPr>
-            </a:lvl6pPr>
-            <a:lvl7pPr marL="2971800" indent="-228600" algn="l" defTabSz="914400" rtl="0" eaLnBrk="1" latinLnBrk="0" hangingPunct="1">
-              <a:spcBef>
-                <a:spcPct val="20000"/>
-              </a:spcBef>
-              <a:buFont typeface="Arial" pitchFamily="34" charset="0"/>
-              <a:buChar char="•"/>
-              <a:defRPr sz="2000" kern="1200">
-                <a:solidFill>
-                  <a:schemeClr val="tx1"/>
-                </a:solidFill>
-                <a:latin typeface="+mn-lt"/>
-                <a:ea typeface="+mn-ea"/>
-                <a:cs typeface="+mn-cs"/>
-              </a:defRPr>
-            </a:lvl7pPr>
-            <a:lvl8pPr marL="3429000" indent="-228600" algn="l" defTabSz="914400" rtl="0" eaLnBrk="1" latinLnBrk="0" hangingPunct="1">
-              <a:spcBef>
-                <a:spcPct val="20000"/>
-              </a:spcBef>
-              <a:buFont typeface="Arial" pitchFamily="34" charset="0"/>
-              <a:buChar char="•"/>
-              <a:defRPr sz="2000" kern="1200">
-                <a:solidFill>
-                  <a:schemeClr val="tx1"/>
-                </a:solidFill>
-                <a:latin typeface="+mn-lt"/>
-                <a:ea typeface="+mn-ea"/>
-                <a:cs typeface="+mn-cs"/>
-              </a:defRPr>
-            </a:lvl8pPr>
-            <a:lvl9pPr marL="3886200" indent="-228600" algn="l" defTabSz="914400" rtl="0" eaLnBrk="1" latinLnBrk="0" hangingPunct="1">
-              <a:spcBef>
-                <a:spcPct val="20000"/>
-              </a:spcBef>
-              <a:buFont typeface="Arial" pitchFamily="34" charset="0"/>
-              <a:buChar char="•"/>
-              <a:defRPr sz="2000" kern="1200">
-                <a:solidFill>
-                  <a:schemeClr val="tx1"/>
-                </a:solidFill>
-                <a:latin typeface="+mn-lt"/>
-                <a:ea typeface="+mn-ea"/>
-                <a:cs typeface="+mn-cs"/>
-              </a:defRPr>
-            </a:lvl9pPr>
-          </a:lstStyle>
+          <a:bodyPr/>
+          <a:lstStyle/>
           <a:p>
             <a:pPr marL="0" indent="0" algn="ctr">
               <a:buNone/>
             </a:pPr>
             <a:r>
-              <a:rPr lang="es-PE" sz="2600" dirty="0" smtClean="0">
+              <a:rPr lang="es-PE" sz="2800" dirty="0">
                 <a:solidFill>
                   <a:schemeClr val="tx1">
                     <a:lumMod val="95000"/>
                   </a:schemeClr>
                 </a:solidFill>
+                <a:latin typeface="Calibri" pitchFamily="34" charset="0"/>
               </a:rPr>
-              <a:t>Proporcionan una capa de seguridad para agregar o modificar características de la aplicación de manera segura. </a:t>
-            </a:r>
-            <a:br>
-              <a:rPr lang="es-PE" sz="2600" dirty="0" smtClean="0">
+              <a:t>Proporcionan una capa de seguridad para </a:t>
+            </a:r>
+            <a:r>
+              <a:rPr lang="es-PE" sz="2800" dirty="0" smtClean="0">
                 <a:solidFill>
                   <a:schemeClr val="tx1">
                     <a:lumMod val="95000"/>
                   </a:schemeClr>
                 </a:solidFill>
+                <a:latin typeface="Calibri" pitchFamily="34" charset="0"/>
               </a:rPr>
-            </a:br>
-            <a:r>
-              <a:rPr lang="es-PE" sz="2600" dirty="0" smtClean="0">
+              <a:t/>
+            </a:r>
+            <a:br>
+              <a:rPr lang="es-PE" sz="2800" dirty="0" smtClean="0">
                 <a:solidFill>
                   <a:schemeClr val="tx1">
                     <a:lumMod val="95000"/>
                   </a:schemeClr>
                 </a:solidFill>
+                <a:latin typeface="Calibri" pitchFamily="34" charset="0"/>
               </a:rPr>
-              <a:t>(sin alterar de manera equivocada el comportamiento existente)</a:t>
-            </a:r>
-          </a:p>
-        </p:txBody>
-      </p:sp>
-      <p:sp>
-        <p:nvSpPr>
-          <p:cNvPr id="4" name="5 Marcador de contenido"/>
-          <p:cNvSpPr txBox="1">
-            <a:spLocks/>
-          </p:cNvSpPr>
-          <p:nvPr/>
-        </p:nvSpPr>
-        <p:spPr bwMode="auto">
-          <a:xfrm>
-            <a:off x="395040" y="3068960"/>
-            <a:ext cx="8640960" cy="2872268"/>
-          </a:xfrm>
-          <a:prstGeom prst="rect">
-            <a:avLst/>
-          </a:prstGeom>
-          <a:noFill/>
-          <a:ln w="9525">
-            <a:noFill/>
-            <a:miter lim="800000"/>
-            <a:headEnd/>
-            <a:tailEnd/>
-          </a:ln>
-        </p:spPr>
-        <p:txBody>
-          <a:bodyPr vert="horz" wrap="square" lIns="91440" tIns="45720" rIns="91440" bIns="45720" numCol="1" anchor="t" anchorCtr="0" compatLnSpc="1">
-            <a:prstTxWarp prst="textNoShape">
-              <a:avLst/>
-            </a:prstTxWarp>
-          </a:bodyPr>
-          <a:lstStyle>
-            <a:lvl1pPr marL="342900" indent="-342900" algn="l" rtl="0" eaLnBrk="1" fontAlgn="base" hangingPunct="1">
-              <a:spcBef>
-                <a:spcPct val="20000"/>
-              </a:spcBef>
-              <a:spcAft>
-                <a:spcPct val="0"/>
-              </a:spcAft>
-              <a:buFont typeface="Arial" charset="0"/>
-              <a:buChar char="•"/>
-              <a:defRPr sz="3200" kern="1200">
-                <a:solidFill>
-                  <a:schemeClr val="tx1"/>
-                </a:solidFill>
-                <a:latin typeface="+mn-lt"/>
-                <a:ea typeface="+mn-ea"/>
-                <a:cs typeface="+mn-cs"/>
-              </a:defRPr>
-            </a:lvl1pPr>
-            <a:lvl2pPr marL="742950" indent="-285750" algn="l" rtl="0" eaLnBrk="1" fontAlgn="base" hangingPunct="1">
-              <a:spcBef>
-                <a:spcPct val="20000"/>
-              </a:spcBef>
-              <a:spcAft>
-                <a:spcPct val="0"/>
-              </a:spcAft>
-              <a:buFont typeface="Arial" charset="0"/>
-              <a:buChar char="–"/>
-              <a:defRPr sz="2800" kern="1200">
-                <a:solidFill>
-                  <a:schemeClr val="tx1"/>
-                </a:solidFill>
-                <a:latin typeface="+mn-lt"/>
-                <a:ea typeface="+mn-ea"/>
-                <a:cs typeface="+mn-cs"/>
-              </a:defRPr>
-            </a:lvl2pPr>
-            <a:lvl3pPr marL="1143000" indent="-228600" algn="l" rtl="0" eaLnBrk="1" fontAlgn="base" hangingPunct="1">
-              <a:spcBef>
-                <a:spcPct val="20000"/>
-              </a:spcBef>
-              <a:spcAft>
-                <a:spcPct val="0"/>
-              </a:spcAft>
-              <a:buFont typeface="Arial" charset="0"/>
-              <a:buChar char="•"/>
-              <a:defRPr sz="2400" kern="1200">
-                <a:solidFill>
-                  <a:schemeClr val="tx1"/>
-                </a:solidFill>
-                <a:latin typeface="+mn-lt"/>
-                <a:ea typeface="+mn-ea"/>
-                <a:cs typeface="+mn-cs"/>
-              </a:defRPr>
-            </a:lvl3pPr>
-            <a:lvl4pPr marL="1600200" indent="-228600" algn="l" rtl="0" eaLnBrk="1" fontAlgn="base" hangingPunct="1">
-              <a:spcBef>
-                <a:spcPct val="20000"/>
-              </a:spcBef>
-              <a:spcAft>
-                <a:spcPct val="0"/>
-              </a:spcAft>
-              <a:buFont typeface="Arial" charset="0"/>
-              <a:buChar char="–"/>
-              <a:defRPr sz="2000" kern="1200">
-                <a:solidFill>
-                  <a:schemeClr val="tx1"/>
-                </a:solidFill>
-                <a:latin typeface="+mn-lt"/>
-                <a:ea typeface="+mn-ea"/>
-                <a:cs typeface="+mn-cs"/>
-              </a:defRPr>
-            </a:lvl4pPr>
-            <a:lvl5pPr marL="2057400" indent="-228600" algn="l" rtl="0" eaLnBrk="1" fontAlgn="base" hangingPunct="1">
-              <a:spcBef>
-                <a:spcPct val="20000"/>
-              </a:spcBef>
-              <a:spcAft>
-                <a:spcPct val="0"/>
-              </a:spcAft>
-              <a:buFont typeface="Arial" charset="0"/>
-              <a:buChar char="»"/>
-              <a:defRPr sz="2000" kern="1200">
-                <a:solidFill>
-                  <a:schemeClr val="tx1"/>
-                </a:solidFill>
-                <a:latin typeface="+mn-lt"/>
-                <a:ea typeface="+mn-ea"/>
-                <a:cs typeface="+mn-cs"/>
-              </a:defRPr>
-            </a:lvl5pPr>
-            <a:lvl6pPr marL="2514600" indent="-228600" algn="l" defTabSz="914400" rtl="0" eaLnBrk="1" latinLnBrk="0" hangingPunct="1">
-              <a:spcBef>
-                <a:spcPct val="20000"/>
-              </a:spcBef>
-              <a:buFont typeface="Arial" pitchFamily="34" charset="0"/>
-              <a:buChar char="•"/>
-              <a:defRPr sz="2000" kern="1200">
-                <a:solidFill>
-                  <a:schemeClr val="tx1"/>
-                </a:solidFill>
-                <a:latin typeface="+mn-lt"/>
-                <a:ea typeface="+mn-ea"/>
-                <a:cs typeface="+mn-cs"/>
-              </a:defRPr>
-            </a:lvl6pPr>
-            <a:lvl7pPr marL="2971800" indent="-228600" algn="l" defTabSz="914400" rtl="0" eaLnBrk="1" latinLnBrk="0" hangingPunct="1">
-              <a:spcBef>
-                <a:spcPct val="20000"/>
-              </a:spcBef>
-              <a:buFont typeface="Arial" pitchFamily="34" charset="0"/>
-              <a:buChar char="•"/>
-              <a:defRPr sz="2000" kern="1200">
-                <a:solidFill>
-                  <a:schemeClr val="tx1"/>
-                </a:solidFill>
-                <a:latin typeface="+mn-lt"/>
-                <a:ea typeface="+mn-ea"/>
-                <a:cs typeface="+mn-cs"/>
-              </a:defRPr>
-            </a:lvl7pPr>
-            <a:lvl8pPr marL="3429000" indent="-228600" algn="l" defTabSz="914400" rtl="0" eaLnBrk="1" latinLnBrk="0" hangingPunct="1">
-              <a:spcBef>
-                <a:spcPct val="20000"/>
-              </a:spcBef>
-              <a:buFont typeface="Arial" pitchFamily="34" charset="0"/>
-              <a:buChar char="•"/>
-              <a:defRPr sz="2000" kern="1200">
-                <a:solidFill>
-                  <a:schemeClr val="tx1"/>
-                </a:solidFill>
-                <a:latin typeface="+mn-lt"/>
-                <a:ea typeface="+mn-ea"/>
-                <a:cs typeface="+mn-cs"/>
-              </a:defRPr>
-            </a:lvl8pPr>
-            <a:lvl9pPr marL="3886200" indent="-228600" algn="l" defTabSz="914400" rtl="0" eaLnBrk="1" latinLnBrk="0" hangingPunct="1">
-              <a:spcBef>
-                <a:spcPct val="20000"/>
-              </a:spcBef>
-              <a:buFont typeface="Arial" pitchFamily="34" charset="0"/>
-              <a:buChar char="•"/>
-              <a:defRPr sz="2000" kern="1200">
-                <a:solidFill>
-                  <a:schemeClr val="tx1"/>
-                </a:solidFill>
-                <a:latin typeface="+mn-lt"/>
-                <a:ea typeface="+mn-ea"/>
-                <a:cs typeface="+mn-cs"/>
-              </a:defRPr>
-            </a:lvl9pPr>
-          </a:lstStyle>
-          <a:p>
-            <a:r>
-              <a:rPr lang="es-PE" sz="2600" dirty="0" smtClean="0">
+            </a:br>
+            <a:r>
+              <a:rPr lang="es-PE" sz="2800" b="1" dirty="0" smtClean="0">
+                <a:solidFill>
+                  <a:srgbClr val="FFC000"/>
+                </a:solidFill>
+                <a:latin typeface="Calibri" pitchFamily="34" charset="0"/>
+              </a:rPr>
+              <a:t>agregar </a:t>
+            </a:r>
+            <a:r>
+              <a:rPr lang="es-PE" sz="2800" b="1" dirty="0">
+                <a:solidFill>
+                  <a:srgbClr val="FFC000"/>
+                </a:solidFill>
+                <a:latin typeface="Calibri" pitchFamily="34" charset="0"/>
+              </a:rPr>
+              <a:t>o modificar características </a:t>
+            </a:r>
+            <a:r>
+              <a:rPr lang="es-PE" sz="2800" b="1" dirty="0" smtClean="0">
+                <a:solidFill>
+                  <a:srgbClr val="FFC000"/>
+                </a:solidFill>
+                <a:latin typeface="Calibri" pitchFamily="34" charset="0"/>
+              </a:rPr>
+              <a:t>a la </a:t>
+            </a:r>
+            <a:r>
+              <a:rPr lang="es-PE" sz="2800" b="1" dirty="0">
+                <a:solidFill>
+                  <a:srgbClr val="FFC000"/>
+                </a:solidFill>
+                <a:latin typeface="Calibri" pitchFamily="34" charset="0"/>
+              </a:rPr>
+              <a:t>aplicación de manera </a:t>
+            </a:r>
+            <a:r>
+              <a:rPr lang="es-PE" sz="2800" b="1" dirty="0" smtClean="0">
+                <a:solidFill>
+                  <a:srgbClr val="FFC000"/>
+                </a:solidFill>
+                <a:latin typeface="Calibri" pitchFamily="34" charset="0"/>
+              </a:rPr>
+              <a:t>segura.</a:t>
+            </a:r>
+          </a:p>
+          <a:p>
+            <a:pPr marL="0" indent="0" algn="ctr">
+              <a:buNone/>
+            </a:pPr>
+            <a:endParaRPr lang="es-PE" sz="2600" dirty="0" smtClean="0">
+              <a:solidFill>
+                <a:schemeClr val="tx1">
+                  <a:lumMod val="95000"/>
+                </a:schemeClr>
+              </a:solidFill>
+              <a:latin typeface="Calibri" pitchFamily="34" charset="0"/>
+            </a:endParaRPr>
+          </a:p>
+          <a:p>
+            <a:r>
+              <a:rPr lang="es-PE" sz="2600" dirty="0">
                 <a:solidFill>
                   <a:schemeClr val="tx1">
                     <a:lumMod val="95000"/>
                   </a:schemeClr>
                 </a:solidFill>
+                <a:latin typeface="Calibri" pitchFamily="34" charset="0"/>
               </a:rPr>
-              <a:t>Pruebas de Regresión.</a:t>
-            </a:r>
-          </a:p>
-          <a:p>
-            <a:r>
-              <a:rPr lang="es-PE" sz="2600" dirty="0" smtClean="0">
+              <a:t>Hacer más en menos tiempo (Pruebas de Regresión).</a:t>
+            </a:r>
+          </a:p>
+          <a:p>
+            <a:r>
+              <a:rPr lang="es-PE" sz="2600" dirty="0">
                 <a:solidFill>
                   <a:schemeClr val="tx1">
                     <a:lumMod val="95000"/>
                   </a:schemeClr>
                 </a:solidFill>
+                <a:latin typeface="Calibri" pitchFamily="34" charset="0"/>
               </a:rPr>
-              <a:t>Soporte a Refactoring.</a:t>
-            </a:r>
-          </a:p>
-          <a:p>
+              <a:t>Calidad Interna (Habilita el Refactoring</a:t>
+            </a:r>
             <a:r>
               <a:rPr lang="es-PE" sz="2600" dirty="0" smtClean="0">
                 <a:solidFill>
@@ -8378,33 +9707,18 @@
                     <a:lumMod val="95000"/>
                   </a:schemeClr>
                 </a:solidFill>
+                <a:latin typeface="Calibri" pitchFamily="34" charset="0"/>
               </a:rPr>
-              <a:t>Calidad Interna.</a:t>
-            </a:r>
-          </a:p>
-          <a:p>
-            <a:r>
-              <a:rPr lang="es-PE" sz="2600" dirty="0" smtClean="0">
-                <a:solidFill>
-                  <a:schemeClr val="tx1">
-                    <a:lumMod val="95000"/>
-                  </a:schemeClr>
-                </a:solidFill>
-              </a:rPr>
-              <a:t>Hacer más en menos tiempo.</a:t>
-            </a:r>
-          </a:p>
-          <a:p>
-            <a:r>
-              <a:rPr lang="es-PE" sz="2600" dirty="0" smtClean="0">
-                <a:solidFill>
-                  <a:schemeClr val="tx1">
-                    <a:lumMod val="95000"/>
-                  </a:schemeClr>
-                </a:solidFill>
-              </a:rPr>
-              <a:t>Coraje.</a:t>
-            </a:r>
+              <a:t>).</a:t>
+            </a:r>
+            <a:endParaRPr lang="es-PE" sz="2600" dirty="0">
+              <a:solidFill>
+                <a:schemeClr val="tx1">
+                  <a:lumMod val="95000"/>
+                </a:schemeClr>
+              </a:solidFill>
+              <a:latin typeface="Calibri" pitchFamily="34" charset="0"/>
+            </a:endParaRPr>
           </a:p>
         </p:txBody>
       </p:sp>
@@ -8481,161 +9795,6 @@
           </a:p>
         </p:txBody>
       </p:sp>
-      <p:grpSp>
-        <p:nvGrpSpPr>
-          <p:cNvPr id="2" name="1 Grupo"/>
-          <p:cNvGrpSpPr/>
-          <p:nvPr/>
-        </p:nvGrpSpPr>
-        <p:grpSpPr>
-          <a:xfrm>
-            <a:off x="2419774" y="1313177"/>
-            <a:ext cx="5752626" cy="4888965"/>
-            <a:chOff x="2059734" y="1455704"/>
-            <a:chExt cx="5536602" cy="4735887"/>
-          </a:xfrm>
-        </p:grpSpPr>
-        <p:sp>
-          <p:nvSpPr>
-            <p:cNvPr id="7" name="6 Trapecio"/>
-            <p:cNvSpPr>
-              <a:spLocks noChangeAspect="1"/>
-            </p:cNvSpPr>
-            <p:nvPr/>
-          </p:nvSpPr>
-          <p:spPr>
-            <a:xfrm>
-              <a:off x="2776035" y="3722750"/>
-              <a:ext cx="4104000" cy="1144191"/>
-            </a:xfrm>
-            <a:prstGeom prst="trapezoid">
-              <a:avLst>
-                <a:gd name="adj" fmla="val 58288"/>
-              </a:avLst>
-            </a:prstGeom>
-          </p:spPr>
-          <p:style>
-            <a:lnRef idx="2">
-              <a:schemeClr val="accent2">
-                <a:shade val="50000"/>
-              </a:schemeClr>
-            </a:lnRef>
-            <a:fillRef idx="1">
-              <a:schemeClr val="accent2"/>
-            </a:fillRef>
-            <a:effectRef idx="0">
-              <a:schemeClr val="accent2"/>
-            </a:effectRef>
-            <a:fontRef idx="minor">
-              <a:schemeClr val="lt1"/>
-            </a:fontRef>
-          </p:style>
-          <p:txBody>
-            <a:bodyPr rtlCol="0" anchor="ctr"/>
-            <a:lstStyle/>
-            <a:p>
-              <a:pPr algn="ctr"/>
-              <a:r>
-                <a:rPr lang="es-PE" sz="2700" b="1" dirty="0" smtClean="0"/>
-                <a:t>Integración</a:t>
-              </a:r>
-              <a:endParaRPr lang="es-PE" sz="2700" b="1" dirty="0"/>
-            </a:p>
-          </p:txBody>
-        </p:sp>
-        <p:sp>
-          <p:nvSpPr>
-            <p:cNvPr id="9" name="8 Trapecio"/>
-            <p:cNvSpPr>
-              <a:spLocks noChangeAspect="1"/>
-            </p:cNvSpPr>
-            <p:nvPr/>
-          </p:nvSpPr>
-          <p:spPr>
-            <a:xfrm>
-              <a:off x="2059734" y="5011584"/>
-              <a:ext cx="5536602" cy="1180007"/>
-            </a:xfrm>
-            <a:prstGeom prst="trapezoid">
-              <a:avLst>
-                <a:gd name="adj" fmla="val 57416"/>
-              </a:avLst>
-            </a:prstGeom>
-          </p:spPr>
-          <p:style>
-            <a:lnRef idx="2">
-              <a:schemeClr val="accent6">
-                <a:shade val="50000"/>
-              </a:schemeClr>
-            </a:lnRef>
-            <a:fillRef idx="1">
-              <a:schemeClr val="accent6"/>
-            </a:fillRef>
-            <a:effectRef idx="0">
-              <a:schemeClr val="accent6"/>
-            </a:effectRef>
-            <a:fontRef idx="minor">
-              <a:schemeClr val="lt1"/>
-            </a:fontRef>
-          </p:style>
-          <p:txBody>
-            <a:bodyPr rtlCol="0" anchor="ctr"/>
-            <a:lstStyle/>
-            <a:p>
-              <a:pPr algn="ctr"/>
-              <a:r>
-                <a:rPr lang="es-PE" sz="2700" b="1" dirty="0" smtClean="0"/>
-                <a:t>Unitarios</a:t>
-              </a:r>
-              <a:endParaRPr lang="es-PE" sz="2700" b="1" dirty="0"/>
-            </a:p>
-          </p:txBody>
-        </p:sp>
-        <p:sp>
-          <p:nvSpPr>
-            <p:cNvPr id="10" name="9 Triángulo isósceles"/>
-            <p:cNvSpPr>
-              <a:spLocks noChangeAspect="1"/>
-            </p:cNvSpPr>
-            <p:nvPr/>
-          </p:nvSpPr>
-          <p:spPr>
-            <a:xfrm>
-              <a:off x="3496035" y="1455704"/>
-              <a:ext cx="2664000" cy="2134629"/>
-            </a:xfrm>
-            <a:prstGeom prst="triangle">
-              <a:avLst>
-                <a:gd name="adj" fmla="val 49436"/>
-              </a:avLst>
-            </a:prstGeom>
-          </p:spPr>
-          <p:style>
-            <a:lnRef idx="2">
-              <a:schemeClr val="accent5">
-                <a:shade val="50000"/>
-              </a:schemeClr>
-            </a:lnRef>
-            <a:fillRef idx="1">
-              <a:schemeClr val="accent5"/>
-            </a:fillRef>
-            <a:effectRef idx="0">
-              <a:schemeClr val="accent5"/>
-            </a:effectRef>
-            <a:fontRef idx="minor">
-              <a:schemeClr val="lt1"/>
-            </a:fontRef>
-          </p:style>
-          <p:txBody>
-            <a:bodyPr rtlCol="0" anchor="ctr"/>
-            <a:lstStyle/>
-            <a:p>
-              <a:pPr algn="ctr"/>
-              <a:endParaRPr lang="es-PE" sz="2700" b="1" dirty="0"/>
-            </a:p>
-          </p:txBody>
-        </p:sp>
-      </p:grpSp>
       <p:cxnSp>
         <p:nvCxnSpPr>
           <p:cNvPr id="16" name="15 Conector recto de flecha"/>
@@ -8644,7 +9803,7 @@
         </p:nvCxnSpPr>
         <p:spPr>
           <a:xfrm flipV="1">
-            <a:off x="1335208" y="1302626"/>
+            <a:off x="1202431" y="1302626"/>
             <a:ext cx="87130" cy="4575414"/>
           </a:xfrm>
           <a:prstGeom prst="straightConnector1">
@@ -8680,7 +9839,7 @@
         </p:nvSpPr>
         <p:spPr>
           <a:xfrm>
-            <a:off x="619574" y="5858876"/>
+            <a:off x="486797" y="5858876"/>
             <a:ext cx="1341521" cy="523220"/>
           </a:xfrm>
           <a:prstGeom prst="rect">
@@ -8718,7 +9877,7 @@
         </p:nvSpPr>
         <p:spPr>
           <a:xfrm>
-            <a:off x="1547240" y="1158610"/>
+            <a:off x="1414463" y="1158610"/>
             <a:ext cx="465192" cy="769441"/>
           </a:xfrm>
           <a:prstGeom prst="rect">
@@ -8756,7 +9915,7 @@
         </p:nvSpPr>
         <p:spPr>
           <a:xfrm>
-            <a:off x="1450980" y="5275840"/>
+            <a:off x="1318203" y="5275840"/>
             <a:ext cx="396262" cy="923330"/>
           </a:xfrm>
           <a:prstGeom prst="rect">
@@ -8786,44 +9945,338 @@
           </a:p>
         </p:txBody>
       </p:sp>
-      <p:sp>
-        <p:nvSpPr>
-          <p:cNvPr id="4" name="3 CuadroTexto"/>
-          <p:cNvSpPr txBox="1"/>
+      <p:grpSp>
+        <p:nvGrpSpPr>
+          <p:cNvPr id="22" name="21 Grupo"/>
+          <p:cNvGrpSpPr/>
           <p:nvPr/>
-        </p:nvSpPr>
-        <p:spPr>
+        </p:nvGrpSpPr>
+        <p:grpSpPr>
           <a:xfrm>
-            <a:off x="4640363" y="2276872"/>
-            <a:ext cx="1311449" cy="923330"/>
+            <a:off x="2095101" y="1403175"/>
+            <a:ext cx="5926937" cy="4746212"/>
+            <a:chOff x="2022379" y="1419092"/>
+            <a:chExt cx="5926937" cy="4746212"/>
           </a:xfrm>
-          <a:prstGeom prst="rect">
-            <a:avLst/>
-          </a:prstGeom>
-          <a:noFill/>
-        </p:spPr>
-        <p:txBody>
-          <a:bodyPr wrap="none" rtlCol="0">
-            <a:spAutoFit/>
-          </a:bodyPr>
-          <a:lstStyle/>
-          <a:p>
-            <a:pPr algn="ctr"/>
-            <a:r>
-              <a:rPr lang="es-PE" sz="2700" b="1" dirty="0" smtClean="0"/>
-              <a:t>UI</a:t>
-            </a:r>
-            <a:br>
-              <a:rPr lang="es-PE" sz="2700" b="1" dirty="0" smtClean="0"/>
-            </a:br>
-            <a:r>
-              <a:rPr lang="es-PE" sz="2700" b="1" dirty="0" smtClean="0"/>
-              <a:t>Sistema</a:t>
-            </a:r>
-            <a:endParaRPr lang="es-PE" sz="2700" b="1" dirty="0"/>
-          </a:p>
-        </p:txBody>
-      </p:sp>
+        </p:grpSpPr>
+        <p:grpSp>
+          <p:nvGrpSpPr>
+            <p:cNvPr id="23" name="22 Grupo"/>
+            <p:cNvGrpSpPr/>
+            <p:nvPr/>
+          </p:nvGrpSpPr>
+          <p:grpSpPr>
+            <a:xfrm>
+              <a:off x="2022379" y="1419092"/>
+              <a:ext cx="5926937" cy="4746212"/>
+              <a:chOff x="1760388" y="1490537"/>
+              <a:chExt cx="5704367" cy="4597598"/>
+            </a:xfrm>
+          </p:grpSpPr>
+          <p:sp>
+            <p:nvSpPr>
+              <p:cNvPr id="25" name="24 Trapecio"/>
+              <p:cNvSpPr>
+                <a:spLocks noChangeAspect="1"/>
+              </p:cNvSpPr>
+              <p:nvPr/>
+            </p:nvSpPr>
+            <p:spPr>
+              <a:xfrm>
+                <a:off x="2746779" y="3274472"/>
+                <a:ext cx="3729584" cy="1218292"/>
+              </a:xfrm>
+              <a:prstGeom prst="trapezoid">
+                <a:avLst>
+                  <a:gd name="adj" fmla="val 63743"/>
+                </a:avLst>
+              </a:prstGeom>
+              <a:solidFill>
+                <a:srgbClr val="C0504D"/>
+              </a:solidFill>
+              <a:ln w="25400" cap="flat" cmpd="sng" algn="ctr">
+                <a:solidFill>
+                  <a:srgbClr val="C0504D">
+                    <a:shade val="50000"/>
+                  </a:srgbClr>
+                </a:solidFill>
+                <a:prstDash val="solid"/>
+              </a:ln>
+              <a:effectLst/>
+            </p:spPr>
+            <p:txBody>
+              <a:bodyPr rtlCol="0" anchor="ctr"/>
+              <a:lstStyle/>
+              <a:p>
+                <a:pPr marL="0" marR="0" lvl="0" indent="0" algn="ctr" defTabSz="914400" eaLnBrk="1" fontAlgn="auto" latinLnBrk="0" hangingPunct="1">
+                  <a:lnSpc>
+                    <a:spcPct val="100000"/>
+                  </a:lnSpc>
+                  <a:spcBef>
+                    <a:spcPts val="0"/>
+                  </a:spcBef>
+                  <a:spcAft>
+                    <a:spcPts val="0"/>
+                  </a:spcAft>
+                  <a:buClrTx/>
+                  <a:buSzTx/>
+                  <a:buFontTx/>
+                  <a:buNone/>
+                  <a:tabLst/>
+                  <a:defRPr/>
+                </a:pPr>
+                <a:r>
+                  <a:rPr kumimoji="0" lang="es-PE" sz="2700" b="1" i="0" u="none" strike="noStrike" kern="0" cap="none" spc="0" normalizeH="0" baseline="0" noProof="0" dirty="0" smtClean="0">
+                    <a:ln>
+                      <a:noFill/>
+                    </a:ln>
+                    <a:solidFill>
+                      <a:prstClr val="white"/>
+                    </a:solidFill>
+                    <a:effectLst/>
+                    <a:uLnTx/>
+                    <a:uFillTx/>
+                    <a:latin typeface="Calibri"/>
+                    <a:ea typeface="+mn-ea"/>
+                    <a:cs typeface="+mn-cs"/>
+                  </a:rPr>
+                  <a:t>Integración</a:t>
+                </a:r>
+              </a:p>
+            </p:txBody>
+          </p:sp>
+          <p:sp>
+            <p:nvSpPr>
+              <p:cNvPr id="26" name="25 Trapecio"/>
+              <p:cNvSpPr>
+                <a:spLocks noChangeAspect="1"/>
+              </p:cNvSpPr>
+              <p:nvPr/>
+            </p:nvSpPr>
+            <p:spPr>
+              <a:xfrm>
+                <a:off x="1760388" y="4614031"/>
+                <a:ext cx="5704367" cy="1474104"/>
+              </a:xfrm>
+              <a:prstGeom prst="trapezoid">
+                <a:avLst>
+                  <a:gd name="adj" fmla="val 63251"/>
+                </a:avLst>
+              </a:prstGeom>
+              <a:solidFill>
+                <a:srgbClr val="F79646"/>
+              </a:solidFill>
+              <a:ln w="25400" cap="flat" cmpd="sng" algn="ctr">
+                <a:solidFill>
+                  <a:srgbClr val="F79646">
+                    <a:shade val="50000"/>
+                  </a:srgbClr>
+                </a:solidFill>
+                <a:prstDash val="solid"/>
+              </a:ln>
+              <a:effectLst/>
+            </p:spPr>
+            <p:txBody>
+              <a:bodyPr rtlCol="0" anchor="ctr"/>
+              <a:lstStyle/>
+              <a:p>
+                <a:pPr marL="0" marR="0" lvl="0" indent="0" algn="ctr" defTabSz="914400" eaLnBrk="1" fontAlgn="auto" latinLnBrk="0" hangingPunct="1">
+                  <a:lnSpc>
+                    <a:spcPct val="100000"/>
+                  </a:lnSpc>
+                  <a:spcBef>
+                    <a:spcPts val="0"/>
+                  </a:spcBef>
+                  <a:spcAft>
+                    <a:spcPts val="0"/>
+                  </a:spcAft>
+                  <a:buClrTx/>
+                  <a:buSzTx/>
+                  <a:buFontTx/>
+                  <a:buNone/>
+                  <a:tabLst/>
+                  <a:defRPr/>
+                </a:pPr>
+                <a:r>
+                  <a:rPr kumimoji="0" lang="es-PE" sz="2700" b="1" i="0" u="none" strike="noStrike" kern="0" cap="none" spc="0" normalizeH="0" baseline="0" noProof="0" dirty="0" smtClean="0">
+                    <a:ln>
+                      <a:noFill/>
+                    </a:ln>
+                    <a:solidFill>
+                      <a:prstClr val="white"/>
+                    </a:solidFill>
+                    <a:effectLst/>
+                    <a:uLnTx/>
+                    <a:uFillTx/>
+                    <a:latin typeface="Calibri"/>
+                    <a:ea typeface="+mn-ea"/>
+                    <a:cs typeface="+mn-cs"/>
+                  </a:rPr>
+                  <a:t>Unitarias</a:t>
+                </a:r>
+              </a:p>
+            </p:txBody>
+          </p:sp>
+          <p:sp>
+            <p:nvSpPr>
+              <p:cNvPr id="27" name="26 Triángulo isósceles"/>
+              <p:cNvSpPr>
+                <a:spLocks noChangeAspect="1"/>
+              </p:cNvSpPr>
+              <p:nvPr/>
+            </p:nvSpPr>
+            <p:spPr>
+              <a:xfrm>
+                <a:off x="3576704" y="1490537"/>
+                <a:ext cx="2079122" cy="1665973"/>
+              </a:xfrm>
+              <a:prstGeom prst="triangle">
+                <a:avLst>
+                  <a:gd name="adj" fmla="val 50250"/>
+                </a:avLst>
+              </a:prstGeom>
+              <a:solidFill>
+                <a:srgbClr val="4BACC6"/>
+              </a:solidFill>
+              <a:ln w="25400" cap="flat" cmpd="sng" algn="ctr">
+                <a:solidFill>
+                  <a:srgbClr val="4BACC6">
+                    <a:shade val="50000"/>
+                  </a:srgbClr>
+                </a:solidFill>
+                <a:prstDash val="solid"/>
+              </a:ln>
+              <a:effectLst/>
+            </p:spPr>
+            <p:txBody>
+              <a:bodyPr rtlCol="0" anchor="ctr"/>
+              <a:lstStyle/>
+              <a:p>
+                <a:pPr marL="0" marR="0" lvl="0" indent="0" algn="ctr" defTabSz="914400" eaLnBrk="1" fontAlgn="auto" latinLnBrk="0" hangingPunct="1">
+                  <a:lnSpc>
+                    <a:spcPct val="100000"/>
+                  </a:lnSpc>
+                  <a:spcBef>
+                    <a:spcPts val="0"/>
+                  </a:spcBef>
+                  <a:spcAft>
+                    <a:spcPts val="0"/>
+                  </a:spcAft>
+                  <a:buClrTx/>
+                  <a:buSzTx/>
+                  <a:buFontTx/>
+                  <a:buNone/>
+                  <a:tabLst/>
+                  <a:defRPr/>
+                </a:pPr>
+                <a:endParaRPr kumimoji="0" lang="es-PE" sz="2700" b="1" i="0" u="none" strike="noStrike" kern="0" cap="none" spc="0" normalizeH="0" baseline="0" noProof="0" dirty="0" smtClean="0">
+                  <a:ln>
+                    <a:noFill/>
+                  </a:ln>
+                  <a:solidFill>
+                    <a:prstClr val="white"/>
+                  </a:solidFill>
+                  <a:effectLst/>
+                  <a:uLnTx/>
+                  <a:uFillTx/>
+                  <a:latin typeface="Calibri"/>
+                  <a:ea typeface="+mn-ea"/>
+                  <a:cs typeface="+mn-cs"/>
+                </a:endParaRPr>
+              </a:p>
+            </p:txBody>
+          </p:sp>
+        </p:grpSp>
+        <p:sp>
+          <p:nvSpPr>
+            <p:cNvPr id="24" name="23 CuadroTexto"/>
+            <p:cNvSpPr txBox="1"/>
+            <p:nvPr/>
+          </p:nvSpPr>
+          <p:spPr>
+            <a:xfrm>
+              <a:off x="4341610" y="2025294"/>
+              <a:ext cx="1311449" cy="923330"/>
+            </a:xfrm>
+            <a:prstGeom prst="rect">
+              <a:avLst/>
+            </a:prstGeom>
+            <a:noFill/>
+          </p:spPr>
+          <p:txBody>
+            <a:bodyPr wrap="none" rtlCol="0">
+              <a:spAutoFit/>
+            </a:bodyPr>
+            <a:lstStyle/>
+            <a:p>
+              <a:pPr marL="0" marR="0" lvl="0" indent="0" algn="ctr" defTabSz="914400" eaLnBrk="1" fontAlgn="auto" latinLnBrk="0" hangingPunct="1">
+                <a:lnSpc>
+                  <a:spcPct val="100000"/>
+                </a:lnSpc>
+                <a:spcBef>
+                  <a:spcPts val="0"/>
+                </a:spcBef>
+                <a:spcAft>
+                  <a:spcPts val="0"/>
+                </a:spcAft>
+                <a:buClrTx/>
+                <a:buSzTx/>
+                <a:buFontTx/>
+                <a:buNone/>
+                <a:tabLst/>
+                <a:defRPr/>
+              </a:pPr>
+              <a:r>
+                <a:rPr kumimoji="0" lang="es-PE" sz="2700" b="1" i="0" u="none" strike="noStrike" kern="0" cap="none" spc="0" normalizeH="0" baseline="0" noProof="0" dirty="0" smtClean="0">
+                  <a:ln>
+                    <a:noFill/>
+                  </a:ln>
+                  <a:solidFill>
+                    <a:prstClr val="white"/>
+                  </a:solidFill>
+                  <a:effectLst/>
+                  <a:uLnTx/>
+                  <a:uFillTx/>
+                  <a:latin typeface="Calibri"/>
+                  <a:cs typeface="+mn-cs"/>
+                </a:rPr>
+                <a:t>UI</a:t>
+              </a:r>
+              <a:br>
+                <a:rPr kumimoji="0" lang="es-PE" sz="2700" b="1" i="0" u="none" strike="noStrike" kern="0" cap="none" spc="0" normalizeH="0" baseline="0" noProof="0" dirty="0" smtClean="0">
+                  <a:ln>
+                    <a:noFill/>
+                  </a:ln>
+                  <a:solidFill>
+                    <a:prstClr val="white"/>
+                  </a:solidFill>
+                  <a:effectLst/>
+                  <a:uLnTx/>
+                  <a:uFillTx/>
+                  <a:latin typeface="Calibri"/>
+                  <a:cs typeface="+mn-cs"/>
+                </a:rPr>
+              </a:br>
+              <a:r>
+                <a:rPr kumimoji="0" lang="es-PE" sz="2700" b="1" i="0" u="none" strike="noStrike" kern="0" cap="none" spc="0" normalizeH="0" baseline="0" noProof="0" dirty="0" smtClean="0">
+                  <a:ln>
+                    <a:noFill/>
+                  </a:ln>
+                  <a:solidFill>
+                    <a:prstClr val="white"/>
+                  </a:solidFill>
+                  <a:effectLst/>
+                  <a:uLnTx/>
+                  <a:uFillTx/>
+                  <a:latin typeface="Calibri"/>
+                  <a:cs typeface="+mn-cs"/>
+                </a:rPr>
+                <a:t>Sistema</a:t>
+              </a:r>
+            </a:p>
+          </p:txBody>
+        </p:sp>
+      </p:grpSp>
     </p:spTree>
     <p:extLst>
       <p:ext uri="{BB962C8B-B14F-4D97-AF65-F5344CB8AC3E}">

--- a/Diapositivas/0. Test Automation.pptx
+++ b/Diapositivas/0. Test Automation.pptx
@@ -5,7 +5,7 @@
     <p:sldMasterId id="2147483684" r:id="rId1"/>
   </p:sldMasterIdLst>
   <p:notesMasterIdLst>
-    <p:notesMasterId r:id="rId11"/>
+    <p:notesMasterId r:id="rId12"/>
   </p:notesMasterIdLst>
   <p:sldIdLst>
     <p:sldId id="609" r:id="rId2"/>
@@ -13,10 +13,11 @@
     <p:sldId id="659" r:id="rId4"/>
     <p:sldId id="660" r:id="rId5"/>
     <p:sldId id="610" r:id="rId6"/>
-    <p:sldId id="571" r:id="rId7"/>
-    <p:sldId id="572" r:id="rId8"/>
-    <p:sldId id="567" r:id="rId9"/>
-    <p:sldId id="611" r:id="rId10"/>
+    <p:sldId id="661" r:id="rId7"/>
+    <p:sldId id="662" r:id="rId8"/>
+    <p:sldId id="663" r:id="rId9"/>
+    <p:sldId id="664" r:id="rId10"/>
+    <p:sldId id="611" r:id="rId11"/>
   </p:sldIdLst>
   <p:sldSz cx="9144000" cy="6858000" type="screen4x3"/>
   <p:notesSz cx="6858000" cy="9144000"/>
@@ -216,7 +217,7 @@
           <a:p>
             <a:fld id="{63D5FC4C-9EE1-4746-A368-724F618FC790}" type="datetimeFigureOut">
               <a:rPr lang="es-PE" smtClean="0"/>
-              <a:t>15/04/2013</a:t>
+              <a:t>22/04/2013</a:t>
             </a:fld>
             <a:endParaRPr lang="es-PE"/>
           </a:p>
@@ -568,6 +569,90 @@
 </p:notes>
 </file>
 
+<file path=ppt/notesSlides/notesSlide10.xml><?xml version="1.0" encoding="utf-8"?>
+<p:notes xmlns:a="http://schemas.openxmlformats.org/drawingml/2006/main" xmlns:r="http://schemas.openxmlformats.org/officeDocument/2006/relationships" xmlns:p="http://schemas.openxmlformats.org/presentationml/2006/main">
+  <p:cSld>
+    <p:spTree>
+      <p:nvGrpSpPr>
+        <p:cNvPr id="1" name=""/>
+        <p:cNvGrpSpPr/>
+        <p:nvPr/>
+      </p:nvGrpSpPr>
+      <p:grpSpPr>
+        <a:xfrm>
+          <a:off x="0" y="0"/>
+          <a:ext cx="0" cy="0"/>
+          <a:chOff x="0" y="0"/>
+          <a:chExt cx="0" cy="0"/>
+        </a:xfrm>
+      </p:grpSpPr>
+      <p:sp>
+        <p:nvSpPr>
+          <p:cNvPr id="2" name="1 Marcador de imagen de diapositiva"/>
+          <p:cNvSpPr>
+            <a:spLocks noGrp="1" noRot="1" noChangeAspect="1"/>
+          </p:cNvSpPr>
+          <p:nvPr>
+            <p:ph type="sldImg"/>
+          </p:nvPr>
+        </p:nvSpPr>
+        <p:spPr/>
+      </p:sp>
+      <p:sp>
+        <p:nvSpPr>
+          <p:cNvPr id="3" name="2 Marcador de notas"/>
+          <p:cNvSpPr>
+            <a:spLocks noGrp="1"/>
+          </p:cNvSpPr>
+          <p:nvPr>
+            <p:ph type="body" idx="1"/>
+          </p:nvPr>
+        </p:nvSpPr>
+        <p:spPr/>
+        <p:txBody>
+          <a:bodyPr/>
+          <a:lstStyle/>
+          <a:p>
+            <a:endParaRPr lang="es-PE" dirty="0"/>
+          </a:p>
+        </p:txBody>
+      </p:sp>
+      <p:sp>
+        <p:nvSpPr>
+          <p:cNvPr id="4" name="3 Marcador de número de diapositiva"/>
+          <p:cNvSpPr>
+            <a:spLocks noGrp="1"/>
+          </p:cNvSpPr>
+          <p:nvPr>
+            <p:ph type="sldNum" sz="quarter" idx="10"/>
+          </p:nvPr>
+        </p:nvSpPr>
+        <p:spPr/>
+        <p:txBody>
+          <a:bodyPr/>
+          <a:lstStyle/>
+          <a:p>
+            <a:fld id="{80C14895-23C8-45AE-85D5-3B35E5980A68}" type="slidenum">
+              <a:rPr lang="es-PE" smtClean="0"/>
+              <a:t>10</a:t>
+            </a:fld>
+            <a:endParaRPr lang="es-PE"/>
+          </a:p>
+        </p:txBody>
+      </p:sp>
+    </p:spTree>
+    <p:extLst>
+      <p:ext uri="{BB962C8B-B14F-4D97-AF65-F5344CB8AC3E}">
+        <p14:creationId xmlns:p14="http://schemas.microsoft.com/office/powerpoint/2010/main" val="3432092158"/>
+      </p:ext>
+    </p:extLst>
+  </p:cSld>
+  <p:clrMapOvr>
+    <a:masterClrMapping/>
+  </p:clrMapOvr>
+</p:notes>
+</file>
+
 <file path=ppt/notesSlides/notesSlide2.xml><?xml version="1.0" encoding="utf-8"?>
 <p:notes xmlns:a="http://schemas.openxmlformats.org/drawingml/2006/main" xmlns:r="http://schemas.openxmlformats.org/officeDocument/2006/relationships" xmlns:p="http://schemas.openxmlformats.org/presentationml/2006/main">
   <p:cSld>
@@ -901,11 +986,7 @@
           <a:p>
             <a:r>
               <a:rPr lang="es-PE" dirty="0" smtClean="0"/>
-              <a:t>- </a:t>
-            </a:r>
-            <a:r>
-              <a:rPr lang="es-PE" dirty="0" smtClean="0"/>
-              <a:t>Compleja Configuración: Muchas de las pruebas</a:t>
+              <a:t>- Compleja Configuración: Muchas de las pruebas</a:t>
             </a:r>
             <a:r>
               <a:rPr lang="es-PE" baseline="0" dirty="0" smtClean="0"/>
@@ -1603,11 +1684,7 @@
           <a:p>
             <a:r>
               <a:rPr lang="es-PE" dirty="0" smtClean="0"/>
-              <a:t>No </a:t>
-            </a:r>
-            <a:r>
-              <a:rPr lang="es-PE" dirty="0" smtClean="0"/>
-              <a:t>reemplazar:</a:t>
+              <a:t>No reemplazar:</a:t>
             </a:r>
             <a:r>
               <a:rPr lang="es-PE" baseline="0" dirty="0" smtClean="0"/>
@@ -2109,75 +2186,68 @@
           <a:lstStyle/>
           <a:p>
             <a:r>
-              <a:rPr lang="es-PE" sz="1200" dirty="0" smtClean="0">
-                <a:solidFill>
-                  <a:schemeClr val="tx1">
-                    <a:lumMod val="95000"/>
-                  </a:schemeClr>
-                </a:solidFill>
+              <a:rPr lang="en-US" sz="1200" b="1" i="0" kern="1200" dirty="0" smtClean="0">
+                <a:solidFill>
+                  <a:schemeClr val="tx1"/>
+                </a:solidFill>
+                <a:effectLst/>
+                <a:latin typeface="+mn-lt"/>
+                <a:ea typeface="+mn-ea"/>
+                <a:cs typeface="+mn-cs"/>
               </a:rPr>
-              <a:t>Pruebas de Regresión.</a:t>
-            </a:r>
-          </a:p>
-          <a:p>
-            <a:r>
-              <a:rPr lang="es-PE" sz="1200" dirty="0" smtClean="0">
-                <a:solidFill>
-                  <a:schemeClr val="tx1">
-                    <a:lumMod val="95000"/>
-                  </a:schemeClr>
-                </a:solidFill>
+              <a:t>Relation Between Development and Testing Phases</a:t>
+            </a:r>
+          </a:p>
+          <a:p>
+            <a:endParaRPr lang="en-US" sz="1200" b="1" i="0" kern="1200" dirty="0" smtClean="0">
+              <a:solidFill>
+                <a:schemeClr val="tx1"/>
+              </a:solidFill>
+              <a:effectLst/>
+              <a:latin typeface="+mn-lt"/>
+              <a:ea typeface="+mn-ea"/>
+              <a:cs typeface="+mn-cs"/>
+            </a:endParaRPr>
+          </a:p>
+          <a:p>
+            <a:r>
+              <a:rPr lang="en-US" sz="1200" b="0" i="0" kern="1200" dirty="0" smtClean="0">
+                <a:solidFill>
+                  <a:schemeClr val="tx1"/>
+                </a:solidFill>
+                <a:effectLst/>
+                <a:latin typeface="+mn-lt"/>
+                <a:ea typeface="+mn-ea"/>
+                <a:cs typeface="+mn-cs"/>
               </a:rPr>
-              <a:t>Soporte a Refactoring.</a:t>
-            </a:r>
-          </a:p>
-          <a:p>
-            <a:r>
-              <a:rPr lang="es-PE" sz="1200" dirty="0" smtClean="0">
-                <a:solidFill>
-                  <a:schemeClr val="tx1">
-                    <a:lumMod val="95000"/>
-                  </a:schemeClr>
-                </a:solidFill>
+              <a:t>The V-Model demonstrates the relationships between each phase of the development life cycle and its associated phase of </a:t>
+            </a:r>
+            <a:r>
+              <a:rPr lang="en-US" sz="1200" b="0" i="0" u="none" strike="noStrike" kern="1200" dirty="0" smtClean="0">
+                <a:solidFill>
+                  <a:schemeClr val="tx1"/>
+                </a:solidFill>
+                <a:effectLst/>
+                <a:latin typeface="+mn-lt"/>
+                <a:ea typeface="+mn-ea"/>
+                <a:cs typeface="+mn-cs"/>
+                <a:hlinkClick r:id="rId3" tooltip="Software testing"/>
               </a:rPr>
-              <a:t>Calidad Interna.</a:t>
-            </a:r>
-          </a:p>
-          <a:p>
-            <a:r>
-              <a:rPr lang="es-PE" sz="1200" dirty="0" smtClean="0">
-                <a:solidFill>
-                  <a:schemeClr val="tx1">
-                    <a:lumMod val="95000"/>
-                  </a:schemeClr>
-                </a:solidFill>
+              <a:t>testing</a:t>
+            </a:r>
+            <a:r>
+              <a:rPr lang="en-US" sz="1200" b="0" i="0" kern="1200" dirty="0" smtClean="0">
+                <a:solidFill>
+                  <a:schemeClr val="tx1"/>
+                </a:solidFill>
+                <a:effectLst/>
+                <a:latin typeface="+mn-lt"/>
+                <a:ea typeface="+mn-ea"/>
+                <a:cs typeface="+mn-cs"/>
               </a:rPr>
-              <a:t>Hacer más en menos tiempo.</a:t>
-            </a:r>
-          </a:p>
-          <a:p>
-            <a:r>
-              <a:rPr lang="es-PE" sz="1200" dirty="0" smtClean="0">
-                <a:solidFill>
-                  <a:schemeClr val="tx1">
-                    <a:lumMod val="95000"/>
-                  </a:schemeClr>
-                </a:solidFill>
-              </a:rPr>
-              <a:t>Coraje.</a:t>
-            </a:r>
-          </a:p>
-          <a:p>
-            <a:pPr marL="0" indent="0" algn="ctr">
-              <a:buNone/>
-            </a:pPr>
-            <a:endParaRPr lang="es-PE" sz="1200" dirty="0" smtClean="0">
-              <a:solidFill>
-                <a:schemeClr val="tx1">
-                  <a:lumMod val="95000"/>
-                </a:schemeClr>
-              </a:solidFill>
-            </a:endParaRPr>
+              <a:t>. </a:t>
+            </a:r>
+            <a:endParaRPr lang="es-PE" dirty="0"/>
           </a:p>
         </p:txBody>
       </p:sp>
@@ -2432,7 +2502,76 @@
           <a:bodyPr/>
           <a:lstStyle/>
           <a:p>
-            <a:endParaRPr lang="es-PE" dirty="0"/>
+            <a:r>
+              <a:rPr lang="es-PE" sz="1200" dirty="0" smtClean="0">
+                <a:solidFill>
+                  <a:schemeClr val="tx1">
+                    <a:lumMod val="95000"/>
+                  </a:schemeClr>
+                </a:solidFill>
+              </a:rPr>
+              <a:t>Pruebas de Regresión.</a:t>
+            </a:r>
+          </a:p>
+          <a:p>
+            <a:r>
+              <a:rPr lang="es-PE" sz="1200" dirty="0" smtClean="0">
+                <a:solidFill>
+                  <a:schemeClr val="tx1">
+                    <a:lumMod val="95000"/>
+                  </a:schemeClr>
+                </a:solidFill>
+              </a:rPr>
+              <a:t>Soporte a Refactoring.</a:t>
+            </a:r>
+          </a:p>
+          <a:p>
+            <a:r>
+              <a:rPr lang="es-PE" sz="1200" dirty="0" smtClean="0">
+                <a:solidFill>
+                  <a:schemeClr val="tx1">
+                    <a:lumMod val="95000"/>
+                  </a:schemeClr>
+                </a:solidFill>
+              </a:rPr>
+              <a:t>Calidad Interna.</a:t>
+            </a:r>
+          </a:p>
+          <a:p>
+            <a:r>
+              <a:rPr lang="es-PE" sz="1200" dirty="0" smtClean="0">
+                <a:solidFill>
+                  <a:schemeClr val="tx1">
+                    <a:lumMod val="95000"/>
+                  </a:schemeClr>
+                </a:solidFill>
+              </a:rPr>
+              <a:t>Hacer más en menos tiempo.</a:t>
+            </a:r>
+          </a:p>
+          <a:p>
+            <a:r>
+              <a:rPr lang="es-PE" sz="1200" dirty="0" smtClean="0">
+                <a:solidFill>
+                  <a:schemeClr val="tx1">
+                    <a:lumMod val="95000"/>
+                  </a:schemeClr>
+                </a:solidFill>
+              </a:rPr>
+              <a:t>Coraje.</a:t>
+            </a:r>
+          </a:p>
+          <a:p>
+            <a:pPr marL="0" indent="0" algn="ctr">
+              <a:buNone/>
+            </a:pPr>
+            <a:endParaRPr lang="es-PE" sz="1200" dirty="0" smtClean="0">
+              <a:solidFill>
+                <a:schemeClr val="tx1">
+                  <a:lumMod val="95000"/>
+                </a:schemeClr>
+              </a:solidFill>
+            </a:endParaRPr>
           </a:p>
         </p:txBody>
       </p:sp>
@@ -2658,7 +2797,7 @@
             <a:fld id="{807CB568-C05F-482F-9F26-AA302B8892DF}" type="datetimeFigureOut">
               <a:rPr lang="es-ES" smtClean="0"/>
               <a:pPr/>
-              <a:t>15/04/2013</a:t>
+              <a:t>22/04/2013</a:t>
             </a:fld>
             <a:endParaRPr lang="es-ES"/>
           </a:p>
@@ -2837,7 +2976,7 @@
             <a:fld id="{807CB568-C05F-482F-9F26-AA302B8892DF}" type="datetimeFigureOut">
               <a:rPr lang="es-ES" smtClean="0"/>
               <a:pPr/>
-              <a:t>15/04/2013</a:t>
+              <a:t>22/04/2013</a:t>
             </a:fld>
             <a:endParaRPr lang="es-ES"/>
           </a:p>
@@ -3026,7 +3165,7 @@
             <a:fld id="{807CB568-C05F-482F-9F26-AA302B8892DF}" type="datetimeFigureOut">
               <a:rPr lang="es-ES" smtClean="0"/>
               <a:pPr/>
-              <a:t>15/04/2013</a:t>
+              <a:t>22/04/2013</a:t>
             </a:fld>
             <a:endParaRPr lang="es-ES"/>
           </a:p>
@@ -3205,7 +3344,7 @@
             <a:fld id="{807CB568-C05F-482F-9F26-AA302B8892DF}" type="datetimeFigureOut">
               <a:rPr lang="es-ES" smtClean="0"/>
               <a:pPr/>
-              <a:t>15/04/2013</a:t>
+              <a:t>22/04/2013</a:t>
             </a:fld>
             <a:endParaRPr lang="es-ES"/>
           </a:p>
@@ -3460,7 +3599,7 @@
             <a:fld id="{807CB568-C05F-482F-9F26-AA302B8892DF}" type="datetimeFigureOut">
               <a:rPr lang="es-ES" smtClean="0"/>
               <a:pPr/>
-              <a:t>15/04/2013</a:t>
+              <a:t>22/04/2013</a:t>
             </a:fld>
             <a:endParaRPr lang="es-ES"/>
           </a:p>
@@ -3757,7 +3896,7 @@
             <a:fld id="{807CB568-C05F-482F-9F26-AA302B8892DF}" type="datetimeFigureOut">
               <a:rPr lang="es-ES" smtClean="0"/>
               <a:pPr/>
-              <a:t>15/04/2013</a:t>
+              <a:t>22/04/2013</a:t>
             </a:fld>
             <a:endParaRPr lang="es-ES"/>
           </a:p>
@@ -4188,7 +4327,7 @@
             <a:fld id="{807CB568-C05F-482F-9F26-AA302B8892DF}" type="datetimeFigureOut">
               <a:rPr lang="es-ES" smtClean="0"/>
               <a:pPr/>
-              <a:t>15/04/2013</a:t>
+              <a:t>22/04/2013</a:t>
             </a:fld>
             <a:endParaRPr lang="es-ES"/>
           </a:p>
@@ -4315,7 +4454,7 @@
             <a:fld id="{807CB568-C05F-482F-9F26-AA302B8892DF}" type="datetimeFigureOut">
               <a:rPr lang="es-ES" smtClean="0"/>
               <a:pPr/>
-              <a:t>15/04/2013</a:t>
+              <a:t>22/04/2013</a:t>
             </a:fld>
             <a:endParaRPr lang="es-ES"/>
           </a:p>
@@ -4419,7 +4558,7 @@
             <a:fld id="{807CB568-C05F-482F-9F26-AA302B8892DF}" type="datetimeFigureOut">
               <a:rPr lang="es-ES" smtClean="0"/>
               <a:pPr/>
-              <a:t>15/04/2013</a:t>
+              <a:t>22/04/2013</a:t>
             </a:fld>
             <a:endParaRPr lang="es-ES"/>
           </a:p>
@@ -4705,7 +4844,7 @@
             <a:fld id="{807CB568-C05F-482F-9F26-AA302B8892DF}" type="datetimeFigureOut">
               <a:rPr lang="es-ES" smtClean="0"/>
               <a:pPr/>
-              <a:t>15/04/2013</a:t>
+              <a:t>22/04/2013</a:t>
             </a:fld>
             <a:endParaRPr lang="es-ES"/>
           </a:p>
@@ -4974,7 +5113,7 @@
             <a:fld id="{807CB568-C05F-482F-9F26-AA302B8892DF}" type="datetimeFigureOut">
               <a:rPr lang="es-ES" smtClean="0"/>
               <a:pPr/>
-              <a:t>15/04/2013</a:t>
+              <a:t>22/04/2013</a:t>
             </a:fld>
             <a:endParaRPr lang="es-ES"/>
           </a:p>
@@ -5225,7 +5364,7 @@
             <a:fld id="{807CB568-C05F-482F-9F26-AA302B8892DF}" type="datetimeFigureOut">
               <a:rPr lang="es-ES" smtClean="0"/>
               <a:pPr/>
-              <a:t>15/04/2013</a:t>
+              <a:t>22/04/2013</a:t>
             </a:fld>
             <a:endParaRPr lang="es-ES"/>
           </a:p>
@@ -6038,6 +6177,183 @@
 </p:sld>
 </file>
 
+<file path=ppt/slides/slide10.xml><?xml version="1.0" encoding="utf-8"?>
+<p:sld xmlns:a="http://schemas.openxmlformats.org/drawingml/2006/main" xmlns:r="http://schemas.openxmlformats.org/officeDocument/2006/relationships" xmlns:p="http://schemas.openxmlformats.org/presentationml/2006/main">
+  <p:cSld>
+    <p:spTree>
+      <p:nvGrpSpPr>
+        <p:cNvPr id="1" name=""/>
+        <p:cNvGrpSpPr/>
+        <p:nvPr/>
+      </p:nvGrpSpPr>
+      <p:grpSpPr>
+        <a:xfrm>
+          <a:off x="0" y="0"/>
+          <a:ext cx="0" cy="0"/>
+          <a:chOff x="0" y="0"/>
+          <a:chExt cx="0" cy="0"/>
+        </a:xfrm>
+      </p:grpSpPr>
+      <p:sp>
+        <p:nvSpPr>
+          <p:cNvPr id="3" name="2 Título"/>
+          <p:cNvSpPr>
+            <a:spLocks noGrp="1"/>
+          </p:cNvSpPr>
+          <p:nvPr>
+            <p:ph type="title"/>
+          </p:nvPr>
+        </p:nvSpPr>
+        <p:spPr>
+          <a:xfrm>
+            <a:off x="524338" y="216030"/>
+            <a:ext cx="8229600" cy="724942"/>
+          </a:xfrm>
+        </p:spPr>
+        <p:txBody>
+          <a:bodyPr/>
+          <a:lstStyle/>
+          <a:p>
+            <a:r>
+              <a:rPr lang="es-PE" dirty="0" smtClean="0">
+                <a:solidFill>
+                  <a:srgbClr val="00823B"/>
+                </a:solidFill>
+              </a:rPr>
+              <a:t>Información Adicional</a:t>
+            </a:r>
+            <a:endParaRPr lang="es-PE" dirty="0">
+              <a:solidFill>
+                <a:srgbClr val="00823B"/>
+              </a:solidFill>
+            </a:endParaRPr>
+          </a:p>
+        </p:txBody>
+      </p:sp>
+      <p:sp>
+        <p:nvSpPr>
+          <p:cNvPr id="13" name="12 CuadroTexto"/>
+          <p:cNvSpPr txBox="1"/>
+          <p:nvPr/>
+        </p:nvSpPr>
+        <p:spPr>
+          <a:xfrm>
+            <a:off x="209672" y="1124744"/>
+            <a:ext cx="8712968" cy="1938992"/>
+          </a:xfrm>
+          <a:prstGeom prst="rect">
+            <a:avLst/>
+          </a:prstGeom>
+          <a:noFill/>
+        </p:spPr>
+        <p:txBody>
+          <a:bodyPr wrap="square" rtlCol="0">
+            <a:spAutoFit/>
+          </a:bodyPr>
+          <a:lstStyle/>
+          <a:p>
+            <a:pPr marL="457200" indent="-457200">
+              <a:buFont typeface="Arial" pitchFamily="34" charset="0"/>
+              <a:buChar char="•"/>
+            </a:pPr>
+            <a:r>
+              <a:rPr lang="es-PE" sz="2400" dirty="0" smtClean="0"/>
+              <a:t>Manual </a:t>
+            </a:r>
+            <a:r>
+              <a:rPr lang="es-PE" sz="2400" dirty="0" err="1" smtClean="0"/>
+              <a:t>tests</a:t>
+            </a:r>
+            <a:r>
+              <a:rPr lang="es-PE" sz="2400" dirty="0" smtClean="0"/>
+              <a:t> are </a:t>
+            </a:r>
+            <a:r>
+              <a:rPr lang="es-PE" sz="2400" dirty="0" err="1" smtClean="0"/>
+              <a:t>Important</a:t>
+            </a:r>
+            <a:r>
+              <a:rPr lang="es-PE" sz="2400" dirty="0" smtClean="0"/>
+              <a:t/>
+            </a:r>
+            <a:br>
+              <a:rPr lang="es-PE" sz="2400" dirty="0" smtClean="0"/>
+            </a:br>
+            <a:r>
+              <a:rPr lang="es-PE" sz="2400" dirty="0">
+                <a:solidFill>
+                  <a:srgbClr val="FFC000"/>
+                </a:solidFill>
+              </a:rPr>
+              <a:t>http://www.satisfice.com/blog/archives/58</a:t>
+            </a:r>
+          </a:p>
+          <a:p>
+            <a:pPr marL="457200" indent="-457200">
+              <a:buFont typeface="Arial" pitchFamily="34" charset="0"/>
+              <a:buChar char="•"/>
+            </a:pPr>
+            <a:endParaRPr lang="es-PE" sz="2400" dirty="0" smtClean="0"/>
+          </a:p>
+          <a:p>
+            <a:pPr marL="457200" indent="-457200">
+              <a:buFont typeface="Arial" pitchFamily="34" charset="0"/>
+              <a:buChar char="•"/>
+            </a:pPr>
+            <a:r>
+              <a:rPr lang="es-PE" sz="2400" dirty="0" smtClean="0"/>
+              <a:t>Agile </a:t>
+            </a:r>
+            <a:r>
+              <a:rPr lang="es-PE" sz="2400" dirty="0" err="1" smtClean="0"/>
+              <a:t>Testing</a:t>
+            </a:r>
+            <a:r>
+              <a:rPr lang="es-PE" sz="2400" dirty="0" smtClean="0"/>
+              <a:t> </a:t>
+            </a:r>
+            <a:r>
+              <a:rPr lang="es-PE" sz="2400" dirty="0" err="1" smtClean="0"/>
+              <a:t>Matrix</a:t>
+            </a:r>
+            <a:r>
+              <a:rPr lang="es-PE" sz="2400" dirty="0" smtClean="0"/>
+              <a:t/>
+            </a:r>
+            <a:br>
+              <a:rPr lang="es-PE" sz="2400" dirty="0" smtClean="0"/>
+            </a:br>
+            <a:r>
+              <a:rPr lang="es-PE" sz="2400" dirty="0">
+                <a:solidFill>
+                  <a:srgbClr val="FFC000"/>
+                </a:solidFill>
+              </a:rPr>
+              <a:t>http://www.exampler.com/old-blog/2003/08/21/</a:t>
+            </a:r>
+          </a:p>
+        </p:txBody>
+      </p:sp>
+    </p:spTree>
+    <p:extLst>
+      <p:ext uri="{BB962C8B-B14F-4D97-AF65-F5344CB8AC3E}">
+        <p14:creationId xmlns:p14="http://schemas.microsoft.com/office/powerpoint/2010/main" val="1813450959"/>
+      </p:ext>
+    </p:extLst>
+  </p:cSld>
+  <p:clrMapOvr>
+    <a:masterClrMapping/>
+  </p:clrMapOvr>
+  <p:timing>
+    <p:tnLst>
+      <p:par>
+        <p:cTn id="1" dur="indefinite" restart="never" nodeType="tmRoot"/>
+      </p:par>
+    </p:tnLst>
+  </p:timing>
+</p:sld>
+</file>
+
 <file path=ppt/slides/slide2.xml><?xml version="1.0" encoding="utf-8"?>
 <p:sld xmlns:a="http://schemas.openxmlformats.org/drawingml/2006/main" xmlns:r="http://schemas.openxmlformats.org/officeDocument/2006/relationships" xmlns:p="http://schemas.openxmlformats.org/presentationml/2006/main">
   <p:cSld>
@@ -7961,7 +8277,7 @@
                   <a:srgbClr val="00823B"/>
                 </a:solidFill>
               </a:rPr>
-              <a:t>Diferentes Tipos de </a:t>
+              <a:t>Agile </a:t>
             </a:r>
             <a:r>
               <a:rPr lang="es-PE" dirty="0" err="1" smtClean="0">
@@ -7969,7 +8285,23 @@
                   <a:srgbClr val="00823B"/>
                 </a:solidFill>
               </a:rPr>
-              <a:t>Tests</a:t>
+              <a:t>Testing</a:t>
+            </a:r>
+            <a:r>
+              <a:rPr lang="es-PE" dirty="0" smtClean="0">
+                <a:solidFill>
+                  <a:srgbClr val="00823B"/>
+                </a:solidFill>
+              </a:rPr>
+              <a:t> </a:t>
+            </a:r>
+            <a:r>
+              <a:rPr lang="es-PE" dirty="0" err="1" smtClean="0">
+                <a:solidFill>
+                  <a:srgbClr val="00823B"/>
+                </a:solidFill>
+              </a:rPr>
+              <a:t>Quadrant</a:t>
             </a:r>
             <a:endParaRPr lang="es-PE" dirty="0">
               <a:solidFill>
@@ -9425,7 +9757,7 @@
     </p:spTree>
     <p:extLst>
       <p:ext uri="{BB962C8B-B14F-4D97-AF65-F5344CB8AC3E}">
-        <p14:creationId xmlns:p14="http://schemas.microsoft.com/office/powerpoint/2010/main" val="990120305"/>
+        <p14:creationId xmlns:p14="http://schemas.microsoft.com/office/powerpoint/2010/main" val="2971217130"/>
       </p:ext>
     </p:extLst>
   </p:cSld>
@@ -9471,7 +9803,7 @@
         </p:nvSpPr>
         <p:spPr>
           <a:xfrm>
-            <a:off x="529208" y="476672"/>
+            <a:off x="529208" y="188640"/>
             <a:ext cx="8229600" cy="864096"/>
           </a:xfrm>
         </p:spPr>
@@ -9485,247 +9817,596 @@
                   <a:srgbClr val="00823B"/>
                 </a:solidFill>
               </a:rPr>
-              <a:t>Beneficios del 1er </a:t>
-            </a:r>
-            <a:r>
-              <a:rPr lang="es-PE" dirty="0" smtClean="0">
+              <a:t>V-</a:t>
+            </a:r>
+            <a:r>
+              <a:rPr lang="es-PE" dirty="0" err="1" smtClean="0">
                 <a:solidFill>
                   <a:srgbClr val="00823B"/>
                 </a:solidFill>
               </a:rPr>
-              <a:t>Cuadrante</a:t>
-            </a:r>
-            <a:br>
-              <a:rPr lang="es-PE" dirty="0" smtClean="0">
-                <a:solidFill>
-                  <a:srgbClr val="00823B"/>
-                </a:solidFill>
-              </a:rPr>
-            </a:br>
-            <a:r>
-              <a:rPr lang="es-PE" dirty="0">
-                <a:solidFill>
-                  <a:srgbClr val="00823B"/>
-                </a:solidFill>
-              </a:rPr>
-              <a:t>(</a:t>
-            </a:r>
-            <a:r>
-              <a:rPr lang="es-PE" dirty="0" err="1">
-                <a:solidFill>
-                  <a:srgbClr val="00823B"/>
-                </a:solidFill>
-              </a:rPr>
-              <a:t>Unit</a:t>
-            </a:r>
-            <a:r>
-              <a:rPr lang="es-PE" dirty="0">
-                <a:solidFill>
-                  <a:srgbClr val="00823B"/>
-                </a:solidFill>
-              </a:rPr>
-              <a:t>, Integration y </a:t>
-            </a:r>
-            <a:r>
-              <a:rPr lang="es-PE" dirty="0" err="1">
-                <a:solidFill>
-                  <a:srgbClr val="00823B"/>
-                </a:solidFill>
-              </a:rPr>
-              <a:t>System</a:t>
-            </a:r>
-            <a:r>
-              <a:rPr lang="es-PE" dirty="0">
-                <a:solidFill>
-                  <a:srgbClr val="00823B"/>
-                </a:solidFill>
-              </a:rPr>
-              <a:t> </a:t>
-            </a:r>
-            <a:r>
-              <a:rPr lang="es-PE" dirty="0" err="1">
-                <a:solidFill>
-                  <a:srgbClr val="00823B"/>
-                </a:solidFill>
-              </a:rPr>
-              <a:t>Tests</a:t>
-            </a:r>
-            <a:r>
-              <a:rPr lang="es-PE" dirty="0">
-                <a:solidFill>
-                  <a:srgbClr val="00823B"/>
-                </a:solidFill>
-              </a:rPr>
-              <a:t>)</a:t>
-            </a:r>
+              <a:t>Model</a:t>
+            </a:r>
+            <a:endParaRPr lang="es-PE" dirty="0">
+              <a:solidFill>
+                <a:srgbClr val="00823B"/>
+              </a:solidFill>
+            </a:endParaRPr>
           </a:p>
         </p:txBody>
       </p:sp>
-      <p:sp>
-        <p:nvSpPr>
-          <p:cNvPr id="5" name="2 Marcador de contenido"/>
-          <p:cNvSpPr>
-            <a:spLocks noGrp="1"/>
-          </p:cNvSpPr>
-          <p:nvPr>
-            <p:ph idx="1"/>
-          </p:nvPr>
-        </p:nvSpPr>
-        <p:spPr>
+      <p:grpSp>
+        <p:nvGrpSpPr>
+          <p:cNvPr id="15" name="14 Grupo"/>
+          <p:cNvGrpSpPr/>
+          <p:nvPr/>
+        </p:nvGrpSpPr>
+        <p:grpSpPr>
           <a:xfrm>
-            <a:off x="194502" y="2032248"/>
-            <a:ext cx="8820472" cy="2908920"/>
+            <a:off x="935744" y="1744403"/>
+            <a:ext cx="7272512" cy="3529687"/>
+            <a:chOff x="1035913" y="1744403"/>
+            <a:chExt cx="7272512" cy="3529687"/>
           </a:xfrm>
-        </p:spPr>
-        <p:txBody>
-          <a:bodyPr/>
-          <a:lstStyle/>
-          <a:p>
-            <a:pPr marL="0" indent="0" algn="ctr">
-              <a:buNone/>
-            </a:pPr>
-            <a:r>
-              <a:rPr lang="es-PE" sz="2800" dirty="0">
-                <a:solidFill>
-                  <a:schemeClr val="tx1">
-                    <a:lumMod val="95000"/>
-                  </a:schemeClr>
-                </a:solidFill>
-                <a:latin typeface="Calibri" pitchFamily="34" charset="0"/>
-              </a:rPr>
-              <a:t>Proporcionan una capa de seguridad para </a:t>
-            </a:r>
-            <a:r>
-              <a:rPr lang="es-PE" sz="2800" dirty="0" smtClean="0">
-                <a:solidFill>
-                  <a:schemeClr val="tx1">
-                    <a:lumMod val="95000"/>
-                  </a:schemeClr>
-                </a:solidFill>
-                <a:latin typeface="Calibri" pitchFamily="34" charset="0"/>
-              </a:rPr>
-              <a:t/>
-            </a:r>
-            <a:br>
-              <a:rPr lang="es-PE" sz="2800" dirty="0" smtClean="0">
-                <a:solidFill>
-                  <a:schemeClr val="tx1">
-                    <a:lumMod val="95000"/>
-                  </a:schemeClr>
-                </a:solidFill>
-                <a:latin typeface="Calibri" pitchFamily="34" charset="0"/>
-              </a:rPr>
-            </a:br>
-            <a:r>
-              <a:rPr lang="es-PE" sz="2800" b="1" dirty="0" smtClean="0">
-                <a:solidFill>
-                  <a:srgbClr val="FFC000"/>
-                </a:solidFill>
-                <a:latin typeface="Calibri" pitchFamily="34" charset="0"/>
-              </a:rPr>
-              <a:t>agregar </a:t>
-            </a:r>
-            <a:r>
-              <a:rPr lang="es-PE" sz="2800" b="1" dirty="0">
-                <a:solidFill>
-                  <a:srgbClr val="FFC000"/>
-                </a:solidFill>
-                <a:latin typeface="Calibri" pitchFamily="34" charset="0"/>
-              </a:rPr>
-              <a:t>o modificar características </a:t>
-            </a:r>
-            <a:r>
-              <a:rPr lang="es-PE" sz="2800" b="1" dirty="0" smtClean="0">
-                <a:solidFill>
-                  <a:srgbClr val="FFC000"/>
-                </a:solidFill>
-                <a:latin typeface="Calibri" pitchFamily="34" charset="0"/>
-              </a:rPr>
-              <a:t>a la </a:t>
-            </a:r>
-            <a:r>
-              <a:rPr lang="es-PE" sz="2800" b="1" dirty="0">
-                <a:solidFill>
-                  <a:srgbClr val="FFC000"/>
-                </a:solidFill>
-                <a:latin typeface="Calibri" pitchFamily="34" charset="0"/>
-              </a:rPr>
-              <a:t>aplicación de manera </a:t>
-            </a:r>
-            <a:r>
-              <a:rPr lang="es-PE" sz="2800" b="1" dirty="0" smtClean="0">
-                <a:solidFill>
-                  <a:srgbClr val="FFC000"/>
-                </a:solidFill>
-                <a:latin typeface="Calibri" pitchFamily="34" charset="0"/>
-              </a:rPr>
-              <a:t>segura.</a:t>
-            </a:r>
-          </a:p>
-          <a:p>
-            <a:pPr marL="0" indent="0" algn="ctr">
-              <a:buNone/>
-            </a:pPr>
-            <a:endParaRPr lang="es-PE" sz="2600" dirty="0" smtClean="0">
+        </p:grpSpPr>
+        <p:sp>
+          <p:nvSpPr>
+            <p:cNvPr id="2" name="1 Rectángulo redondeado"/>
+            <p:cNvSpPr/>
+            <p:nvPr/>
+          </p:nvSpPr>
+          <p:spPr>
+            <a:xfrm>
+              <a:off x="2585655" y="4300939"/>
+              <a:ext cx="1931532" cy="864096"/>
+            </a:xfrm>
+            <a:prstGeom prst="roundRect">
+              <a:avLst/>
+            </a:prstGeom>
+          </p:spPr>
+          <p:style>
+            <a:lnRef idx="2">
+              <a:schemeClr val="accent1">
+                <a:shade val="50000"/>
+              </a:schemeClr>
+            </a:lnRef>
+            <a:fillRef idx="1">
+              <a:schemeClr val="accent1"/>
+            </a:fillRef>
+            <a:effectRef idx="0">
+              <a:schemeClr val="accent1"/>
+            </a:effectRef>
+            <a:fontRef idx="minor">
+              <a:schemeClr val="lt1"/>
+            </a:fontRef>
+          </p:style>
+          <p:txBody>
+            <a:bodyPr rtlCol="0" anchor="ctr"/>
+            <a:lstStyle/>
+            <a:p>
+              <a:pPr algn="ctr"/>
+              <a:r>
+                <a:rPr lang="es-PE" dirty="0" err="1" smtClean="0"/>
+                <a:t>Coding</a:t>
+              </a:r>
+              <a:endParaRPr lang="es-PE" dirty="0"/>
+            </a:p>
+          </p:txBody>
+        </p:sp>
+        <p:sp>
+          <p:nvSpPr>
+            <p:cNvPr id="21" name="20 Rectángulo redondeado"/>
+            <p:cNvSpPr/>
+            <p:nvPr/>
+          </p:nvSpPr>
+          <p:spPr>
+            <a:xfrm>
+              <a:off x="4872716" y="4300939"/>
+              <a:ext cx="1931532" cy="864096"/>
+            </a:xfrm>
+            <a:prstGeom prst="roundRect">
+              <a:avLst/>
+            </a:prstGeom>
+          </p:spPr>
+          <p:style>
+            <a:lnRef idx="2">
+              <a:schemeClr val="accent2">
+                <a:shade val="50000"/>
+              </a:schemeClr>
+            </a:lnRef>
+            <a:fillRef idx="1">
+              <a:schemeClr val="accent2"/>
+            </a:fillRef>
+            <a:effectRef idx="0">
+              <a:schemeClr val="accent2"/>
+            </a:effectRef>
+            <a:fontRef idx="minor">
+              <a:schemeClr val="lt1"/>
+            </a:fontRef>
+          </p:style>
+          <p:txBody>
+            <a:bodyPr rtlCol="0" anchor="ctr"/>
+            <a:lstStyle/>
+            <a:p>
+              <a:pPr algn="ctr"/>
+              <a:r>
+                <a:rPr lang="es-PE" dirty="0" err="1" smtClean="0"/>
+                <a:t>Unit</a:t>
+              </a:r>
+              <a:r>
+                <a:rPr lang="es-PE" dirty="0" smtClean="0"/>
+                <a:t> </a:t>
+              </a:r>
+              <a:br>
+                <a:rPr lang="es-PE" dirty="0" smtClean="0"/>
+              </a:br>
+              <a:r>
+                <a:rPr lang="es-PE" dirty="0" err="1" smtClean="0"/>
+                <a:t>Testing</a:t>
+              </a:r>
+              <a:endParaRPr lang="es-PE" dirty="0"/>
+            </a:p>
+          </p:txBody>
+        </p:sp>
+        <p:sp>
+          <p:nvSpPr>
+            <p:cNvPr id="22" name="21 Rectángulo redondeado"/>
+            <p:cNvSpPr/>
+            <p:nvPr/>
+          </p:nvSpPr>
+          <p:spPr>
+            <a:xfrm>
+              <a:off x="5453789" y="3054282"/>
+              <a:ext cx="1926523" cy="1008112"/>
+            </a:xfrm>
+            <a:prstGeom prst="roundRect">
+              <a:avLst/>
+            </a:prstGeom>
+          </p:spPr>
+          <p:style>
+            <a:lnRef idx="2">
+              <a:schemeClr val="accent2">
+                <a:shade val="50000"/>
+              </a:schemeClr>
+            </a:lnRef>
+            <a:fillRef idx="1">
+              <a:schemeClr val="accent2"/>
+            </a:fillRef>
+            <a:effectRef idx="0">
+              <a:schemeClr val="accent2"/>
+            </a:effectRef>
+            <a:fontRef idx="minor">
+              <a:schemeClr val="lt1"/>
+            </a:fontRef>
+          </p:style>
+          <p:txBody>
+            <a:bodyPr rtlCol="0" anchor="ctr"/>
+            <a:lstStyle/>
+            <a:p>
+              <a:pPr algn="ctr"/>
+              <a:r>
+                <a:rPr lang="es-PE" dirty="0" smtClean="0"/>
+                <a:t>Integration </a:t>
+              </a:r>
+              <a:r>
+                <a:rPr lang="es-PE" dirty="0" err="1" smtClean="0"/>
+                <a:t>Testing</a:t>
+              </a:r>
+              <a:endParaRPr lang="es-PE" dirty="0"/>
+            </a:p>
+          </p:txBody>
+        </p:sp>
+        <p:sp>
+          <p:nvSpPr>
+            <p:cNvPr id="40" name="39 Rectángulo redondeado"/>
+            <p:cNvSpPr/>
+            <p:nvPr/>
+          </p:nvSpPr>
+          <p:spPr>
+            <a:xfrm>
+              <a:off x="1979712" y="3054282"/>
+              <a:ext cx="1926523" cy="1008112"/>
+            </a:xfrm>
+            <a:prstGeom prst="roundRect">
+              <a:avLst/>
+            </a:prstGeom>
+          </p:spPr>
+          <p:style>
+            <a:lnRef idx="2">
+              <a:schemeClr val="accent1">
+                <a:shade val="50000"/>
+              </a:schemeClr>
+            </a:lnRef>
+            <a:fillRef idx="1">
+              <a:schemeClr val="accent1"/>
+            </a:fillRef>
+            <a:effectRef idx="0">
+              <a:schemeClr val="accent1"/>
+            </a:effectRef>
+            <a:fontRef idx="minor">
+              <a:schemeClr val="lt1"/>
+            </a:fontRef>
+          </p:style>
+          <p:txBody>
+            <a:bodyPr rtlCol="0" anchor="ctr"/>
+            <a:lstStyle/>
+            <a:p>
+              <a:pPr algn="ctr"/>
+              <a:r>
+                <a:rPr lang="es-PE" dirty="0" err="1" smtClean="0"/>
+                <a:t>Design</a:t>
+              </a:r>
+              <a:r>
+                <a:rPr lang="es-PE" dirty="0" smtClean="0"/>
+                <a:t/>
+              </a:r>
+              <a:br>
+                <a:rPr lang="es-PE" dirty="0" smtClean="0"/>
+              </a:br>
+              <a:r>
+                <a:rPr lang="es-PE" dirty="0" smtClean="0"/>
+                <a:t>(</a:t>
+              </a:r>
+              <a:r>
+                <a:rPr lang="es-PE" dirty="0" err="1" smtClean="0"/>
+                <a:t>Architectural</a:t>
+              </a:r>
+              <a:r>
+                <a:rPr lang="es-PE" dirty="0" smtClean="0"/>
+                <a:t>, </a:t>
+              </a:r>
+              <a:r>
+                <a:rPr lang="es-PE" dirty="0" err="1" smtClean="0"/>
+                <a:t>Component</a:t>
+              </a:r>
+              <a:r>
+                <a:rPr lang="es-PE" dirty="0" smtClean="0"/>
+                <a:t>)</a:t>
+              </a:r>
+              <a:endParaRPr lang="es-PE" dirty="0"/>
+            </a:p>
+          </p:txBody>
+        </p:sp>
+        <p:sp>
+          <p:nvSpPr>
+            <p:cNvPr id="41" name="40 Rectángulo redondeado"/>
+            <p:cNvSpPr/>
+            <p:nvPr/>
+          </p:nvSpPr>
+          <p:spPr>
+            <a:xfrm>
+              <a:off x="1475656" y="1817173"/>
+              <a:ext cx="1926523" cy="1012567"/>
+            </a:xfrm>
+            <a:prstGeom prst="roundRect">
+              <a:avLst/>
+            </a:prstGeom>
+          </p:spPr>
+          <p:style>
+            <a:lnRef idx="2">
+              <a:schemeClr val="accent1">
+                <a:shade val="50000"/>
+              </a:schemeClr>
+            </a:lnRef>
+            <a:fillRef idx="1">
+              <a:schemeClr val="accent1"/>
+            </a:fillRef>
+            <a:effectRef idx="0">
+              <a:schemeClr val="accent1"/>
+            </a:effectRef>
+            <a:fontRef idx="minor">
+              <a:schemeClr val="lt1"/>
+            </a:fontRef>
+          </p:style>
+          <p:txBody>
+            <a:bodyPr rtlCol="0" anchor="ctr"/>
+            <a:lstStyle/>
+            <a:p>
+              <a:pPr algn="ctr"/>
+              <a:r>
+                <a:rPr lang="es-PE" dirty="0" smtClean="0"/>
+                <a:t>Análisis</a:t>
+              </a:r>
+              <a:br>
+                <a:rPr lang="es-PE" dirty="0" smtClean="0"/>
+              </a:br>
+              <a:r>
+                <a:rPr lang="es-PE" dirty="0" smtClean="0"/>
+                <a:t>(</a:t>
+              </a:r>
+              <a:r>
+                <a:rPr lang="es-PE" dirty="0" err="1" smtClean="0"/>
+                <a:t>Funct</a:t>
+              </a:r>
+              <a:r>
+                <a:rPr lang="es-PE" dirty="0" smtClean="0"/>
+                <a:t>/Non </a:t>
+              </a:r>
+              <a:r>
+                <a:rPr lang="es-PE" dirty="0" err="1" smtClean="0"/>
+                <a:t>Funct</a:t>
+              </a:r>
+              <a:r>
+                <a:rPr lang="es-PE" dirty="0" smtClean="0"/>
+                <a:t> </a:t>
+              </a:r>
+              <a:r>
+                <a:rPr lang="es-PE" dirty="0" err="1" smtClean="0"/>
+                <a:t>Requirements</a:t>
+              </a:r>
+              <a:r>
+                <a:rPr lang="es-PE" dirty="0" smtClean="0"/>
+                <a:t>)</a:t>
+              </a:r>
+              <a:endParaRPr lang="es-PE" dirty="0"/>
+            </a:p>
+          </p:txBody>
+        </p:sp>
+        <p:sp>
+          <p:nvSpPr>
+            <p:cNvPr id="42" name="41 Rectángulo redondeado"/>
+            <p:cNvSpPr/>
+            <p:nvPr/>
+          </p:nvSpPr>
+          <p:spPr>
+            <a:xfrm>
+              <a:off x="5957845" y="1817173"/>
+              <a:ext cx="1926523" cy="1012567"/>
+            </a:xfrm>
+            <a:prstGeom prst="roundRect">
+              <a:avLst/>
+            </a:prstGeom>
+          </p:spPr>
+          <p:style>
+            <a:lnRef idx="2">
+              <a:schemeClr val="accent2">
+                <a:shade val="50000"/>
+              </a:schemeClr>
+            </a:lnRef>
+            <a:fillRef idx="1">
+              <a:schemeClr val="accent2"/>
+            </a:fillRef>
+            <a:effectRef idx="0">
+              <a:schemeClr val="accent2"/>
+            </a:effectRef>
+            <a:fontRef idx="minor">
+              <a:schemeClr val="lt1"/>
+            </a:fontRef>
+          </p:style>
+          <p:txBody>
+            <a:bodyPr rtlCol="0" anchor="ctr"/>
+            <a:lstStyle/>
+            <a:p>
+              <a:pPr algn="ctr"/>
+              <a:r>
+                <a:rPr lang="es-PE" dirty="0" err="1" smtClean="0"/>
+                <a:t>System</a:t>
+              </a:r>
+              <a:r>
+                <a:rPr lang="es-PE" dirty="0" smtClean="0"/>
+                <a:t> </a:t>
+              </a:r>
+              <a:br>
+                <a:rPr lang="es-PE" dirty="0" smtClean="0"/>
+              </a:br>
+              <a:r>
+                <a:rPr lang="es-PE" dirty="0" err="1" smtClean="0"/>
+                <a:t>Testing</a:t>
+              </a:r>
+              <a:endParaRPr lang="es-PE" dirty="0"/>
+            </a:p>
+          </p:txBody>
+        </p:sp>
+        <p:sp>
+          <p:nvSpPr>
+            <p:cNvPr id="3" name="2 Flecha derecha"/>
+            <p:cNvSpPr/>
+            <p:nvPr/>
+          </p:nvSpPr>
+          <p:spPr>
+            <a:xfrm rot="4037035">
+              <a:off x="-404087" y="3186090"/>
+              <a:ext cx="3528000" cy="648000"/>
+            </a:xfrm>
+            <a:prstGeom prst="rightArrow">
+              <a:avLst/>
+            </a:prstGeom>
+          </p:spPr>
+          <p:style>
+            <a:lnRef idx="2">
+              <a:schemeClr val="accent3">
+                <a:shade val="50000"/>
+              </a:schemeClr>
+            </a:lnRef>
+            <a:fillRef idx="1">
+              <a:schemeClr val="accent3"/>
+            </a:fillRef>
+            <a:effectRef idx="0">
+              <a:schemeClr val="accent3"/>
+            </a:effectRef>
+            <a:fontRef idx="minor">
+              <a:schemeClr val="lt1"/>
+            </a:fontRef>
+          </p:style>
+          <p:txBody>
+            <a:bodyPr rtlCol="0" anchor="ctr"/>
+            <a:lstStyle/>
+            <a:p>
+              <a:pPr algn="ctr"/>
+              <a:r>
+                <a:rPr lang="es-PE" sz="2000" dirty="0" smtClean="0"/>
+                <a:t>Proceso de Desarrollo</a:t>
+              </a:r>
+              <a:endParaRPr lang="es-PE" sz="2000" dirty="0"/>
+            </a:p>
+          </p:txBody>
+        </p:sp>
+        <p:sp>
+          <p:nvSpPr>
+            <p:cNvPr id="44" name="43 Flecha izquierda"/>
+            <p:cNvSpPr/>
+            <p:nvPr/>
+          </p:nvSpPr>
+          <p:spPr>
+            <a:xfrm rot="17562965" flipH="1">
+              <a:off x="6220425" y="3184403"/>
+              <a:ext cx="3528000" cy="648000"/>
+            </a:xfrm>
+            <a:prstGeom prst="leftArrow">
+              <a:avLst/>
+            </a:prstGeom>
+          </p:spPr>
+          <p:style>
+            <a:lnRef idx="2">
+              <a:schemeClr val="accent3">
+                <a:shade val="50000"/>
+              </a:schemeClr>
+            </a:lnRef>
+            <a:fillRef idx="1">
+              <a:schemeClr val="accent3"/>
+            </a:fillRef>
+            <a:effectRef idx="0">
+              <a:schemeClr val="accent3"/>
+            </a:effectRef>
+            <a:fontRef idx="minor">
+              <a:schemeClr val="lt1"/>
+            </a:fontRef>
+          </p:style>
+          <p:txBody>
+            <a:bodyPr rtlCol="0" anchor="ctr"/>
+            <a:lstStyle/>
+            <a:p>
+              <a:pPr algn="ctr"/>
+              <a:r>
+                <a:rPr lang="es-PE" sz="2000" dirty="0" smtClean="0"/>
+                <a:t>Proceso de Pruebas</a:t>
+              </a:r>
+              <a:endParaRPr lang="es-PE" sz="2000" dirty="0"/>
+            </a:p>
+          </p:txBody>
+        </p:sp>
+        <p:cxnSp>
+          <p:nvCxnSpPr>
+            <p:cNvPr id="5" name="4 Conector recto de flecha"/>
+            <p:cNvCxnSpPr>
+              <a:stCxn id="42" idx="1"/>
+              <a:endCxn id="41" idx="3"/>
+            </p:cNvCxnSpPr>
+            <p:nvPr/>
+          </p:nvCxnSpPr>
+          <p:spPr>
+            <a:xfrm flipH="1">
+              <a:off x="3402179" y="2323457"/>
+              <a:ext cx="2555666" cy="0"/>
+            </a:xfrm>
+            <a:prstGeom prst="straightConnector1">
+              <a:avLst/>
+            </a:prstGeom>
+            <a:ln w="38100">
               <a:solidFill>
-                <a:schemeClr val="tx1">
-                  <a:lumMod val="95000"/>
-                </a:schemeClr>
+                <a:srgbClr val="FFC000"/>
               </a:solidFill>
-              <a:latin typeface="Calibri" pitchFamily="34" charset="0"/>
-            </a:endParaRPr>
-          </a:p>
-          <a:p>
-            <a:r>
-              <a:rPr lang="es-PE" sz="2600" dirty="0">
-                <a:solidFill>
-                  <a:schemeClr val="tx1">
-                    <a:lumMod val="95000"/>
-                  </a:schemeClr>
-                </a:solidFill>
-                <a:latin typeface="Calibri" pitchFamily="34" charset="0"/>
-              </a:rPr>
-              <a:t>Hacer más en menos tiempo (Pruebas de Regresión).</a:t>
-            </a:r>
-          </a:p>
-          <a:p>
-            <a:r>
-              <a:rPr lang="es-PE" sz="2600" dirty="0">
-                <a:solidFill>
-                  <a:schemeClr val="tx1">
-                    <a:lumMod val="95000"/>
-                  </a:schemeClr>
-                </a:solidFill>
-                <a:latin typeface="Calibri" pitchFamily="34" charset="0"/>
-              </a:rPr>
-              <a:t>Calidad Interna (Habilita el Refactoring</a:t>
-            </a:r>
-            <a:r>
-              <a:rPr lang="es-PE" sz="2600" dirty="0" smtClean="0">
-                <a:solidFill>
-                  <a:schemeClr val="tx1">
-                    <a:lumMod val="95000"/>
-                  </a:schemeClr>
-                </a:solidFill>
-                <a:latin typeface="Calibri" pitchFamily="34" charset="0"/>
-              </a:rPr>
-              <a:t>).</a:t>
-            </a:r>
-            <a:endParaRPr lang="es-PE" sz="2600" dirty="0">
+              <a:tailEnd type="arrow"/>
+            </a:ln>
+          </p:spPr>
+          <p:style>
+            <a:lnRef idx="3">
+              <a:schemeClr val="accent6"/>
+            </a:lnRef>
+            <a:fillRef idx="0">
+              <a:schemeClr val="accent6"/>
+            </a:fillRef>
+            <a:effectRef idx="2">
+              <a:schemeClr val="accent6"/>
+            </a:effectRef>
+            <a:fontRef idx="minor">
+              <a:schemeClr val="tx1"/>
+            </a:fontRef>
+          </p:style>
+        </p:cxnSp>
+        <p:cxnSp>
+          <p:nvCxnSpPr>
+            <p:cNvPr id="45" name="44 Conector recto de flecha"/>
+            <p:cNvCxnSpPr>
+              <a:stCxn id="22" idx="1"/>
+              <a:endCxn id="40" idx="3"/>
+            </p:cNvCxnSpPr>
+            <p:nvPr/>
+          </p:nvCxnSpPr>
+          <p:spPr>
+            <a:xfrm flipH="1">
+              <a:off x="3906235" y="3558338"/>
+              <a:ext cx="1547554" cy="0"/>
+            </a:xfrm>
+            <a:prstGeom prst="straightConnector1">
+              <a:avLst/>
+            </a:prstGeom>
+            <a:ln w="38100">
               <a:solidFill>
-                <a:schemeClr val="tx1">
-                  <a:lumMod val="95000"/>
-                </a:schemeClr>
+                <a:srgbClr val="FFC000"/>
               </a:solidFill>
-              <a:latin typeface="Calibri" pitchFamily="34" charset="0"/>
-            </a:endParaRPr>
-          </a:p>
-        </p:txBody>
-      </p:sp>
+              <a:tailEnd type="arrow"/>
+            </a:ln>
+          </p:spPr>
+          <p:style>
+            <a:lnRef idx="3">
+              <a:schemeClr val="accent6"/>
+            </a:lnRef>
+            <a:fillRef idx="0">
+              <a:schemeClr val="accent6"/>
+            </a:fillRef>
+            <a:effectRef idx="2">
+              <a:schemeClr val="accent6"/>
+            </a:effectRef>
+            <a:fontRef idx="minor">
+              <a:schemeClr val="tx1"/>
+            </a:fontRef>
+          </p:style>
+        </p:cxnSp>
+        <p:cxnSp>
+          <p:nvCxnSpPr>
+            <p:cNvPr id="46" name="45 Conector recto de flecha"/>
+            <p:cNvCxnSpPr>
+              <a:stCxn id="21" idx="1"/>
+              <a:endCxn id="2" idx="3"/>
+            </p:cNvCxnSpPr>
+            <p:nvPr/>
+          </p:nvCxnSpPr>
+          <p:spPr>
+            <a:xfrm flipH="1">
+              <a:off x="4517187" y="4732987"/>
+              <a:ext cx="355529" cy="0"/>
+            </a:xfrm>
+            <a:prstGeom prst="straightConnector1">
+              <a:avLst/>
+            </a:prstGeom>
+            <a:ln w="38100">
+              <a:solidFill>
+                <a:srgbClr val="FFC000"/>
+              </a:solidFill>
+              <a:tailEnd type="arrow"/>
+            </a:ln>
+          </p:spPr>
+          <p:style>
+            <a:lnRef idx="3">
+              <a:schemeClr val="accent6"/>
+            </a:lnRef>
+            <a:fillRef idx="0">
+              <a:schemeClr val="accent6"/>
+            </a:fillRef>
+            <a:effectRef idx="2">
+              <a:schemeClr val="accent6"/>
+            </a:effectRef>
+            <a:fontRef idx="minor">
+              <a:schemeClr val="tx1"/>
+            </a:fontRef>
+          </p:style>
+        </p:cxnSp>
+      </p:grpSp>
     </p:spTree>
     <p:extLst>
       <p:ext uri="{BB962C8B-B14F-4D97-AF65-F5344CB8AC3E}">
-        <p14:creationId xmlns:p14="http://schemas.microsoft.com/office/powerpoint/2010/main" val="1748465625"/>
+        <p14:creationId xmlns:p14="http://schemas.microsoft.com/office/powerpoint/2010/main" val="2951643361"/>
       </p:ext>
     </p:extLst>
   </p:cSld>
@@ -10280,7 +10961,7 @@
     </p:spTree>
     <p:extLst>
       <p:ext uri="{BB962C8B-B14F-4D97-AF65-F5344CB8AC3E}">
-        <p14:creationId xmlns:p14="http://schemas.microsoft.com/office/powerpoint/2010/main" val="951303875"/>
+        <p14:creationId xmlns:p14="http://schemas.microsoft.com/office/powerpoint/2010/main" val="714564483"/>
       </p:ext>
     </p:extLst>
   </p:cSld>
@@ -10502,7 +11183,7 @@
       </p:grpSpPr>
       <p:sp>
         <p:nvSpPr>
-          <p:cNvPr id="3" name="2 Título"/>
+          <p:cNvPr id="13" name="2 Título"/>
           <p:cNvSpPr>
             <a:spLocks noGrp="1"/>
           </p:cNvSpPr>
@@ -10512,8 +11193,8 @@
         </p:nvSpPr>
         <p:spPr>
           <a:xfrm>
-            <a:off x="524338" y="216030"/>
-            <a:ext cx="8229600" cy="724942"/>
+            <a:off x="529208" y="476672"/>
+            <a:ext cx="8229600" cy="864096"/>
           </a:xfrm>
         </p:spPr>
         <p:txBody>
@@ -10526,124 +11207,239 @@
                   <a:srgbClr val="00823B"/>
                 </a:solidFill>
               </a:rPr>
-              <a:t>Información Adicional</a:t>
-            </a:r>
-            <a:endParaRPr lang="es-PE" dirty="0">
-              <a:solidFill>
-                <a:srgbClr val="00823B"/>
-              </a:solidFill>
-            </a:endParaRPr>
+              <a:t>Beneficios del 1er Cuadrante</a:t>
+            </a:r>
+            <a:br>
+              <a:rPr lang="es-PE" dirty="0" smtClean="0">
+                <a:solidFill>
+                  <a:srgbClr val="00823B"/>
+                </a:solidFill>
+              </a:rPr>
+            </a:br>
+            <a:r>
+              <a:rPr lang="es-PE" dirty="0">
+                <a:solidFill>
+                  <a:srgbClr val="00823B"/>
+                </a:solidFill>
+              </a:rPr>
+              <a:t>(</a:t>
+            </a:r>
+            <a:r>
+              <a:rPr lang="es-PE" dirty="0" err="1">
+                <a:solidFill>
+                  <a:srgbClr val="00823B"/>
+                </a:solidFill>
+              </a:rPr>
+              <a:t>Unit</a:t>
+            </a:r>
+            <a:r>
+              <a:rPr lang="es-PE" dirty="0">
+                <a:solidFill>
+                  <a:srgbClr val="00823B"/>
+                </a:solidFill>
+              </a:rPr>
+              <a:t>, Integration y </a:t>
+            </a:r>
+            <a:r>
+              <a:rPr lang="es-PE" dirty="0" err="1">
+                <a:solidFill>
+                  <a:srgbClr val="00823B"/>
+                </a:solidFill>
+              </a:rPr>
+              <a:t>System</a:t>
+            </a:r>
+            <a:r>
+              <a:rPr lang="es-PE" dirty="0">
+                <a:solidFill>
+                  <a:srgbClr val="00823B"/>
+                </a:solidFill>
+              </a:rPr>
+              <a:t> </a:t>
+            </a:r>
+            <a:r>
+              <a:rPr lang="es-PE" dirty="0" err="1">
+                <a:solidFill>
+                  <a:srgbClr val="00823B"/>
+                </a:solidFill>
+              </a:rPr>
+              <a:t>Tests</a:t>
+            </a:r>
+            <a:r>
+              <a:rPr lang="es-PE" dirty="0">
+                <a:solidFill>
+                  <a:srgbClr val="00823B"/>
+                </a:solidFill>
+              </a:rPr>
+              <a:t>)</a:t>
+            </a:r>
           </a:p>
         </p:txBody>
       </p:sp>
       <p:sp>
         <p:nvSpPr>
-          <p:cNvPr id="13" name="12 CuadroTexto"/>
-          <p:cNvSpPr txBox="1"/>
-          <p:nvPr/>
+          <p:cNvPr id="5" name="2 Marcador de contenido"/>
+          <p:cNvSpPr>
+            <a:spLocks noGrp="1"/>
+          </p:cNvSpPr>
+          <p:nvPr>
+            <p:ph idx="1"/>
+          </p:nvPr>
         </p:nvSpPr>
         <p:spPr>
           <a:xfrm>
-            <a:off x="209672" y="1124744"/>
-            <a:ext cx="8712968" cy="1938992"/>
+            <a:off x="194502" y="2032248"/>
+            <a:ext cx="8820472" cy="2908920"/>
           </a:xfrm>
-          <a:prstGeom prst="rect">
-            <a:avLst/>
-          </a:prstGeom>
-          <a:noFill/>
         </p:spPr>
         <p:txBody>
-          <a:bodyPr wrap="square" rtlCol="0">
-            <a:spAutoFit/>
-          </a:bodyPr>
+          <a:bodyPr/>
           <a:lstStyle/>
           <a:p>
-            <a:pPr marL="457200" indent="-457200">
-              <a:buFont typeface="Arial" pitchFamily="34" charset="0"/>
-              <a:buChar char="•"/>
+            <a:pPr marL="0" indent="0" algn="ctr">
+              <a:buNone/>
             </a:pPr>
             <a:r>
-              <a:rPr lang="es-PE" sz="2400" dirty="0" smtClean="0"/>
-              <a:t>Manual </a:t>
-            </a:r>
-            <a:r>
-              <a:rPr lang="es-PE" sz="2400" dirty="0" err="1" smtClean="0"/>
-              <a:t>tests</a:t>
-            </a:r>
-            <a:r>
-              <a:rPr lang="es-PE" sz="2400" dirty="0" smtClean="0"/>
-              <a:t> are </a:t>
-            </a:r>
-            <a:r>
-              <a:rPr lang="es-PE" sz="2400" dirty="0" err="1" smtClean="0"/>
-              <a:t>Important</a:t>
-            </a:r>
-            <a:r>
-              <a:rPr lang="es-PE" sz="2400" dirty="0" smtClean="0"/>
+              <a:rPr lang="es-PE" sz="2800" dirty="0">
+                <a:solidFill>
+                  <a:schemeClr val="tx1">
+                    <a:lumMod val="95000"/>
+                  </a:schemeClr>
+                </a:solidFill>
+                <a:latin typeface="Calibri" pitchFamily="34" charset="0"/>
+              </a:rPr>
+              <a:t>Proporcionan una capa de seguridad para </a:t>
+            </a:r>
+            <a:r>
+              <a:rPr lang="es-PE" sz="2800" dirty="0" smtClean="0">
+                <a:solidFill>
+                  <a:schemeClr val="tx1">
+                    <a:lumMod val="95000"/>
+                  </a:schemeClr>
+                </a:solidFill>
+                <a:latin typeface="Calibri" pitchFamily="34" charset="0"/>
+              </a:rPr>
               <a:t/>
             </a:r>
             <a:br>
-              <a:rPr lang="es-PE" sz="2400" dirty="0" smtClean="0"/>
+              <a:rPr lang="es-PE" sz="2800" dirty="0" smtClean="0">
+                <a:solidFill>
+                  <a:schemeClr val="tx1">
+                    <a:lumMod val="95000"/>
+                  </a:schemeClr>
+                </a:solidFill>
+                <a:latin typeface="Calibri" pitchFamily="34" charset="0"/>
+              </a:rPr>
             </a:br>
             <a:r>
-              <a:rPr lang="es-PE" sz="2400" dirty="0">
+              <a:rPr lang="es-PE" sz="2800" b="1" dirty="0" smtClean="0">
                 <a:solidFill>
                   <a:srgbClr val="FFC000"/>
                 </a:solidFill>
+                <a:latin typeface="Calibri" pitchFamily="34" charset="0"/>
               </a:rPr>
-              <a:t>http://www.satisfice.com/blog/archives/58</a:t>
-            </a:r>
-          </a:p>
-          <a:p>
-            <a:pPr marL="457200" indent="-457200">
-              <a:buFont typeface="Arial" pitchFamily="34" charset="0"/>
-              <a:buChar char="•"/>
+              <a:t>agregar </a:t>
+            </a:r>
+            <a:r>
+              <a:rPr lang="es-PE" sz="2800" b="1" dirty="0">
+                <a:solidFill>
+                  <a:srgbClr val="FFC000"/>
+                </a:solidFill>
+                <a:latin typeface="Calibri" pitchFamily="34" charset="0"/>
+              </a:rPr>
+              <a:t>o modificar características </a:t>
+            </a:r>
+            <a:r>
+              <a:rPr lang="es-PE" sz="2800" b="1" dirty="0" smtClean="0">
+                <a:solidFill>
+                  <a:srgbClr val="FFC000"/>
+                </a:solidFill>
+                <a:latin typeface="Calibri" pitchFamily="34" charset="0"/>
+              </a:rPr>
+              <a:t>a la </a:t>
+            </a:r>
+            <a:r>
+              <a:rPr lang="es-PE" sz="2800" b="1" dirty="0">
+                <a:solidFill>
+                  <a:srgbClr val="FFC000"/>
+                </a:solidFill>
+                <a:latin typeface="Calibri" pitchFamily="34" charset="0"/>
+              </a:rPr>
+              <a:t>aplicación de manera </a:t>
+            </a:r>
+            <a:r>
+              <a:rPr lang="es-PE" sz="2800" b="1" dirty="0" smtClean="0">
+                <a:solidFill>
+                  <a:srgbClr val="FFC000"/>
+                </a:solidFill>
+                <a:latin typeface="Calibri" pitchFamily="34" charset="0"/>
+              </a:rPr>
+              <a:t>segura.</a:t>
+            </a:r>
+          </a:p>
+          <a:p>
+            <a:pPr marL="0" indent="0" algn="ctr">
+              <a:buNone/>
             </a:pPr>
-            <a:endParaRPr lang="es-PE" sz="2400" dirty="0" smtClean="0"/>
-          </a:p>
-          <a:p>
-            <a:pPr marL="457200" indent="-457200">
-              <a:buFont typeface="Arial" pitchFamily="34" charset="0"/>
-              <a:buChar char="•"/>
-            </a:pPr>
-            <a:r>
-              <a:rPr lang="es-PE" sz="2400" dirty="0" smtClean="0"/>
-              <a:t>Agile </a:t>
-            </a:r>
-            <a:r>
-              <a:rPr lang="es-PE" sz="2400" dirty="0" err="1" smtClean="0"/>
-              <a:t>Testing</a:t>
-            </a:r>
-            <a:r>
-              <a:rPr lang="es-PE" sz="2400" dirty="0" smtClean="0"/>
-              <a:t> </a:t>
-            </a:r>
-            <a:r>
-              <a:rPr lang="es-PE" sz="2400" dirty="0" err="1" smtClean="0"/>
-              <a:t>Matrix</a:t>
-            </a:r>
-            <a:r>
-              <a:rPr lang="es-PE" sz="2400" dirty="0" smtClean="0"/>
-              <a:t/>
-            </a:r>
-            <a:br>
-              <a:rPr lang="es-PE" sz="2400" dirty="0" smtClean="0"/>
-            </a:br>
-            <a:r>
-              <a:rPr lang="es-PE" sz="2400" dirty="0">
-                <a:solidFill>
-                  <a:srgbClr val="FFC000"/>
-                </a:solidFill>
+            <a:endParaRPr lang="es-PE" sz="2600" dirty="0" smtClean="0">
+              <a:solidFill>
+                <a:schemeClr val="tx1">
+                  <a:lumMod val="95000"/>
+                </a:schemeClr>
+              </a:solidFill>
+              <a:latin typeface="Calibri" pitchFamily="34" charset="0"/>
+            </a:endParaRPr>
+          </a:p>
+          <a:p>
+            <a:r>
+              <a:rPr lang="es-PE" sz="2600" dirty="0">
+                <a:solidFill>
+                  <a:schemeClr val="tx1">
+                    <a:lumMod val="95000"/>
+                  </a:schemeClr>
+                </a:solidFill>
+                <a:latin typeface="Calibri" pitchFamily="34" charset="0"/>
               </a:rPr>
-              <a:t>http://www.exampler.com/old-blog/2003/08/21/</a:t>
-            </a:r>
+              <a:t>Hacer más en menos tiempo (Pruebas de Regresión).</a:t>
+            </a:r>
+          </a:p>
+          <a:p>
+            <a:r>
+              <a:rPr lang="es-PE" sz="2600" dirty="0">
+                <a:solidFill>
+                  <a:schemeClr val="tx1">
+                    <a:lumMod val="95000"/>
+                  </a:schemeClr>
+                </a:solidFill>
+                <a:latin typeface="Calibri" pitchFamily="34" charset="0"/>
+              </a:rPr>
+              <a:t>Calidad Interna (Habilita el Refactoring</a:t>
+            </a:r>
+            <a:r>
+              <a:rPr lang="es-PE" sz="2600" dirty="0" smtClean="0">
+                <a:solidFill>
+                  <a:schemeClr val="tx1">
+                    <a:lumMod val="95000"/>
+                  </a:schemeClr>
+                </a:solidFill>
+                <a:latin typeface="Calibri" pitchFamily="34" charset="0"/>
+              </a:rPr>
+              <a:t>).</a:t>
+            </a:r>
+            <a:endParaRPr lang="es-PE" sz="2600" dirty="0">
+              <a:solidFill>
+                <a:schemeClr val="tx1">
+                  <a:lumMod val="95000"/>
+                </a:schemeClr>
+              </a:solidFill>
+              <a:latin typeface="Calibri" pitchFamily="34" charset="0"/>
+            </a:endParaRPr>
           </a:p>
         </p:txBody>
       </p:sp>
     </p:spTree>
     <p:extLst>
       <p:ext uri="{BB962C8B-B14F-4D97-AF65-F5344CB8AC3E}">
-        <p14:creationId xmlns:p14="http://schemas.microsoft.com/office/powerpoint/2010/main" val="1813450959"/>
+        <p14:creationId xmlns:p14="http://schemas.microsoft.com/office/powerpoint/2010/main" val="733829696"/>
       </p:ext>
     </p:extLst>
   </p:cSld>
